--- a/演示文稿3.pptx
+++ b/演示文稿3.pptx
@@ -7,6 +7,8 @@
   <p:sldIdLst>
     <p:sldId id="256" r:id="rId2"/>
     <p:sldId id="257" r:id="rId3"/>
+    <p:sldId id="258" r:id="rId4"/>
+    <p:sldId id="259" r:id="rId5"/>
   </p:sldIdLst>
   <p:sldSz cx="12192000" cy="6858000"/>
   <p:notesSz cx="6858000" cy="9144000"/>
@@ -105,6 +107,11 @@
       </a:defRPr>
     </a:lvl9pPr>
   </p:defaultTextStyle>
+  <p:extLst>
+    <p:ext uri="{EFAFB233-063F-42B5-8137-9DF3F51BA10A}">
+      <p15:sldGuideLst xmlns:p15="http://schemas.microsoft.com/office/powerpoint/2012/main"/>
+    </p:ext>
+  </p:extLst>
 </p:presentation>
 </file>
 
@@ -2970,7 +2977,7 @@
           <p:cNvPr id="4" name="圆角矩形 3">
             <a:extLst>
               <a:ext uri="{FF2B5EF4-FFF2-40B4-BE49-F238E27FC236}">
-                <a16:creationId xmlns="" xmlns:a16="http://schemas.microsoft.com/office/drawing/2014/main" id="{200D51A0-0BD3-9849-8F36-14A3C9360317}"/>
+                <a16:creationId xmlns:a16="http://schemas.microsoft.com/office/drawing/2014/main" xmlns="" id="{200D51A0-0BD3-9849-8F36-14A3C9360317}"/>
               </a:ext>
             </a:extLst>
           </p:cNvPr>
@@ -3034,7 +3041,7 @@
           <p:cNvPr id="5" name="圆角矩形 4">
             <a:extLst>
               <a:ext uri="{FF2B5EF4-FFF2-40B4-BE49-F238E27FC236}">
-                <a16:creationId xmlns="" xmlns:a16="http://schemas.microsoft.com/office/drawing/2014/main" id="{9E374049-051F-4548-B250-550EC316EB45}"/>
+                <a16:creationId xmlns:a16="http://schemas.microsoft.com/office/drawing/2014/main" xmlns="" id="{9E374049-051F-4548-B250-550EC316EB45}"/>
               </a:ext>
             </a:extLst>
           </p:cNvPr>
@@ -3083,14 +3090,14 @@
           </a:p>
         </p:txBody>
       </p:sp>
-      <mc:AlternateContent xmlns:mc="http://schemas.openxmlformats.org/markup-compatibility/2006">
-        <mc:Choice xmlns:a14="http://schemas.microsoft.com/office/drawing/2010/main" Requires="a14">
+      <mc:AlternateContent xmlns:mc="http://schemas.openxmlformats.org/markup-compatibility/2006" xmlns:a14="http://schemas.microsoft.com/office/drawing/2010/main">
+        <mc:Choice Requires="a14">
           <p:sp>
             <p:nvSpPr>
               <p:cNvPr id="6" name="圆角矩形 5">
                 <a:extLst>
                   <a:ext uri="{FF2B5EF4-FFF2-40B4-BE49-F238E27FC236}">
-                    <a16:creationId xmlns="" xmlns:a16="http://schemas.microsoft.com/office/drawing/2014/main" id="{5FCBEBAC-8971-B44A-A5B8-0A43F0F50D67}"/>
+                    <a16:creationId xmlns:a16="http://schemas.microsoft.com/office/drawing/2014/main" xmlns="" id="{5FCBEBAC-8971-B44A-A5B8-0A43F0F50D67}"/>
                   </a:ext>
                 </a:extLst>
               </p:cNvPr>
@@ -3151,7 +3158,7 @@
             </p:txBody>
           </p:sp>
         </mc:Choice>
-        <mc:Fallback>
+        <mc:Fallback xmlns="">
           <p:sp>
             <p:nvSpPr>
               <p:cNvPr id="6" name="圆角矩形 5">
@@ -3201,7 +3208,7 @@
           <p:cNvPr id="7" name="圆角矩形 6">
             <a:extLst>
               <a:ext uri="{FF2B5EF4-FFF2-40B4-BE49-F238E27FC236}">
-                <a16:creationId xmlns="" xmlns:a16="http://schemas.microsoft.com/office/drawing/2014/main" id="{F877A390-C74C-4F41-8A09-C4580876F3C0}"/>
+                <a16:creationId xmlns:a16="http://schemas.microsoft.com/office/drawing/2014/main" xmlns="" id="{F877A390-C74C-4F41-8A09-C4580876F3C0}"/>
               </a:ext>
             </a:extLst>
           </p:cNvPr>
@@ -3255,7 +3262,7 @@
           <p:cNvPr id="8" name="圆角矩形 7">
             <a:extLst>
               <a:ext uri="{FF2B5EF4-FFF2-40B4-BE49-F238E27FC236}">
-                <a16:creationId xmlns="" xmlns:mc="http://schemas.openxmlformats.org/markup-compatibility/2006" xmlns:a14="http://schemas.microsoft.com/office/drawing/2010/main" xmlns:a16="http://schemas.microsoft.com/office/drawing/2014/main" id="{36CA9403-A848-FE4D-A049-F0C0BE09BE26}"/>
+                <a16:creationId xmlns:a16="http://schemas.microsoft.com/office/drawing/2014/main" xmlns:a14="http://schemas.microsoft.com/office/drawing/2010/main" xmlns:mc="http://schemas.openxmlformats.org/markup-compatibility/2006" xmlns="" id="{36CA9403-A848-FE4D-A049-F0C0BE09BE26}"/>
               </a:ext>
             </a:extLst>
           </p:cNvPr>
@@ -3309,7 +3316,7 @@
           <p:cNvPr id="9" name="十字形 8">
             <a:extLst>
               <a:ext uri="{FF2B5EF4-FFF2-40B4-BE49-F238E27FC236}">
-                <a16:creationId xmlns="" xmlns:a16="http://schemas.microsoft.com/office/drawing/2014/main" id="{4FD8FA4D-1907-064E-B7E6-10A4560841B2}"/>
+                <a16:creationId xmlns:a16="http://schemas.microsoft.com/office/drawing/2014/main" xmlns="" id="{4FD8FA4D-1907-064E-B7E6-10A4560841B2}"/>
               </a:ext>
             </a:extLst>
           </p:cNvPr>
@@ -3365,7 +3372,7 @@
           <p:cNvPr id="10" name="十字形 9">
             <a:extLst>
               <a:ext uri="{FF2B5EF4-FFF2-40B4-BE49-F238E27FC236}">
-                <a16:creationId xmlns="" xmlns:a16="http://schemas.microsoft.com/office/drawing/2014/main" id="{C53AA193-7AFB-BB4D-972D-BFFD74D5B4C6}"/>
+                <a16:creationId xmlns:a16="http://schemas.microsoft.com/office/drawing/2014/main" xmlns="" id="{C53AA193-7AFB-BB4D-972D-BFFD74D5B4C6}"/>
               </a:ext>
             </a:extLst>
           </p:cNvPr>
@@ -3421,7 +3428,7 @@
           <p:cNvPr id="11" name="文本框 10">
             <a:extLst>
               <a:ext uri="{FF2B5EF4-FFF2-40B4-BE49-F238E27FC236}">
-                <a16:creationId xmlns="" xmlns:a16="http://schemas.microsoft.com/office/drawing/2014/main" id="{1FBDEA93-9885-6B4F-8D76-3A47A9DE8BF2}"/>
+                <a16:creationId xmlns:a16="http://schemas.microsoft.com/office/drawing/2014/main" xmlns="" id="{1FBDEA93-9885-6B4F-8D76-3A47A9DE8BF2}"/>
               </a:ext>
             </a:extLst>
           </p:cNvPr>
@@ -3465,7 +3472,7 @@
           <p:cNvPr id="12" name="文本框 11">
             <a:extLst>
               <a:ext uri="{FF2B5EF4-FFF2-40B4-BE49-F238E27FC236}">
-                <a16:creationId xmlns="" xmlns:a16="http://schemas.microsoft.com/office/drawing/2014/main" id="{DCCFB33A-D894-AF4B-B5D3-4133E0483569}"/>
+                <a16:creationId xmlns:a16="http://schemas.microsoft.com/office/drawing/2014/main" xmlns="" id="{DCCFB33A-D894-AF4B-B5D3-4133E0483569}"/>
               </a:ext>
             </a:extLst>
           </p:cNvPr>
@@ -3509,7 +3516,7 @@
           <p:cNvPr id="13" name="上箭头 12">
             <a:extLst>
               <a:ext uri="{FF2B5EF4-FFF2-40B4-BE49-F238E27FC236}">
-                <a16:creationId xmlns="" xmlns:a16="http://schemas.microsoft.com/office/drawing/2014/main" id="{DA7FB890-7724-4C4F-A5DE-FE988E7995D7}"/>
+                <a16:creationId xmlns:a16="http://schemas.microsoft.com/office/drawing/2014/main" xmlns="" id="{DA7FB890-7724-4C4F-A5DE-FE988E7995D7}"/>
               </a:ext>
             </a:extLst>
           </p:cNvPr>
@@ -3563,7 +3570,7 @@
           <p:cNvPr id="14" name="上箭头 13">
             <a:extLst>
               <a:ext uri="{FF2B5EF4-FFF2-40B4-BE49-F238E27FC236}">
-                <a16:creationId xmlns="" xmlns:a16="http://schemas.microsoft.com/office/drawing/2014/main" id="{98437923-21EA-E940-9906-113C007CED40}"/>
+                <a16:creationId xmlns:a16="http://schemas.microsoft.com/office/drawing/2014/main" xmlns="" id="{98437923-21EA-E940-9906-113C007CED40}"/>
               </a:ext>
             </a:extLst>
           </p:cNvPr>
@@ -3617,7 +3624,7 @@
           <p:cNvPr id="15" name="圆角矩形 14">
             <a:extLst>
               <a:ext uri="{FF2B5EF4-FFF2-40B4-BE49-F238E27FC236}">
-                <a16:creationId xmlns="" xmlns:a16="http://schemas.microsoft.com/office/drawing/2014/main" id="{200D51A0-0BD3-9849-8F36-14A3C9360317}"/>
+                <a16:creationId xmlns:a16="http://schemas.microsoft.com/office/drawing/2014/main" xmlns="" id="{200D51A0-0BD3-9849-8F36-14A3C9360317}"/>
               </a:ext>
             </a:extLst>
           </p:cNvPr>
@@ -3697,7 +3704,7 @@
           <p:cNvPr id="16" name="圆角矩形 15">
             <a:extLst>
               <a:ext uri="{FF2B5EF4-FFF2-40B4-BE49-F238E27FC236}">
-                <a16:creationId xmlns="" xmlns:a16="http://schemas.microsoft.com/office/drawing/2014/main" id="{200D51A0-0BD3-9849-8F36-14A3C9360317}"/>
+                <a16:creationId xmlns:a16="http://schemas.microsoft.com/office/drawing/2014/main" xmlns="" id="{200D51A0-0BD3-9849-8F36-14A3C9360317}"/>
               </a:ext>
             </a:extLst>
           </p:cNvPr>
@@ -3772,14 +3779,14 @@
           </a:p>
         </p:txBody>
       </p:sp>
-      <mc:AlternateContent xmlns:mc="http://schemas.openxmlformats.org/markup-compatibility/2006">
-        <mc:Choice xmlns:a14="http://schemas.microsoft.com/office/drawing/2010/main" Requires="a14">
+      <mc:AlternateContent xmlns:mc="http://schemas.openxmlformats.org/markup-compatibility/2006" xmlns:a14="http://schemas.microsoft.com/office/drawing/2010/main">
+        <mc:Choice Requires="a14">
           <p:sp>
             <p:nvSpPr>
               <p:cNvPr id="17" name="圆角矩形 16">
                 <a:extLst>
                   <a:ext uri="{FF2B5EF4-FFF2-40B4-BE49-F238E27FC236}">
-                    <a16:creationId xmlns="" xmlns:a16="http://schemas.microsoft.com/office/drawing/2014/main" id="{5FCBEBAC-8971-B44A-A5B8-0A43F0F50D67}"/>
+                    <a16:creationId xmlns:a16="http://schemas.microsoft.com/office/drawing/2014/main" xmlns="" id="{5FCBEBAC-8971-B44A-A5B8-0A43F0F50D67}"/>
                   </a:ext>
                 </a:extLst>
               </p:cNvPr>
@@ -3842,7 +3849,7 @@
             </p:txBody>
           </p:sp>
         </mc:Choice>
-        <mc:Fallback>
+        <mc:Fallback xmlns="">
           <p:sp>
             <p:nvSpPr>
               <p:cNvPr id="17" name="圆角矩形 16">
@@ -3887,14 +3894,14 @@
           </p:sp>
         </mc:Fallback>
       </mc:AlternateContent>
-      <mc:AlternateContent xmlns:mc="http://schemas.openxmlformats.org/markup-compatibility/2006">
-        <mc:Choice xmlns:a14="http://schemas.microsoft.com/office/drawing/2010/main" Requires="a14">
+      <mc:AlternateContent xmlns:mc="http://schemas.openxmlformats.org/markup-compatibility/2006" xmlns:a14="http://schemas.microsoft.com/office/drawing/2010/main">
+        <mc:Choice Requires="a14">
           <p:sp>
             <p:nvSpPr>
               <p:cNvPr id="18" name="圆角矩形 17">
                 <a:extLst>
                   <a:ext uri="{FF2B5EF4-FFF2-40B4-BE49-F238E27FC236}">
-                    <a16:creationId xmlns="" xmlns:a16="http://schemas.microsoft.com/office/drawing/2014/main" id="{36CA9403-A848-FE4D-A049-F0C0BE09BE26}"/>
+                    <a16:creationId xmlns:a16="http://schemas.microsoft.com/office/drawing/2014/main" xmlns="" id="{36CA9403-A848-FE4D-A049-F0C0BE09BE26}"/>
                   </a:ext>
                 </a:extLst>
               </p:cNvPr>
@@ -3994,7 +4001,7 @@
             </p:txBody>
           </p:sp>
         </mc:Choice>
-        <mc:Fallback>
+        <mc:Fallback xmlns="">
           <p:sp>
             <p:nvSpPr>
               <p:cNvPr id="18" name="圆角矩形 17">
@@ -4044,7 +4051,7 @@
           <p:cNvPr id="19" name="十字形 18">
             <a:extLst>
               <a:ext uri="{FF2B5EF4-FFF2-40B4-BE49-F238E27FC236}">
-                <a16:creationId xmlns="" xmlns:a16="http://schemas.microsoft.com/office/drawing/2014/main" id="{C53AA193-7AFB-BB4D-972D-BFFD74D5B4C6}"/>
+                <a16:creationId xmlns:a16="http://schemas.microsoft.com/office/drawing/2014/main" xmlns="" id="{C53AA193-7AFB-BB4D-972D-BFFD74D5B4C6}"/>
               </a:ext>
             </a:extLst>
           </p:cNvPr>
@@ -4100,7 +4107,7 @@
           <p:cNvPr id="20" name="上箭头 19">
             <a:extLst>
               <a:ext uri="{FF2B5EF4-FFF2-40B4-BE49-F238E27FC236}">
-                <a16:creationId xmlns="" xmlns:a16="http://schemas.microsoft.com/office/drawing/2014/main" id="{DA7FB890-7724-4C4F-A5DE-FE988E7995D7}"/>
+                <a16:creationId xmlns:a16="http://schemas.microsoft.com/office/drawing/2014/main" xmlns="" id="{DA7FB890-7724-4C4F-A5DE-FE988E7995D7}"/>
               </a:ext>
             </a:extLst>
           </p:cNvPr>
@@ -4149,14 +4156,14 @@
           </a:p>
         </p:txBody>
       </p:sp>
-      <mc:AlternateContent xmlns:mc="http://schemas.openxmlformats.org/markup-compatibility/2006">
-        <mc:Choice xmlns:a14="http://schemas.microsoft.com/office/drawing/2010/main" Requires="a14">
+      <mc:AlternateContent xmlns:mc="http://schemas.openxmlformats.org/markup-compatibility/2006" xmlns:a14="http://schemas.microsoft.com/office/drawing/2010/main">
+        <mc:Choice Requires="a14">
           <p:sp>
             <p:nvSpPr>
               <p:cNvPr id="21" name="圆角矩形 20">
                 <a:extLst>
                   <a:ext uri="{FF2B5EF4-FFF2-40B4-BE49-F238E27FC236}">
-                    <a16:creationId xmlns="" xmlns:a16="http://schemas.microsoft.com/office/drawing/2014/main" id="{5FCBEBAC-8971-B44A-A5B8-0A43F0F50D67}"/>
+                    <a16:creationId xmlns:a16="http://schemas.microsoft.com/office/drawing/2014/main" xmlns="" id="{5FCBEBAC-8971-B44A-A5B8-0A43F0F50D67}"/>
                   </a:ext>
                 </a:extLst>
               </p:cNvPr>
@@ -4217,7 +4224,7 @@
             </p:txBody>
           </p:sp>
         </mc:Choice>
-        <mc:Fallback>
+        <mc:Fallback xmlns="">
           <p:sp>
             <p:nvSpPr>
               <p:cNvPr id="21" name="圆角矩形 20">
@@ -4262,14 +4269,14 @@
           </p:sp>
         </mc:Fallback>
       </mc:AlternateContent>
-      <mc:AlternateContent xmlns:mc="http://schemas.openxmlformats.org/markup-compatibility/2006">
-        <mc:Choice xmlns:a14="http://schemas.microsoft.com/office/drawing/2010/main" Requires="a14">
+      <mc:AlternateContent xmlns:mc="http://schemas.openxmlformats.org/markup-compatibility/2006" xmlns:a14="http://schemas.microsoft.com/office/drawing/2010/main">
+        <mc:Choice Requires="a14">
           <p:sp>
             <p:nvSpPr>
               <p:cNvPr id="22" name="圆角矩形 21">
                 <a:extLst>
                   <a:ext uri="{FF2B5EF4-FFF2-40B4-BE49-F238E27FC236}">
-                    <a16:creationId xmlns="" xmlns:a16="http://schemas.microsoft.com/office/drawing/2014/main" id="{36CA9403-A848-FE4D-A049-F0C0BE09BE26}"/>
+                    <a16:creationId xmlns:a16="http://schemas.microsoft.com/office/drawing/2014/main" xmlns="" id="{36CA9403-A848-FE4D-A049-F0C0BE09BE26}"/>
                   </a:ext>
                 </a:extLst>
               </p:cNvPr>
@@ -4357,7 +4364,7 @@
             </p:txBody>
           </p:sp>
         </mc:Choice>
-        <mc:Fallback>
+        <mc:Fallback xmlns="">
           <p:sp>
             <p:nvSpPr>
               <p:cNvPr id="22" name="圆角矩形 21">
@@ -4407,7 +4414,7 @@
           <p:cNvPr id="23" name="十字形 22">
             <a:extLst>
               <a:ext uri="{FF2B5EF4-FFF2-40B4-BE49-F238E27FC236}">
-                <a16:creationId xmlns="" xmlns:a16="http://schemas.microsoft.com/office/drawing/2014/main" id="{C53AA193-7AFB-BB4D-972D-BFFD74D5B4C6}"/>
+                <a16:creationId xmlns:a16="http://schemas.microsoft.com/office/drawing/2014/main" xmlns="" id="{C53AA193-7AFB-BB4D-972D-BFFD74D5B4C6}"/>
               </a:ext>
             </a:extLst>
           </p:cNvPr>
@@ -4463,7 +4470,7 @@
           <p:cNvPr id="24" name="上箭头 23">
             <a:extLst>
               <a:ext uri="{FF2B5EF4-FFF2-40B4-BE49-F238E27FC236}">
-                <a16:creationId xmlns="" xmlns:a16="http://schemas.microsoft.com/office/drawing/2014/main" id="{DA7FB890-7724-4C4F-A5DE-FE988E7995D7}"/>
+                <a16:creationId xmlns:a16="http://schemas.microsoft.com/office/drawing/2014/main" xmlns="" id="{DA7FB890-7724-4C4F-A5DE-FE988E7995D7}"/>
               </a:ext>
             </a:extLst>
           </p:cNvPr>
@@ -4512,14 +4519,14 @@
           </a:p>
         </p:txBody>
       </p:sp>
-      <mc:AlternateContent xmlns:mc="http://schemas.openxmlformats.org/markup-compatibility/2006">
-        <mc:Choice xmlns:a14="http://schemas.microsoft.com/office/drawing/2010/main" Requires="a14">
+      <mc:AlternateContent xmlns:mc="http://schemas.openxmlformats.org/markup-compatibility/2006" xmlns:a14="http://schemas.microsoft.com/office/drawing/2010/main">
+        <mc:Choice Requires="a14">
           <p:sp>
             <p:nvSpPr>
               <p:cNvPr id="25" name="圆角矩形 24">
                 <a:extLst>
                   <a:ext uri="{FF2B5EF4-FFF2-40B4-BE49-F238E27FC236}">
-                    <a16:creationId xmlns="" xmlns:a16="http://schemas.microsoft.com/office/drawing/2014/main" id="{5FCBEBAC-8971-B44A-A5B8-0A43F0F50D67}"/>
+                    <a16:creationId xmlns:a16="http://schemas.microsoft.com/office/drawing/2014/main" xmlns="" id="{5FCBEBAC-8971-B44A-A5B8-0A43F0F50D67}"/>
                   </a:ext>
                 </a:extLst>
               </p:cNvPr>
@@ -4580,7 +4587,7 @@
             </p:txBody>
           </p:sp>
         </mc:Choice>
-        <mc:Fallback>
+        <mc:Fallback xmlns="">
           <p:sp>
             <p:nvSpPr>
               <p:cNvPr id="25" name="圆角矩形 24">
@@ -4625,14 +4632,14 @@
           </p:sp>
         </mc:Fallback>
       </mc:AlternateContent>
-      <mc:AlternateContent xmlns:mc="http://schemas.openxmlformats.org/markup-compatibility/2006">
-        <mc:Choice xmlns:a14="http://schemas.microsoft.com/office/drawing/2010/main" Requires="a14">
+      <mc:AlternateContent xmlns:mc="http://schemas.openxmlformats.org/markup-compatibility/2006" xmlns:a14="http://schemas.microsoft.com/office/drawing/2010/main">
+        <mc:Choice Requires="a14">
           <p:sp>
             <p:nvSpPr>
               <p:cNvPr id="26" name="圆角矩形 25">
                 <a:extLst>
                   <a:ext uri="{FF2B5EF4-FFF2-40B4-BE49-F238E27FC236}">
-                    <a16:creationId xmlns="" xmlns:a16="http://schemas.microsoft.com/office/drawing/2014/main" id="{36CA9403-A848-FE4D-A049-F0C0BE09BE26}"/>
+                    <a16:creationId xmlns:a16="http://schemas.microsoft.com/office/drawing/2014/main" xmlns="" id="{36CA9403-A848-FE4D-A049-F0C0BE09BE26}"/>
                   </a:ext>
                 </a:extLst>
               </p:cNvPr>
@@ -4720,7 +4727,7 @@
             </p:txBody>
           </p:sp>
         </mc:Choice>
-        <mc:Fallback>
+        <mc:Fallback xmlns="">
           <p:sp>
             <p:nvSpPr>
               <p:cNvPr id="26" name="圆角矩形 25">
@@ -4770,7 +4777,7 @@
           <p:cNvPr id="27" name="十字形 26">
             <a:extLst>
               <a:ext uri="{FF2B5EF4-FFF2-40B4-BE49-F238E27FC236}">
-                <a16:creationId xmlns="" xmlns:a16="http://schemas.microsoft.com/office/drawing/2014/main" id="{C53AA193-7AFB-BB4D-972D-BFFD74D5B4C6}"/>
+                <a16:creationId xmlns:a16="http://schemas.microsoft.com/office/drawing/2014/main" xmlns="" id="{C53AA193-7AFB-BB4D-972D-BFFD74D5B4C6}"/>
               </a:ext>
             </a:extLst>
           </p:cNvPr>
@@ -4826,7 +4833,7 @@
           <p:cNvPr id="28" name="上箭头 27">
             <a:extLst>
               <a:ext uri="{FF2B5EF4-FFF2-40B4-BE49-F238E27FC236}">
-                <a16:creationId xmlns="" xmlns:a16="http://schemas.microsoft.com/office/drawing/2014/main" id="{DA7FB890-7724-4C4F-A5DE-FE988E7995D7}"/>
+                <a16:creationId xmlns:a16="http://schemas.microsoft.com/office/drawing/2014/main" xmlns="" id="{DA7FB890-7724-4C4F-A5DE-FE988E7995D7}"/>
               </a:ext>
             </a:extLst>
           </p:cNvPr>
@@ -4875,14 +4882,14 @@
           </a:p>
         </p:txBody>
       </p:sp>
-      <mc:AlternateContent xmlns:mc="http://schemas.openxmlformats.org/markup-compatibility/2006">
-        <mc:Choice xmlns:a14="http://schemas.microsoft.com/office/drawing/2010/main" Requires="a14">
+      <mc:AlternateContent xmlns:mc="http://schemas.openxmlformats.org/markup-compatibility/2006" xmlns:a14="http://schemas.microsoft.com/office/drawing/2010/main">
+        <mc:Choice Requires="a14">
           <p:sp>
             <p:nvSpPr>
               <p:cNvPr id="29" name="圆角矩形 28">
                 <a:extLst>
                   <a:ext uri="{FF2B5EF4-FFF2-40B4-BE49-F238E27FC236}">
-                    <a16:creationId xmlns="" xmlns:a16="http://schemas.microsoft.com/office/drawing/2014/main" id="{5FCBEBAC-8971-B44A-A5B8-0A43F0F50D67}"/>
+                    <a16:creationId xmlns:a16="http://schemas.microsoft.com/office/drawing/2014/main" xmlns="" id="{5FCBEBAC-8971-B44A-A5B8-0A43F0F50D67}"/>
                   </a:ext>
                 </a:extLst>
               </p:cNvPr>
@@ -4943,7 +4950,7 @@
             </p:txBody>
           </p:sp>
         </mc:Choice>
-        <mc:Fallback>
+        <mc:Fallback xmlns="">
           <p:sp>
             <p:nvSpPr>
               <p:cNvPr id="29" name="圆角矩形 28">
@@ -4988,14 +4995,14 @@
           </p:sp>
         </mc:Fallback>
       </mc:AlternateContent>
-      <mc:AlternateContent xmlns:mc="http://schemas.openxmlformats.org/markup-compatibility/2006">
-        <mc:Choice xmlns:a14="http://schemas.microsoft.com/office/drawing/2010/main" Requires="a14">
+      <mc:AlternateContent xmlns:mc="http://schemas.openxmlformats.org/markup-compatibility/2006" xmlns:a14="http://schemas.microsoft.com/office/drawing/2010/main">
+        <mc:Choice Requires="a14">
           <p:sp>
             <p:nvSpPr>
               <p:cNvPr id="30" name="圆角矩形 29">
                 <a:extLst>
                   <a:ext uri="{FF2B5EF4-FFF2-40B4-BE49-F238E27FC236}">
-                    <a16:creationId xmlns="" xmlns:a16="http://schemas.microsoft.com/office/drawing/2014/main" id="{36CA9403-A848-FE4D-A049-F0C0BE09BE26}"/>
+                    <a16:creationId xmlns:a16="http://schemas.microsoft.com/office/drawing/2014/main" xmlns="" id="{36CA9403-A848-FE4D-A049-F0C0BE09BE26}"/>
                   </a:ext>
                 </a:extLst>
               </p:cNvPr>
@@ -5083,7 +5090,7 @@
             </p:txBody>
           </p:sp>
         </mc:Choice>
-        <mc:Fallback>
+        <mc:Fallback xmlns="">
           <p:sp>
             <p:nvSpPr>
               <p:cNvPr id="30" name="圆角矩形 29">
@@ -5133,7 +5140,7 @@
           <p:cNvPr id="31" name="十字形 30">
             <a:extLst>
               <a:ext uri="{FF2B5EF4-FFF2-40B4-BE49-F238E27FC236}">
-                <a16:creationId xmlns="" xmlns:a16="http://schemas.microsoft.com/office/drawing/2014/main" id="{C53AA193-7AFB-BB4D-972D-BFFD74D5B4C6}"/>
+                <a16:creationId xmlns:a16="http://schemas.microsoft.com/office/drawing/2014/main" xmlns="" id="{C53AA193-7AFB-BB4D-972D-BFFD74D5B4C6}"/>
               </a:ext>
             </a:extLst>
           </p:cNvPr>
@@ -5189,7 +5196,7 @@
           <p:cNvPr id="32" name="上箭头 31">
             <a:extLst>
               <a:ext uri="{FF2B5EF4-FFF2-40B4-BE49-F238E27FC236}">
-                <a16:creationId xmlns="" xmlns:a16="http://schemas.microsoft.com/office/drawing/2014/main" id="{DA7FB890-7724-4C4F-A5DE-FE988E7995D7}"/>
+                <a16:creationId xmlns:a16="http://schemas.microsoft.com/office/drawing/2014/main" xmlns="" id="{DA7FB890-7724-4C4F-A5DE-FE988E7995D7}"/>
               </a:ext>
             </a:extLst>
           </p:cNvPr>
@@ -5243,7 +5250,7 @@
           <p:cNvPr id="33" name="上箭头 32">
             <a:extLst>
               <a:ext uri="{FF2B5EF4-FFF2-40B4-BE49-F238E27FC236}">
-                <a16:creationId xmlns="" xmlns:a16="http://schemas.microsoft.com/office/drawing/2014/main" id="{DA7FB890-7724-4C4F-A5DE-FE988E7995D7}"/>
+                <a16:creationId xmlns:a16="http://schemas.microsoft.com/office/drawing/2014/main" xmlns="" id="{DA7FB890-7724-4C4F-A5DE-FE988E7995D7}"/>
               </a:ext>
             </a:extLst>
           </p:cNvPr>
@@ -5297,7 +5304,7 @@
           <p:cNvPr id="34" name="上箭头 33">
             <a:extLst>
               <a:ext uri="{FF2B5EF4-FFF2-40B4-BE49-F238E27FC236}">
-                <a16:creationId xmlns="" xmlns:a16="http://schemas.microsoft.com/office/drawing/2014/main" id="{DA7FB890-7724-4C4F-A5DE-FE988E7995D7}"/>
+                <a16:creationId xmlns:a16="http://schemas.microsoft.com/office/drawing/2014/main" xmlns="" id="{DA7FB890-7724-4C4F-A5DE-FE988E7995D7}"/>
               </a:ext>
             </a:extLst>
           </p:cNvPr>
@@ -5351,7 +5358,7 @@
           <p:cNvPr id="35" name="上箭头 34">
             <a:extLst>
               <a:ext uri="{FF2B5EF4-FFF2-40B4-BE49-F238E27FC236}">
-                <a16:creationId xmlns="" xmlns:a16="http://schemas.microsoft.com/office/drawing/2014/main" id="{DA7FB890-7724-4C4F-A5DE-FE988E7995D7}"/>
+                <a16:creationId xmlns:a16="http://schemas.microsoft.com/office/drawing/2014/main" xmlns="" id="{DA7FB890-7724-4C4F-A5DE-FE988E7995D7}"/>
               </a:ext>
             </a:extLst>
           </p:cNvPr>
@@ -5405,7 +5412,7 @@
           <p:cNvPr id="36" name="上箭头 35">
             <a:extLst>
               <a:ext uri="{FF2B5EF4-FFF2-40B4-BE49-F238E27FC236}">
-                <a16:creationId xmlns="" xmlns:a16="http://schemas.microsoft.com/office/drawing/2014/main" id="{DA7FB890-7724-4C4F-A5DE-FE988E7995D7}"/>
+                <a16:creationId xmlns:a16="http://schemas.microsoft.com/office/drawing/2014/main" xmlns="" id="{DA7FB890-7724-4C4F-A5DE-FE988E7995D7}"/>
               </a:ext>
             </a:extLst>
           </p:cNvPr>
@@ -5489,7 +5496,7 @@
           <p:cNvPr id="4" name="圆角矩形 3">
             <a:extLst>
               <a:ext uri="{FF2B5EF4-FFF2-40B4-BE49-F238E27FC236}">
-                <a16:creationId xmlns="" xmlns:a16="http://schemas.microsoft.com/office/drawing/2014/main" id="{200D51A0-0BD3-9849-8F36-14A3C9360317}"/>
+                <a16:creationId xmlns:a16="http://schemas.microsoft.com/office/drawing/2014/main" xmlns="" id="{200D51A0-0BD3-9849-8F36-14A3C9360317}"/>
               </a:ext>
             </a:extLst>
           </p:cNvPr>
@@ -5553,7 +5560,7 @@
           <p:cNvPr id="5" name="圆角矩形 4">
             <a:extLst>
               <a:ext uri="{FF2B5EF4-FFF2-40B4-BE49-F238E27FC236}">
-                <a16:creationId xmlns="" xmlns:a16="http://schemas.microsoft.com/office/drawing/2014/main" id="{9E374049-051F-4548-B250-550EC316EB45}"/>
+                <a16:creationId xmlns:a16="http://schemas.microsoft.com/office/drawing/2014/main" xmlns="" id="{9E374049-051F-4548-B250-550EC316EB45}"/>
               </a:ext>
             </a:extLst>
           </p:cNvPr>
@@ -5602,14 +5609,14 @@
           </a:p>
         </p:txBody>
       </p:sp>
-      <mc:AlternateContent xmlns:mc="http://schemas.openxmlformats.org/markup-compatibility/2006">
-        <mc:Choice xmlns:a14="http://schemas.microsoft.com/office/drawing/2010/main" Requires="a14">
+      <mc:AlternateContent xmlns:mc="http://schemas.openxmlformats.org/markup-compatibility/2006" xmlns:a14="http://schemas.microsoft.com/office/drawing/2010/main">
+        <mc:Choice Requires="a14">
           <p:sp>
             <p:nvSpPr>
               <p:cNvPr id="6" name="圆角矩形 5">
                 <a:extLst>
                   <a:ext uri="{FF2B5EF4-FFF2-40B4-BE49-F238E27FC236}">
-                    <a16:creationId xmlns="" xmlns:a16="http://schemas.microsoft.com/office/drawing/2014/main" id="{5FCBEBAC-8971-B44A-A5B8-0A43F0F50D67}"/>
+                    <a16:creationId xmlns:a16="http://schemas.microsoft.com/office/drawing/2014/main" xmlns="" id="{5FCBEBAC-8971-B44A-A5B8-0A43F0F50D67}"/>
                   </a:ext>
                 </a:extLst>
               </p:cNvPr>
@@ -5670,7 +5677,7 @@
             </p:txBody>
           </p:sp>
         </mc:Choice>
-        <mc:Fallback>
+        <mc:Fallback xmlns="">
           <p:sp>
             <p:nvSpPr>
               <p:cNvPr id="6" name="圆角矩形 5">
@@ -5720,7 +5727,7 @@
           <p:cNvPr id="7" name="圆角矩形 6">
             <a:extLst>
               <a:ext uri="{FF2B5EF4-FFF2-40B4-BE49-F238E27FC236}">
-                <a16:creationId xmlns="" xmlns:a16="http://schemas.microsoft.com/office/drawing/2014/main" id="{F877A390-C74C-4F41-8A09-C4580876F3C0}"/>
+                <a16:creationId xmlns:a16="http://schemas.microsoft.com/office/drawing/2014/main" xmlns="" id="{F877A390-C74C-4F41-8A09-C4580876F3C0}"/>
               </a:ext>
             </a:extLst>
           </p:cNvPr>
@@ -5774,7 +5781,7 @@
           <p:cNvPr id="8" name="圆角矩形 7">
             <a:extLst>
               <a:ext uri="{FF2B5EF4-FFF2-40B4-BE49-F238E27FC236}">
-                <a16:creationId xmlns="" xmlns:mc="http://schemas.openxmlformats.org/markup-compatibility/2006" xmlns:a14="http://schemas.microsoft.com/office/drawing/2010/main" xmlns:a16="http://schemas.microsoft.com/office/drawing/2014/main" id="{36CA9403-A848-FE4D-A049-F0C0BE09BE26}"/>
+                <a16:creationId xmlns:a16="http://schemas.microsoft.com/office/drawing/2014/main" xmlns:a14="http://schemas.microsoft.com/office/drawing/2010/main" xmlns:mc="http://schemas.openxmlformats.org/markup-compatibility/2006" xmlns="" id="{36CA9403-A848-FE4D-A049-F0C0BE09BE26}"/>
               </a:ext>
             </a:extLst>
           </p:cNvPr>
@@ -5828,7 +5835,7 @@
           <p:cNvPr id="9" name="十字形 8">
             <a:extLst>
               <a:ext uri="{FF2B5EF4-FFF2-40B4-BE49-F238E27FC236}">
-                <a16:creationId xmlns="" xmlns:a16="http://schemas.microsoft.com/office/drawing/2014/main" id="{4FD8FA4D-1907-064E-B7E6-10A4560841B2}"/>
+                <a16:creationId xmlns:a16="http://schemas.microsoft.com/office/drawing/2014/main" xmlns="" id="{4FD8FA4D-1907-064E-B7E6-10A4560841B2}"/>
               </a:ext>
             </a:extLst>
           </p:cNvPr>
@@ -5884,7 +5891,7 @@
           <p:cNvPr id="10" name="十字形 9">
             <a:extLst>
               <a:ext uri="{FF2B5EF4-FFF2-40B4-BE49-F238E27FC236}">
-                <a16:creationId xmlns="" xmlns:a16="http://schemas.microsoft.com/office/drawing/2014/main" id="{C53AA193-7AFB-BB4D-972D-BFFD74D5B4C6}"/>
+                <a16:creationId xmlns:a16="http://schemas.microsoft.com/office/drawing/2014/main" xmlns="" id="{C53AA193-7AFB-BB4D-972D-BFFD74D5B4C6}"/>
               </a:ext>
             </a:extLst>
           </p:cNvPr>
@@ -5940,7 +5947,7 @@
           <p:cNvPr id="11" name="文本框 10">
             <a:extLst>
               <a:ext uri="{FF2B5EF4-FFF2-40B4-BE49-F238E27FC236}">
-                <a16:creationId xmlns="" xmlns:a16="http://schemas.microsoft.com/office/drawing/2014/main" id="{1FBDEA93-9885-6B4F-8D76-3A47A9DE8BF2}"/>
+                <a16:creationId xmlns:a16="http://schemas.microsoft.com/office/drawing/2014/main" xmlns="" id="{1FBDEA93-9885-6B4F-8D76-3A47A9DE8BF2}"/>
               </a:ext>
             </a:extLst>
           </p:cNvPr>
@@ -5984,7 +5991,7 @@
           <p:cNvPr id="12" name="文本框 11">
             <a:extLst>
               <a:ext uri="{FF2B5EF4-FFF2-40B4-BE49-F238E27FC236}">
-                <a16:creationId xmlns="" xmlns:a16="http://schemas.microsoft.com/office/drawing/2014/main" id="{DCCFB33A-D894-AF4B-B5D3-4133E0483569}"/>
+                <a16:creationId xmlns:a16="http://schemas.microsoft.com/office/drawing/2014/main" xmlns="" id="{DCCFB33A-D894-AF4B-B5D3-4133E0483569}"/>
               </a:ext>
             </a:extLst>
           </p:cNvPr>
@@ -6028,7 +6035,7 @@
           <p:cNvPr id="13" name="上箭头 12">
             <a:extLst>
               <a:ext uri="{FF2B5EF4-FFF2-40B4-BE49-F238E27FC236}">
-                <a16:creationId xmlns="" xmlns:a16="http://schemas.microsoft.com/office/drawing/2014/main" id="{DA7FB890-7724-4C4F-A5DE-FE988E7995D7}"/>
+                <a16:creationId xmlns:a16="http://schemas.microsoft.com/office/drawing/2014/main" xmlns="" id="{DA7FB890-7724-4C4F-A5DE-FE988E7995D7}"/>
               </a:ext>
             </a:extLst>
           </p:cNvPr>
@@ -6082,7 +6089,7 @@
           <p:cNvPr id="14" name="上箭头 13">
             <a:extLst>
               <a:ext uri="{FF2B5EF4-FFF2-40B4-BE49-F238E27FC236}">
-                <a16:creationId xmlns="" xmlns:a16="http://schemas.microsoft.com/office/drawing/2014/main" id="{98437923-21EA-E940-9906-113C007CED40}"/>
+                <a16:creationId xmlns:a16="http://schemas.microsoft.com/office/drawing/2014/main" xmlns="" id="{98437923-21EA-E940-9906-113C007CED40}"/>
               </a:ext>
             </a:extLst>
           </p:cNvPr>
@@ -6136,7 +6143,7 @@
           <p:cNvPr id="15" name="圆角矩形 14">
             <a:extLst>
               <a:ext uri="{FF2B5EF4-FFF2-40B4-BE49-F238E27FC236}">
-                <a16:creationId xmlns="" xmlns:a16="http://schemas.microsoft.com/office/drawing/2014/main" id="{200D51A0-0BD3-9849-8F36-14A3C9360317}"/>
+                <a16:creationId xmlns:a16="http://schemas.microsoft.com/office/drawing/2014/main" xmlns="" id="{200D51A0-0BD3-9849-8F36-14A3C9360317}"/>
               </a:ext>
             </a:extLst>
           </p:cNvPr>
@@ -6216,7 +6223,7 @@
           <p:cNvPr id="16" name="圆角矩形 15">
             <a:extLst>
               <a:ext uri="{FF2B5EF4-FFF2-40B4-BE49-F238E27FC236}">
-                <a16:creationId xmlns="" xmlns:a16="http://schemas.microsoft.com/office/drawing/2014/main" id="{200D51A0-0BD3-9849-8F36-14A3C9360317}"/>
+                <a16:creationId xmlns:a16="http://schemas.microsoft.com/office/drawing/2014/main" xmlns="" id="{200D51A0-0BD3-9849-8F36-14A3C9360317}"/>
               </a:ext>
             </a:extLst>
           </p:cNvPr>
@@ -6291,14 +6298,14 @@
           </a:p>
         </p:txBody>
       </p:sp>
-      <mc:AlternateContent xmlns:mc="http://schemas.openxmlformats.org/markup-compatibility/2006">
-        <mc:Choice xmlns:a14="http://schemas.microsoft.com/office/drawing/2010/main" Requires="a14">
+      <mc:AlternateContent xmlns:mc="http://schemas.openxmlformats.org/markup-compatibility/2006" xmlns:a14="http://schemas.microsoft.com/office/drawing/2010/main">
+        <mc:Choice Requires="a14">
           <p:sp>
             <p:nvSpPr>
               <p:cNvPr id="17" name="圆角矩形 16">
                 <a:extLst>
                   <a:ext uri="{FF2B5EF4-FFF2-40B4-BE49-F238E27FC236}">
-                    <a16:creationId xmlns="" xmlns:a16="http://schemas.microsoft.com/office/drawing/2014/main" id="{5FCBEBAC-8971-B44A-A5B8-0A43F0F50D67}"/>
+                    <a16:creationId xmlns:a16="http://schemas.microsoft.com/office/drawing/2014/main" xmlns="" id="{5FCBEBAC-8971-B44A-A5B8-0A43F0F50D67}"/>
                   </a:ext>
                 </a:extLst>
               </p:cNvPr>
@@ -6361,7 +6368,7 @@
             </p:txBody>
           </p:sp>
         </mc:Choice>
-        <mc:Fallback>
+        <mc:Fallback xmlns="">
           <p:sp>
             <p:nvSpPr>
               <p:cNvPr id="17" name="圆角矩形 16">
@@ -6406,14 +6413,14 @@
           </p:sp>
         </mc:Fallback>
       </mc:AlternateContent>
-      <mc:AlternateContent xmlns:mc="http://schemas.openxmlformats.org/markup-compatibility/2006">
-        <mc:Choice xmlns:a14="http://schemas.microsoft.com/office/drawing/2010/main" Requires="a14">
+      <mc:AlternateContent xmlns:mc="http://schemas.openxmlformats.org/markup-compatibility/2006" xmlns:a14="http://schemas.microsoft.com/office/drawing/2010/main">
+        <mc:Choice Requires="a14">
           <p:sp>
             <p:nvSpPr>
               <p:cNvPr id="18" name="圆角矩形 17">
                 <a:extLst>
                   <a:ext uri="{FF2B5EF4-FFF2-40B4-BE49-F238E27FC236}">
-                    <a16:creationId xmlns="" xmlns:a16="http://schemas.microsoft.com/office/drawing/2014/main" id="{36CA9403-A848-FE4D-A049-F0C0BE09BE26}"/>
+                    <a16:creationId xmlns:a16="http://schemas.microsoft.com/office/drawing/2014/main" xmlns="" id="{36CA9403-A848-FE4D-A049-F0C0BE09BE26}"/>
                   </a:ext>
                 </a:extLst>
               </p:cNvPr>
@@ -6513,7 +6520,7 @@
             </p:txBody>
           </p:sp>
         </mc:Choice>
-        <mc:Fallback>
+        <mc:Fallback xmlns="">
           <p:sp>
             <p:nvSpPr>
               <p:cNvPr id="18" name="圆角矩形 17">
@@ -6563,7 +6570,7 @@
           <p:cNvPr id="19" name="十字形 18">
             <a:extLst>
               <a:ext uri="{FF2B5EF4-FFF2-40B4-BE49-F238E27FC236}">
-                <a16:creationId xmlns="" xmlns:a16="http://schemas.microsoft.com/office/drawing/2014/main" id="{C53AA193-7AFB-BB4D-972D-BFFD74D5B4C6}"/>
+                <a16:creationId xmlns:a16="http://schemas.microsoft.com/office/drawing/2014/main" xmlns="" id="{C53AA193-7AFB-BB4D-972D-BFFD74D5B4C6}"/>
               </a:ext>
             </a:extLst>
           </p:cNvPr>
@@ -6619,7 +6626,7 @@
           <p:cNvPr id="20" name="上箭头 19">
             <a:extLst>
               <a:ext uri="{FF2B5EF4-FFF2-40B4-BE49-F238E27FC236}">
-                <a16:creationId xmlns="" xmlns:a16="http://schemas.microsoft.com/office/drawing/2014/main" id="{DA7FB890-7724-4C4F-A5DE-FE988E7995D7}"/>
+                <a16:creationId xmlns:a16="http://schemas.microsoft.com/office/drawing/2014/main" xmlns="" id="{DA7FB890-7724-4C4F-A5DE-FE988E7995D7}"/>
               </a:ext>
             </a:extLst>
           </p:cNvPr>
@@ -6668,14 +6675,14 @@
           </a:p>
         </p:txBody>
       </p:sp>
-      <mc:AlternateContent xmlns:mc="http://schemas.openxmlformats.org/markup-compatibility/2006">
-        <mc:Choice xmlns:a14="http://schemas.microsoft.com/office/drawing/2010/main" Requires="a14">
+      <mc:AlternateContent xmlns:mc="http://schemas.openxmlformats.org/markup-compatibility/2006" xmlns:a14="http://schemas.microsoft.com/office/drawing/2010/main">
+        <mc:Choice Requires="a14">
           <p:sp>
             <p:nvSpPr>
               <p:cNvPr id="21" name="圆角矩形 20">
                 <a:extLst>
                   <a:ext uri="{FF2B5EF4-FFF2-40B4-BE49-F238E27FC236}">
-                    <a16:creationId xmlns="" xmlns:a16="http://schemas.microsoft.com/office/drawing/2014/main" id="{5FCBEBAC-8971-B44A-A5B8-0A43F0F50D67}"/>
+                    <a16:creationId xmlns:a16="http://schemas.microsoft.com/office/drawing/2014/main" xmlns="" id="{5FCBEBAC-8971-B44A-A5B8-0A43F0F50D67}"/>
                   </a:ext>
                 </a:extLst>
               </p:cNvPr>
@@ -6736,7 +6743,7 @@
             </p:txBody>
           </p:sp>
         </mc:Choice>
-        <mc:Fallback>
+        <mc:Fallback xmlns="">
           <p:sp>
             <p:nvSpPr>
               <p:cNvPr id="21" name="圆角矩形 20">
@@ -6781,14 +6788,14 @@
           </p:sp>
         </mc:Fallback>
       </mc:AlternateContent>
-      <mc:AlternateContent xmlns:mc="http://schemas.openxmlformats.org/markup-compatibility/2006">
-        <mc:Choice xmlns:a14="http://schemas.microsoft.com/office/drawing/2010/main" Requires="a14">
+      <mc:AlternateContent xmlns:mc="http://schemas.openxmlformats.org/markup-compatibility/2006" xmlns:a14="http://schemas.microsoft.com/office/drawing/2010/main">
+        <mc:Choice Requires="a14">
           <p:sp>
             <p:nvSpPr>
               <p:cNvPr id="22" name="圆角矩形 21">
                 <a:extLst>
                   <a:ext uri="{FF2B5EF4-FFF2-40B4-BE49-F238E27FC236}">
-                    <a16:creationId xmlns="" xmlns:a16="http://schemas.microsoft.com/office/drawing/2014/main" id="{36CA9403-A848-FE4D-A049-F0C0BE09BE26}"/>
+                    <a16:creationId xmlns:a16="http://schemas.microsoft.com/office/drawing/2014/main" xmlns="" id="{36CA9403-A848-FE4D-A049-F0C0BE09BE26}"/>
                   </a:ext>
                 </a:extLst>
               </p:cNvPr>
@@ -6876,7 +6883,7 @@
             </p:txBody>
           </p:sp>
         </mc:Choice>
-        <mc:Fallback>
+        <mc:Fallback xmlns="">
           <p:sp>
             <p:nvSpPr>
               <p:cNvPr id="22" name="圆角矩形 21">
@@ -6926,7 +6933,7 @@
           <p:cNvPr id="23" name="十字形 22">
             <a:extLst>
               <a:ext uri="{FF2B5EF4-FFF2-40B4-BE49-F238E27FC236}">
-                <a16:creationId xmlns="" xmlns:a16="http://schemas.microsoft.com/office/drawing/2014/main" id="{C53AA193-7AFB-BB4D-972D-BFFD74D5B4C6}"/>
+                <a16:creationId xmlns:a16="http://schemas.microsoft.com/office/drawing/2014/main" xmlns="" id="{C53AA193-7AFB-BB4D-972D-BFFD74D5B4C6}"/>
               </a:ext>
             </a:extLst>
           </p:cNvPr>
@@ -6982,7 +6989,7 @@
           <p:cNvPr id="24" name="上箭头 23">
             <a:extLst>
               <a:ext uri="{FF2B5EF4-FFF2-40B4-BE49-F238E27FC236}">
-                <a16:creationId xmlns="" xmlns:a16="http://schemas.microsoft.com/office/drawing/2014/main" id="{DA7FB890-7724-4C4F-A5DE-FE988E7995D7}"/>
+                <a16:creationId xmlns:a16="http://schemas.microsoft.com/office/drawing/2014/main" xmlns="" id="{DA7FB890-7724-4C4F-A5DE-FE988E7995D7}"/>
               </a:ext>
             </a:extLst>
           </p:cNvPr>
@@ -7031,14 +7038,14 @@
           </a:p>
         </p:txBody>
       </p:sp>
-      <mc:AlternateContent xmlns:mc="http://schemas.openxmlformats.org/markup-compatibility/2006">
-        <mc:Choice xmlns:a14="http://schemas.microsoft.com/office/drawing/2010/main" Requires="a14">
+      <mc:AlternateContent xmlns:mc="http://schemas.openxmlformats.org/markup-compatibility/2006" xmlns:a14="http://schemas.microsoft.com/office/drawing/2010/main">
+        <mc:Choice Requires="a14">
           <p:sp>
             <p:nvSpPr>
               <p:cNvPr id="25" name="圆角矩形 24">
                 <a:extLst>
                   <a:ext uri="{FF2B5EF4-FFF2-40B4-BE49-F238E27FC236}">
-                    <a16:creationId xmlns="" xmlns:a16="http://schemas.microsoft.com/office/drawing/2014/main" id="{5FCBEBAC-8971-B44A-A5B8-0A43F0F50D67}"/>
+                    <a16:creationId xmlns:a16="http://schemas.microsoft.com/office/drawing/2014/main" xmlns="" id="{5FCBEBAC-8971-B44A-A5B8-0A43F0F50D67}"/>
                   </a:ext>
                 </a:extLst>
               </p:cNvPr>
@@ -7099,7 +7106,7 @@
             </p:txBody>
           </p:sp>
         </mc:Choice>
-        <mc:Fallback>
+        <mc:Fallback xmlns="">
           <p:sp>
             <p:nvSpPr>
               <p:cNvPr id="25" name="圆角矩形 24">
@@ -7144,14 +7151,14 @@
           </p:sp>
         </mc:Fallback>
       </mc:AlternateContent>
-      <mc:AlternateContent xmlns:mc="http://schemas.openxmlformats.org/markup-compatibility/2006">
-        <mc:Choice xmlns:a14="http://schemas.microsoft.com/office/drawing/2010/main" Requires="a14">
+      <mc:AlternateContent xmlns:mc="http://schemas.openxmlformats.org/markup-compatibility/2006" xmlns:a14="http://schemas.microsoft.com/office/drawing/2010/main">
+        <mc:Choice Requires="a14">
           <p:sp>
             <p:nvSpPr>
               <p:cNvPr id="26" name="圆角矩形 25">
                 <a:extLst>
                   <a:ext uri="{FF2B5EF4-FFF2-40B4-BE49-F238E27FC236}">
-                    <a16:creationId xmlns="" xmlns:a16="http://schemas.microsoft.com/office/drawing/2014/main" id="{36CA9403-A848-FE4D-A049-F0C0BE09BE26}"/>
+                    <a16:creationId xmlns:a16="http://schemas.microsoft.com/office/drawing/2014/main" xmlns="" id="{36CA9403-A848-FE4D-A049-F0C0BE09BE26}"/>
                   </a:ext>
                 </a:extLst>
               </p:cNvPr>
@@ -7239,7 +7246,7 @@
             </p:txBody>
           </p:sp>
         </mc:Choice>
-        <mc:Fallback>
+        <mc:Fallback xmlns="">
           <p:sp>
             <p:nvSpPr>
               <p:cNvPr id="26" name="圆角矩形 25">
@@ -7289,7 +7296,7 @@
           <p:cNvPr id="27" name="十字形 26">
             <a:extLst>
               <a:ext uri="{FF2B5EF4-FFF2-40B4-BE49-F238E27FC236}">
-                <a16:creationId xmlns="" xmlns:a16="http://schemas.microsoft.com/office/drawing/2014/main" id="{C53AA193-7AFB-BB4D-972D-BFFD74D5B4C6}"/>
+                <a16:creationId xmlns:a16="http://schemas.microsoft.com/office/drawing/2014/main" xmlns="" id="{C53AA193-7AFB-BB4D-972D-BFFD74D5B4C6}"/>
               </a:ext>
             </a:extLst>
           </p:cNvPr>
@@ -7345,7 +7352,7 @@
           <p:cNvPr id="28" name="上箭头 27">
             <a:extLst>
               <a:ext uri="{FF2B5EF4-FFF2-40B4-BE49-F238E27FC236}">
-                <a16:creationId xmlns="" xmlns:a16="http://schemas.microsoft.com/office/drawing/2014/main" id="{DA7FB890-7724-4C4F-A5DE-FE988E7995D7}"/>
+                <a16:creationId xmlns:a16="http://schemas.microsoft.com/office/drawing/2014/main" xmlns="" id="{DA7FB890-7724-4C4F-A5DE-FE988E7995D7}"/>
               </a:ext>
             </a:extLst>
           </p:cNvPr>
@@ -7394,14 +7401,14 @@
           </a:p>
         </p:txBody>
       </p:sp>
-      <mc:AlternateContent xmlns:mc="http://schemas.openxmlformats.org/markup-compatibility/2006">
-        <mc:Choice xmlns:a14="http://schemas.microsoft.com/office/drawing/2010/main" Requires="a14">
+      <mc:AlternateContent xmlns:mc="http://schemas.openxmlformats.org/markup-compatibility/2006" xmlns:a14="http://schemas.microsoft.com/office/drawing/2010/main">
+        <mc:Choice Requires="a14">
           <p:sp>
             <p:nvSpPr>
               <p:cNvPr id="29" name="圆角矩形 28">
                 <a:extLst>
                   <a:ext uri="{FF2B5EF4-FFF2-40B4-BE49-F238E27FC236}">
-                    <a16:creationId xmlns="" xmlns:a16="http://schemas.microsoft.com/office/drawing/2014/main" id="{5FCBEBAC-8971-B44A-A5B8-0A43F0F50D67}"/>
+                    <a16:creationId xmlns:a16="http://schemas.microsoft.com/office/drawing/2014/main" xmlns="" id="{5FCBEBAC-8971-B44A-A5B8-0A43F0F50D67}"/>
                   </a:ext>
                 </a:extLst>
               </p:cNvPr>
@@ -7462,7 +7469,7 @@
             </p:txBody>
           </p:sp>
         </mc:Choice>
-        <mc:Fallback>
+        <mc:Fallback xmlns="">
           <p:sp>
             <p:nvSpPr>
               <p:cNvPr id="29" name="圆角矩形 28">
@@ -7507,14 +7514,14 @@
           </p:sp>
         </mc:Fallback>
       </mc:AlternateContent>
-      <mc:AlternateContent xmlns:mc="http://schemas.openxmlformats.org/markup-compatibility/2006">
-        <mc:Choice xmlns:a14="http://schemas.microsoft.com/office/drawing/2010/main" Requires="a14">
+      <mc:AlternateContent xmlns:mc="http://schemas.openxmlformats.org/markup-compatibility/2006" xmlns:a14="http://schemas.microsoft.com/office/drawing/2010/main">
+        <mc:Choice Requires="a14">
           <p:sp>
             <p:nvSpPr>
               <p:cNvPr id="30" name="圆角矩形 29">
                 <a:extLst>
                   <a:ext uri="{FF2B5EF4-FFF2-40B4-BE49-F238E27FC236}">
-                    <a16:creationId xmlns="" xmlns:a16="http://schemas.microsoft.com/office/drawing/2014/main" id="{36CA9403-A848-FE4D-A049-F0C0BE09BE26}"/>
+                    <a16:creationId xmlns:a16="http://schemas.microsoft.com/office/drawing/2014/main" xmlns="" id="{36CA9403-A848-FE4D-A049-F0C0BE09BE26}"/>
                   </a:ext>
                 </a:extLst>
               </p:cNvPr>
@@ -7602,7 +7609,7 @@
             </p:txBody>
           </p:sp>
         </mc:Choice>
-        <mc:Fallback>
+        <mc:Fallback xmlns="">
           <p:sp>
             <p:nvSpPr>
               <p:cNvPr id="30" name="圆角矩形 29">
@@ -7652,7 +7659,7 @@
           <p:cNvPr id="31" name="十字形 30">
             <a:extLst>
               <a:ext uri="{FF2B5EF4-FFF2-40B4-BE49-F238E27FC236}">
-                <a16:creationId xmlns="" xmlns:a16="http://schemas.microsoft.com/office/drawing/2014/main" id="{C53AA193-7AFB-BB4D-972D-BFFD74D5B4C6}"/>
+                <a16:creationId xmlns:a16="http://schemas.microsoft.com/office/drawing/2014/main" xmlns="" id="{C53AA193-7AFB-BB4D-972D-BFFD74D5B4C6}"/>
               </a:ext>
             </a:extLst>
           </p:cNvPr>
@@ -7708,7 +7715,7 @@
           <p:cNvPr id="32" name="上箭头 31">
             <a:extLst>
               <a:ext uri="{FF2B5EF4-FFF2-40B4-BE49-F238E27FC236}">
-                <a16:creationId xmlns="" xmlns:a16="http://schemas.microsoft.com/office/drawing/2014/main" id="{DA7FB890-7724-4C4F-A5DE-FE988E7995D7}"/>
+                <a16:creationId xmlns:a16="http://schemas.microsoft.com/office/drawing/2014/main" xmlns="" id="{DA7FB890-7724-4C4F-A5DE-FE988E7995D7}"/>
               </a:ext>
             </a:extLst>
           </p:cNvPr>
@@ -7762,7 +7769,7 @@
           <p:cNvPr id="33" name="上箭头 32">
             <a:extLst>
               <a:ext uri="{FF2B5EF4-FFF2-40B4-BE49-F238E27FC236}">
-                <a16:creationId xmlns="" xmlns:a16="http://schemas.microsoft.com/office/drawing/2014/main" id="{DA7FB890-7724-4C4F-A5DE-FE988E7995D7}"/>
+                <a16:creationId xmlns:a16="http://schemas.microsoft.com/office/drawing/2014/main" xmlns="" id="{DA7FB890-7724-4C4F-A5DE-FE988E7995D7}"/>
               </a:ext>
             </a:extLst>
           </p:cNvPr>
@@ -7816,7 +7823,7 @@
           <p:cNvPr id="34" name="上箭头 33">
             <a:extLst>
               <a:ext uri="{FF2B5EF4-FFF2-40B4-BE49-F238E27FC236}">
-                <a16:creationId xmlns="" xmlns:a16="http://schemas.microsoft.com/office/drawing/2014/main" id="{DA7FB890-7724-4C4F-A5DE-FE988E7995D7}"/>
+                <a16:creationId xmlns:a16="http://schemas.microsoft.com/office/drawing/2014/main" xmlns="" id="{DA7FB890-7724-4C4F-A5DE-FE988E7995D7}"/>
               </a:ext>
             </a:extLst>
           </p:cNvPr>
@@ -7870,7 +7877,7 @@
           <p:cNvPr id="35" name="上箭头 34">
             <a:extLst>
               <a:ext uri="{FF2B5EF4-FFF2-40B4-BE49-F238E27FC236}">
-                <a16:creationId xmlns="" xmlns:a16="http://schemas.microsoft.com/office/drawing/2014/main" id="{DA7FB890-7724-4C4F-A5DE-FE988E7995D7}"/>
+                <a16:creationId xmlns:a16="http://schemas.microsoft.com/office/drawing/2014/main" xmlns="" id="{DA7FB890-7724-4C4F-A5DE-FE988E7995D7}"/>
               </a:ext>
             </a:extLst>
           </p:cNvPr>
@@ -7924,7 +7931,7 @@
           <p:cNvPr id="36" name="上箭头 35">
             <a:extLst>
               <a:ext uri="{FF2B5EF4-FFF2-40B4-BE49-F238E27FC236}">
-                <a16:creationId xmlns="" xmlns:a16="http://schemas.microsoft.com/office/drawing/2014/main" id="{DA7FB890-7724-4C4F-A5DE-FE988E7995D7}"/>
+                <a16:creationId xmlns:a16="http://schemas.microsoft.com/office/drawing/2014/main" xmlns="" id="{DA7FB890-7724-4C4F-A5DE-FE988E7995D7}"/>
               </a:ext>
             </a:extLst>
           </p:cNvPr>
@@ -7978,7 +7985,7 @@
           <p:cNvPr id="37" name="上箭头 36">
             <a:extLst>
               <a:ext uri="{FF2B5EF4-FFF2-40B4-BE49-F238E27FC236}">
-                <a16:creationId xmlns="" xmlns:a16="http://schemas.microsoft.com/office/drawing/2014/main" id="{DA7FB890-7724-4C4F-A5DE-FE988E7995D7}"/>
+                <a16:creationId xmlns:a16="http://schemas.microsoft.com/office/drawing/2014/main" xmlns="" id="{DA7FB890-7724-4C4F-A5DE-FE988E7995D7}"/>
               </a:ext>
             </a:extLst>
           </p:cNvPr>
@@ -8027,14 +8034,14 @@
           </a:p>
         </p:txBody>
       </p:sp>
-      <mc:AlternateContent xmlns:mc="http://schemas.openxmlformats.org/markup-compatibility/2006">
-        <mc:Choice xmlns:a14="http://schemas.microsoft.com/office/drawing/2010/main" Requires="a14">
+      <mc:AlternateContent xmlns:mc="http://schemas.openxmlformats.org/markup-compatibility/2006" xmlns:a14="http://schemas.microsoft.com/office/drawing/2010/main">
+        <mc:Choice Requires="a14">
           <p:sp>
             <p:nvSpPr>
               <p:cNvPr id="38" name="圆角矩形 37">
                 <a:extLst>
                   <a:ext uri="{FF2B5EF4-FFF2-40B4-BE49-F238E27FC236}">
-                    <a16:creationId xmlns="" xmlns:a16="http://schemas.microsoft.com/office/drawing/2014/main" id="{36CA9403-A848-FE4D-A049-F0C0BE09BE26}"/>
+                    <a16:creationId xmlns:a16="http://schemas.microsoft.com/office/drawing/2014/main" xmlns="" id="{36CA9403-A848-FE4D-A049-F0C0BE09BE26}"/>
                   </a:ext>
                 </a:extLst>
               </p:cNvPr>
@@ -8137,7 +8144,7 @@
             </p:txBody>
           </p:sp>
         </mc:Choice>
-        <mc:Fallback>
+        <mc:Fallback xmlns="">
           <p:sp>
             <p:nvSpPr>
               <p:cNvPr id="38" name="圆角矩形 37">
@@ -8187,7 +8194,7 @@
           <p:cNvPr id="39" name="上箭头 38">
             <a:extLst>
               <a:ext uri="{FF2B5EF4-FFF2-40B4-BE49-F238E27FC236}">
-                <a16:creationId xmlns="" xmlns:a16="http://schemas.microsoft.com/office/drawing/2014/main" id="{DA7FB890-7724-4C4F-A5DE-FE988E7995D7}"/>
+                <a16:creationId xmlns:a16="http://schemas.microsoft.com/office/drawing/2014/main" xmlns="" id="{DA7FB890-7724-4C4F-A5DE-FE988E7995D7}"/>
               </a:ext>
             </a:extLst>
           </p:cNvPr>
@@ -8236,14 +8243,14 @@
           </a:p>
         </p:txBody>
       </p:sp>
-      <mc:AlternateContent xmlns:mc="http://schemas.openxmlformats.org/markup-compatibility/2006">
-        <mc:Choice xmlns:a14="http://schemas.microsoft.com/office/drawing/2010/main" Requires="a14">
+      <mc:AlternateContent xmlns:mc="http://schemas.openxmlformats.org/markup-compatibility/2006" xmlns:a14="http://schemas.microsoft.com/office/drawing/2010/main">
+        <mc:Choice Requires="a14">
           <p:sp>
             <p:nvSpPr>
               <p:cNvPr id="40" name="圆角矩形 39">
                 <a:extLst>
                   <a:ext uri="{FF2B5EF4-FFF2-40B4-BE49-F238E27FC236}">
-                    <a16:creationId xmlns="" xmlns:a16="http://schemas.microsoft.com/office/drawing/2014/main" id="{36CA9403-A848-FE4D-A049-F0C0BE09BE26}"/>
+                    <a16:creationId xmlns:a16="http://schemas.microsoft.com/office/drawing/2014/main" xmlns="" id="{36CA9403-A848-FE4D-A049-F0C0BE09BE26}"/>
                   </a:ext>
                 </a:extLst>
               </p:cNvPr>
@@ -8346,7 +8353,7 @@
             </p:txBody>
           </p:sp>
         </mc:Choice>
-        <mc:Fallback>
+        <mc:Fallback xmlns="">
           <p:sp>
             <p:nvSpPr>
               <p:cNvPr id="40" name="圆角矩形 39">
@@ -8503,6 +8510,5616 @@
     <p:extLst>
       <p:ext uri="{BB962C8B-B14F-4D97-AF65-F5344CB8AC3E}">
         <p14:creationId xmlns:p14="http://schemas.microsoft.com/office/powerpoint/2010/main" val="977005000"/>
+      </p:ext>
+    </p:extLst>
+  </p:cSld>
+  <p:clrMapOvr>
+    <a:masterClrMapping/>
+  </p:clrMapOvr>
+</p:sld>
+</file>
+
+<file path=ppt/slides/slide3.xml><?xml version="1.0" encoding="utf-8"?>
+<p:sld xmlns:a="http://schemas.openxmlformats.org/drawingml/2006/main" xmlns:r="http://schemas.openxmlformats.org/officeDocument/2006/relationships" xmlns:p="http://schemas.openxmlformats.org/presentationml/2006/main">
+  <p:cSld>
+    <p:spTree>
+      <p:nvGrpSpPr>
+        <p:cNvPr id="1" name=""/>
+        <p:cNvGrpSpPr/>
+        <p:nvPr/>
+      </p:nvGrpSpPr>
+      <p:grpSpPr>
+        <a:xfrm>
+          <a:off x="0" y="0"/>
+          <a:ext cx="0" cy="0"/>
+          <a:chOff x="0" y="0"/>
+          <a:chExt cx="0" cy="0"/>
+        </a:xfrm>
+      </p:grpSpPr>
+      <p:sp>
+        <p:nvSpPr>
+          <p:cNvPr id="5" name="圆角矩形 4">
+            <a:extLst>
+              <a:ext uri="{FF2B5EF4-FFF2-40B4-BE49-F238E27FC236}">
+                <a16:creationId xmlns:a16="http://schemas.microsoft.com/office/drawing/2014/main" xmlns="" id="{200D51A0-0BD3-9849-8F36-14A3C9360317}"/>
+              </a:ext>
+            </a:extLst>
+          </p:cNvPr>
+          <p:cNvSpPr/>
+          <p:nvPr/>
+        </p:nvSpPr>
+        <p:spPr>
+          <a:xfrm>
+            <a:off x="3150965" y="2724377"/>
+            <a:ext cx="6658597" cy="437322"/>
+          </a:xfrm>
+          <a:prstGeom prst="roundRect">
+            <a:avLst/>
+          </a:prstGeom>
+          <a:solidFill>
+            <a:schemeClr val="accent2">
+              <a:lumMod val="20000"/>
+              <a:lumOff val="80000"/>
+            </a:schemeClr>
+          </a:solidFill>
+        </p:spPr>
+        <p:style>
+          <a:lnRef idx="2">
+            <a:schemeClr val="accent1">
+              <a:shade val="50000"/>
+            </a:schemeClr>
+          </a:lnRef>
+          <a:fillRef idx="1">
+            <a:schemeClr val="accent1"/>
+          </a:fillRef>
+          <a:effectRef idx="0">
+            <a:schemeClr val="accent1"/>
+          </a:effectRef>
+          <a:fontRef idx="minor">
+            <a:schemeClr val="lt1"/>
+          </a:fontRef>
+        </p:style>
+        <p:txBody>
+          <a:bodyPr rtlCol="0" anchor="ctr"/>
+          <a:lstStyle/>
+          <a:p>
+            <a:pPr algn="ctr"/>
+            <a:r>
+              <a:rPr kumimoji="1" lang="en-US" altLang="zh-CN" sz="1600" smtClean="0">
+                <a:solidFill>
+                  <a:schemeClr val="tx1"/>
+                </a:solidFill>
+              </a:rPr>
+              <a:t>Node Encoder</a:t>
+            </a:r>
+            <a:endParaRPr kumimoji="1" lang="zh-CN" altLang="en-US" sz="1600" dirty="0">
+              <a:solidFill>
+                <a:schemeClr val="tx1"/>
+              </a:solidFill>
+            </a:endParaRPr>
+          </a:p>
+        </p:txBody>
+      </p:sp>
+      <p:sp>
+        <p:nvSpPr>
+          <p:cNvPr id="6" name="圆角矩形 5">
+            <a:extLst>
+              <a:ext uri="{FF2B5EF4-FFF2-40B4-BE49-F238E27FC236}">
+                <a16:creationId xmlns:a16="http://schemas.microsoft.com/office/drawing/2014/main" xmlns="" id="{9E374049-051F-4548-B250-550EC316EB45}"/>
+              </a:ext>
+            </a:extLst>
+          </p:cNvPr>
+          <p:cNvSpPr/>
+          <p:nvPr/>
+        </p:nvSpPr>
+        <p:spPr>
+          <a:xfrm>
+            <a:off x="3216063" y="4057548"/>
+            <a:ext cx="788524" cy="347241"/>
+          </a:xfrm>
+          <a:prstGeom prst="roundRect">
+            <a:avLst/>
+          </a:prstGeom>
+          <a:solidFill>
+            <a:schemeClr val="accent4">
+              <a:lumMod val="60000"/>
+              <a:lumOff val="40000"/>
+            </a:schemeClr>
+          </a:solidFill>
+        </p:spPr>
+        <p:style>
+          <a:lnRef idx="2">
+            <a:schemeClr val="dk1"/>
+          </a:lnRef>
+          <a:fillRef idx="1">
+            <a:schemeClr val="lt1"/>
+          </a:fillRef>
+          <a:effectRef idx="0">
+            <a:schemeClr val="dk1"/>
+          </a:effectRef>
+          <a:fontRef idx="minor">
+            <a:schemeClr val="dk1"/>
+          </a:fontRef>
+        </p:style>
+        <p:txBody>
+          <a:bodyPr rtlCol="0" anchor="ctr"/>
+          <a:lstStyle/>
+          <a:p>
+            <a:pPr algn="ctr"/>
+            <a:r>
+              <a:rPr kumimoji="1" lang="en-US" altLang="zh-CN" sz="1200" dirty="0"/>
+              <a:t>0</a:t>
+            </a:r>
+            <a:endParaRPr kumimoji="1" lang="zh-CN" altLang="en-US" sz="1200" dirty="0"/>
+          </a:p>
+        </p:txBody>
+      </p:sp>
+      <mc:AlternateContent xmlns:mc="http://schemas.openxmlformats.org/markup-compatibility/2006">
+        <mc:Choice xmlns:a14="http://schemas.microsoft.com/office/drawing/2010/main" Requires="a14">
+          <p:sp>
+            <p:nvSpPr>
+              <p:cNvPr id="7" name="圆角矩形 6">
+                <a:extLst>
+                  <a:ext uri="{FF2B5EF4-FFF2-40B4-BE49-F238E27FC236}">
+                    <a16:creationId xmlns:a16="http://schemas.microsoft.com/office/drawing/2014/main" xmlns="" id="{5FCBEBAC-8971-B44A-A5B8-0A43F0F50D67}"/>
+                  </a:ext>
+                </a:extLst>
+              </p:cNvPr>
+              <p:cNvSpPr/>
+              <p:nvPr/>
+            </p:nvSpPr>
+            <p:spPr>
+              <a:xfrm>
+                <a:off x="4089292" y="4057549"/>
+                <a:ext cx="816559" cy="348692"/>
+              </a:xfrm>
+              <a:prstGeom prst="roundRect">
+                <a:avLst/>
+              </a:prstGeom>
+              <a:solidFill>
+                <a:schemeClr val="accent4">
+                  <a:lumMod val="20000"/>
+                  <a:lumOff val="80000"/>
+                </a:schemeClr>
+              </a:solidFill>
+            </p:spPr>
+            <p:style>
+              <a:lnRef idx="2">
+                <a:schemeClr val="dk1"/>
+              </a:lnRef>
+              <a:fillRef idx="1">
+                <a:schemeClr val="lt1"/>
+              </a:fillRef>
+              <a:effectRef idx="0">
+                <a:schemeClr val="dk1"/>
+              </a:effectRef>
+              <a:fontRef idx="minor">
+                <a:schemeClr val="dk1"/>
+              </a:fontRef>
+            </p:style>
+            <p:txBody>
+              <a:bodyPr rtlCol="0" anchor="ctr"/>
+              <a:lstStyle/>
+              <a:p>
+                <a:pPr algn="ctr"/>
+                <a14:m>
+                  <m:oMathPara xmlns:m="http://schemas.openxmlformats.org/officeDocument/2006/math">
+                    <m:oMathParaPr>
+                      <m:jc m:val="centerGroup"/>
+                    </m:oMathParaPr>
+                    <m:oMath xmlns:m="http://schemas.openxmlformats.org/officeDocument/2006/math">
+                      <m:r>
+                        <a:rPr kumimoji="1" lang="en-US" altLang="zh-CN" sz="1200" dirty="0">
+                          <a:latin typeface="Cambria Math" panose="02040503050406030204" pitchFamily="18" charset="0"/>
+                        </a:rPr>
+                        <m:t>1</m:t>
+                      </m:r>
+                    </m:oMath>
+                  </m:oMathPara>
+                </a14:m>
+                <a:endParaRPr kumimoji="1" lang="zh-CN" altLang="en-US" sz="1200" dirty="0"/>
+              </a:p>
+            </p:txBody>
+          </p:sp>
+        </mc:Choice>
+        <mc:Fallback>
+          <p:sp>
+            <p:nvSpPr>
+              <p:cNvPr id="7" name="圆角矩形 6">
+                <a:extLst>
+                  <a:ext uri="{FF2B5EF4-FFF2-40B4-BE49-F238E27FC236}">
+                    <a16:creationId xmlns:a16="http://schemas.microsoft.com/office/drawing/2014/main" xmlns="" xmlns:a14="http://schemas.microsoft.com/office/drawing/2010/main" id="{5FCBEBAC-8971-B44A-A5B8-0A43F0F50D67}"/>
+                  </a:ext>
+                </a:extLst>
+              </p:cNvPr>
+              <p:cNvSpPr>
+                <a:spLocks noRot="1" noChangeAspect="1" noMove="1" noResize="1" noEditPoints="1" noAdjustHandles="1" noChangeArrowheads="1" noChangeShapeType="1" noTextEdit="1"/>
+              </p:cNvSpPr>
+              <p:nvPr/>
+            </p:nvSpPr>
+            <p:spPr>
+              <a:xfrm>
+                <a:off x="4089292" y="4057549"/>
+                <a:ext cx="816559" cy="348692"/>
+              </a:xfrm>
+              <a:prstGeom prst="roundRect">
+                <a:avLst/>
+              </a:prstGeom>
+              <a:blipFill rotWithShape="0">
+                <a:blip r:embed="rId2"/>
+                <a:stretch>
+                  <a:fillRect/>
+                </a:stretch>
+              </a:blipFill>
+            </p:spPr>
+            <p:txBody>
+              <a:bodyPr/>
+              <a:lstStyle/>
+              <a:p>
+                <a:r>
+                  <a:rPr lang="zh-CN" altLang="en-US">
+                    <a:noFill/>
+                  </a:rPr>
+                  <a:t> </a:t>
+                </a:r>
+              </a:p>
+            </p:txBody>
+          </p:sp>
+        </mc:Fallback>
+      </mc:AlternateContent>
+      <p:sp>
+        <p:nvSpPr>
+          <p:cNvPr id="8" name="圆角矩形 7">
+            <a:extLst>
+              <a:ext uri="{FF2B5EF4-FFF2-40B4-BE49-F238E27FC236}">
+                <a16:creationId xmlns:a16="http://schemas.microsoft.com/office/drawing/2014/main" xmlns="" id="{F877A390-C74C-4F41-8A09-C4580876F3C0}"/>
+              </a:ext>
+            </a:extLst>
+          </p:cNvPr>
+          <p:cNvSpPr/>
+          <p:nvPr/>
+        </p:nvSpPr>
+        <p:spPr>
+          <a:xfrm>
+            <a:off x="3212381" y="3502533"/>
+            <a:ext cx="792206" cy="347241"/>
+          </a:xfrm>
+          <a:prstGeom prst="roundRect">
+            <a:avLst/>
+          </a:prstGeom>
+          <a:solidFill>
+            <a:schemeClr val="accent4">
+              <a:lumMod val="60000"/>
+              <a:lumOff val="40000"/>
+            </a:schemeClr>
+          </a:solidFill>
+        </p:spPr>
+        <p:style>
+          <a:lnRef idx="2">
+            <a:schemeClr val="dk1"/>
+          </a:lnRef>
+          <a:fillRef idx="1">
+            <a:schemeClr val="lt1"/>
+          </a:fillRef>
+          <a:effectRef idx="0">
+            <a:schemeClr val="dk1"/>
+          </a:effectRef>
+          <a:fontRef idx="minor">
+            <a:schemeClr val="dk1"/>
+          </a:fontRef>
+        </p:style>
+        <p:txBody>
+          <a:bodyPr rtlCol="0" anchor="ctr"/>
+          <a:lstStyle/>
+          <a:p>
+            <a:pPr algn="ctr"/>
+            <a:r>
+              <a:rPr kumimoji="1" lang="en-US" altLang="zh-CN" sz="1200" dirty="0"/>
+              <a:t>CLS</a:t>
+            </a:r>
+            <a:endParaRPr kumimoji="1" lang="zh-CN" altLang="en-US" sz="1200" dirty="0"/>
+          </a:p>
+        </p:txBody>
+      </p:sp>
+      <p:sp>
+        <p:nvSpPr>
+          <p:cNvPr id="9" name="圆角矩形 8">
+            <a:extLst>
+              <a:ext uri="{FF2B5EF4-FFF2-40B4-BE49-F238E27FC236}">
+                <a16:creationId xmlns:a16="http://schemas.microsoft.com/office/drawing/2014/main" xmlns:a14="http://schemas.microsoft.com/office/drawing/2010/main" xmlns:mc="http://schemas.openxmlformats.org/markup-compatibility/2006" xmlns="" id="{36CA9403-A848-FE4D-A049-F0C0BE09BE26}"/>
+              </a:ext>
+            </a:extLst>
+          </p:cNvPr>
+          <p:cNvSpPr/>
+          <p:nvPr/>
+        </p:nvSpPr>
+        <p:spPr>
+          <a:xfrm>
+            <a:off x="4085610" y="3502534"/>
+            <a:ext cx="820241" cy="348692"/>
+          </a:xfrm>
+          <a:prstGeom prst="roundRect">
+            <a:avLst/>
+          </a:prstGeom>
+          <a:solidFill>
+            <a:schemeClr val="accent4">
+              <a:lumMod val="20000"/>
+              <a:lumOff val="80000"/>
+            </a:schemeClr>
+          </a:solidFill>
+        </p:spPr>
+        <p:style>
+          <a:lnRef idx="2">
+            <a:schemeClr val="dk1"/>
+          </a:lnRef>
+          <a:fillRef idx="1">
+            <a:schemeClr val="lt1"/>
+          </a:fillRef>
+          <a:effectRef idx="0">
+            <a:schemeClr val="dk1"/>
+          </a:effectRef>
+          <a:fontRef idx="minor">
+            <a:schemeClr val="dk1"/>
+          </a:fontRef>
+        </p:style>
+        <p:txBody>
+          <a:bodyPr rtlCol="0" anchor="ctr"/>
+          <a:lstStyle/>
+          <a:p>
+            <a:pPr algn="ctr"/>
+            <a:r>
+              <a:rPr kumimoji="1" lang="en-US" altLang="zh-CN" sz="1200" smtClean="0"/>
+              <a:t>&lt;tag&gt;</a:t>
+            </a:r>
+            <a:endParaRPr kumimoji="1" lang="zh-CN" altLang="en-US" sz="1200" dirty="0"/>
+          </a:p>
+        </p:txBody>
+      </p:sp>
+      <p:sp>
+        <p:nvSpPr>
+          <p:cNvPr id="10" name="十字形 9">
+            <a:extLst>
+              <a:ext uri="{FF2B5EF4-FFF2-40B4-BE49-F238E27FC236}">
+                <a16:creationId xmlns:a16="http://schemas.microsoft.com/office/drawing/2014/main" xmlns="" id="{4FD8FA4D-1907-064E-B7E6-10A4560841B2}"/>
+              </a:ext>
+            </a:extLst>
+          </p:cNvPr>
+          <p:cNvSpPr/>
+          <p:nvPr/>
+        </p:nvSpPr>
+        <p:spPr>
+          <a:xfrm>
+            <a:off x="3577205" y="3899133"/>
+            <a:ext cx="115694" cy="117649"/>
+          </a:xfrm>
+          <a:prstGeom prst="plus">
+            <a:avLst>
+              <a:gd name="adj" fmla="val 40790"/>
+            </a:avLst>
+          </a:prstGeom>
+          <a:solidFill>
+            <a:schemeClr val="tx1"/>
+          </a:solidFill>
+          <a:ln>
+            <a:solidFill>
+              <a:schemeClr val="tx1"/>
+            </a:solidFill>
+          </a:ln>
+        </p:spPr>
+        <p:style>
+          <a:lnRef idx="2">
+            <a:schemeClr val="accent1">
+              <a:shade val="50000"/>
+            </a:schemeClr>
+          </a:lnRef>
+          <a:fillRef idx="1">
+            <a:schemeClr val="accent1"/>
+          </a:fillRef>
+          <a:effectRef idx="0">
+            <a:schemeClr val="accent1"/>
+          </a:effectRef>
+          <a:fontRef idx="minor">
+            <a:schemeClr val="lt1"/>
+          </a:fontRef>
+        </p:style>
+        <p:txBody>
+          <a:bodyPr rtlCol="0" anchor="ctr"/>
+          <a:lstStyle/>
+          <a:p>
+            <a:pPr algn="ctr"/>
+            <a:endParaRPr kumimoji="1" lang="zh-CN" altLang="en-US" sz="1200"/>
+          </a:p>
+        </p:txBody>
+      </p:sp>
+      <p:sp>
+        <p:nvSpPr>
+          <p:cNvPr id="11" name="十字形 10">
+            <a:extLst>
+              <a:ext uri="{FF2B5EF4-FFF2-40B4-BE49-F238E27FC236}">
+                <a16:creationId xmlns:a16="http://schemas.microsoft.com/office/drawing/2014/main" xmlns="" id="{C53AA193-7AFB-BB4D-972D-BFFD74D5B4C6}"/>
+              </a:ext>
+            </a:extLst>
+          </p:cNvPr>
+          <p:cNvSpPr/>
+          <p:nvPr/>
+        </p:nvSpPr>
+        <p:spPr>
+          <a:xfrm>
+            <a:off x="4407092" y="3885564"/>
+            <a:ext cx="115694" cy="117649"/>
+          </a:xfrm>
+          <a:prstGeom prst="plus">
+            <a:avLst>
+              <a:gd name="adj" fmla="val 40790"/>
+            </a:avLst>
+          </a:prstGeom>
+          <a:solidFill>
+            <a:schemeClr val="tx1"/>
+          </a:solidFill>
+          <a:ln>
+            <a:solidFill>
+              <a:schemeClr val="tx1"/>
+            </a:solidFill>
+          </a:ln>
+        </p:spPr>
+        <p:style>
+          <a:lnRef idx="2">
+            <a:schemeClr val="accent1">
+              <a:shade val="50000"/>
+            </a:schemeClr>
+          </a:lnRef>
+          <a:fillRef idx="1">
+            <a:schemeClr val="accent1"/>
+          </a:fillRef>
+          <a:effectRef idx="0">
+            <a:schemeClr val="accent1"/>
+          </a:effectRef>
+          <a:fontRef idx="minor">
+            <a:schemeClr val="lt1"/>
+          </a:fontRef>
+        </p:style>
+        <p:txBody>
+          <a:bodyPr rtlCol="0" anchor="ctr"/>
+          <a:lstStyle/>
+          <a:p>
+            <a:pPr algn="ctr"/>
+            <a:endParaRPr kumimoji="1" lang="zh-CN" altLang="en-US" sz="1200"/>
+          </a:p>
+        </p:txBody>
+      </p:sp>
+      <p:sp>
+        <p:nvSpPr>
+          <p:cNvPr id="12" name="文本框 11">
+            <a:extLst>
+              <a:ext uri="{FF2B5EF4-FFF2-40B4-BE49-F238E27FC236}">
+                <a16:creationId xmlns:a16="http://schemas.microsoft.com/office/drawing/2014/main" xmlns="" id="{1FBDEA93-9885-6B4F-8D76-3A47A9DE8BF2}"/>
+              </a:ext>
+            </a:extLst>
+          </p:cNvPr>
+          <p:cNvSpPr txBox="1"/>
+          <p:nvPr/>
+        </p:nvSpPr>
+        <p:spPr>
+          <a:xfrm>
+            <a:off x="2053685" y="4004705"/>
+            <a:ext cx="1003801" cy="461665"/>
+          </a:xfrm>
+          <a:prstGeom prst="rect">
+            <a:avLst/>
+          </a:prstGeom>
+          <a:noFill/>
+        </p:spPr>
+        <p:txBody>
+          <a:bodyPr wrap="none" rtlCol="0">
+            <a:spAutoFit/>
+          </a:bodyPr>
+          <a:lstStyle/>
+          <a:p>
+            <a:pPr algn="ctr"/>
+            <a:r>
+              <a:rPr kumimoji="1" lang="en-US" altLang="zh-CN" sz="1200" dirty="0"/>
+              <a:t>Position</a:t>
+            </a:r>
+          </a:p>
+          <a:p>
+            <a:pPr algn="ctr"/>
+            <a:r>
+              <a:rPr kumimoji="1" lang="en-US" altLang="zh-CN" sz="1200" dirty="0"/>
+              <a:t>Embeddings</a:t>
+            </a:r>
+            <a:endParaRPr kumimoji="1" lang="zh-CN" altLang="en-US" sz="1200" dirty="0"/>
+          </a:p>
+        </p:txBody>
+      </p:sp>
+      <p:sp>
+        <p:nvSpPr>
+          <p:cNvPr id="13" name="文本框 12">
+            <a:extLst>
+              <a:ext uri="{FF2B5EF4-FFF2-40B4-BE49-F238E27FC236}">
+                <a16:creationId xmlns:a16="http://schemas.microsoft.com/office/drawing/2014/main" xmlns="" id="{DCCFB33A-D894-AF4B-B5D3-4133E0483569}"/>
+              </a:ext>
+            </a:extLst>
+          </p:cNvPr>
+          <p:cNvSpPr txBox="1"/>
+          <p:nvPr/>
+        </p:nvSpPr>
+        <p:spPr>
+          <a:xfrm>
+            <a:off x="2053685" y="3445320"/>
+            <a:ext cx="1003801" cy="461665"/>
+          </a:xfrm>
+          <a:prstGeom prst="rect">
+            <a:avLst/>
+          </a:prstGeom>
+          <a:noFill/>
+        </p:spPr>
+        <p:txBody>
+          <a:bodyPr wrap="none" rtlCol="0">
+            <a:spAutoFit/>
+          </a:bodyPr>
+          <a:lstStyle/>
+          <a:p>
+            <a:pPr algn="ctr"/>
+            <a:r>
+              <a:rPr kumimoji="1" lang="en-US" altLang="zh-CN" sz="1200" dirty="0"/>
+              <a:t>Word</a:t>
+            </a:r>
+          </a:p>
+          <a:p>
+            <a:pPr algn="ctr"/>
+            <a:r>
+              <a:rPr kumimoji="1" lang="en-US" altLang="zh-CN" sz="1200" dirty="0"/>
+              <a:t>Embeddings</a:t>
+            </a:r>
+            <a:endParaRPr kumimoji="1" lang="zh-CN" altLang="en-US" sz="1200" dirty="0"/>
+          </a:p>
+        </p:txBody>
+      </p:sp>
+      <p:sp>
+        <p:nvSpPr>
+          <p:cNvPr id="14" name="上箭头 13">
+            <a:extLst>
+              <a:ext uri="{FF2B5EF4-FFF2-40B4-BE49-F238E27FC236}">
+                <a16:creationId xmlns:a16="http://schemas.microsoft.com/office/drawing/2014/main" xmlns="" id="{DA7FB890-7724-4C4F-A5DE-FE988E7995D7}"/>
+              </a:ext>
+            </a:extLst>
+          </p:cNvPr>
+          <p:cNvSpPr/>
+          <p:nvPr/>
+        </p:nvSpPr>
+        <p:spPr>
+          <a:xfrm>
+            <a:off x="4384995" y="3246284"/>
+            <a:ext cx="159814" cy="192749"/>
+          </a:xfrm>
+          <a:prstGeom prst="upArrow">
+            <a:avLst/>
+          </a:prstGeom>
+          <a:solidFill>
+            <a:schemeClr val="tx1"/>
+          </a:solidFill>
+          <a:ln>
+            <a:solidFill>
+              <a:schemeClr val="tx1"/>
+            </a:solidFill>
+          </a:ln>
+        </p:spPr>
+        <p:style>
+          <a:lnRef idx="2">
+            <a:schemeClr val="accent1">
+              <a:shade val="50000"/>
+            </a:schemeClr>
+          </a:lnRef>
+          <a:fillRef idx="1">
+            <a:schemeClr val="accent1"/>
+          </a:fillRef>
+          <a:effectRef idx="0">
+            <a:schemeClr val="accent1"/>
+          </a:effectRef>
+          <a:fontRef idx="minor">
+            <a:schemeClr val="lt1"/>
+          </a:fontRef>
+        </p:style>
+        <p:txBody>
+          <a:bodyPr rtlCol="0" anchor="ctr"/>
+          <a:lstStyle/>
+          <a:p>
+            <a:pPr algn="ctr"/>
+            <a:endParaRPr kumimoji="1" lang="zh-CN" altLang="en-US" sz="1200" dirty="0"/>
+          </a:p>
+        </p:txBody>
+      </p:sp>
+      <p:sp>
+        <p:nvSpPr>
+          <p:cNvPr id="15" name="上箭头 14">
+            <a:extLst>
+              <a:ext uri="{FF2B5EF4-FFF2-40B4-BE49-F238E27FC236}">
+                <a16:creationId xmlns:a16="http://schemas.microsoft.com/office/drawing/2014/main" xmlns="" id="{98437923-21EA-E940-9906-113C007CED40}"/>
+              </a:ext>
+            </a:extLst>
+          </p:cNvPr>
+          <p:cNvSpPr/>
+          <p:nvPr/>
+        </p:nvSpPr>
+        <p:spPr>
+          <a:xfrm>
+            <a:off x="3577205" y="3243270"/>
+            <a:ext cx="159814" cy="192749"/>
+          </a:xfrm>
+          <a:prstGeom prst="upArrow">
+            <a:avLst/>
+          </a:prstGeom>
+          <a:solidFill>
+            <a:schemeClr val="tx1"/>
+          </a:solidFill>
+          <a:ln>
+            <a:solidFill>
+              <a:schemeClr val="tx1"/>
+            </a:solidFill>
+          </a:ln>
+        </p:spPr>
+        <p:style>
+          <a:lnRef idx="2">
+            <a:schemeClr val="accent1">
+              <a:shade val="50000"/>
+            </a:schemeClr>
+          </a:lnRef>
+          <a:fillRef idx="1">
+            <a:schemeClr val="accent1"/>
+          </a:fillRef>
+          <a:effectRef idx="0">
+            <a:schemeClr val="accent1"/>
+          </a:effectRef>
+          <a:fontRef idx="minor">
+            <a:schemeClr val="lt1"/>
+          </a:fontRef>
+        </p:style>
+        <p:txBody>
+          <a:bodyPr rtlCol="0" anchor="ctr"/>
+          <a:lstStyle/>
+          <a:p>
+            <a:pPr algn="ctr"/>
+            <a:endParaRPr kumimoji="1" lang="zh-CN" altLang="en-US" sz="1200" dirty="0"/>
+          </a:p>
+        </p:txBody>
+      </p:sp>
+      <p:sp>
+        <p:nvSpPr>
+          <p:cNvPr id="16" name="圆角矩形 15">
+            <a:extLst>
+              <a:ext uri="{FF2B5EF4-FFF2-40B4-BE49-F238E27FC236}">
+                <a16:creationId xmlns:a16="http://schemas.microsoft.com/office/drawing/2014/main" xmlns="" id="{200D51A0-0BD3-9849-8F36-14A3C9360317}"/>
+              </a:ext>
+            </a:extLst>
+          </p:cNvPr>
+          <p:cNvSpPr/>
+          <p:nvPr/>
+        </p:nvSpPr>
+        <p:spPr>
+          <a:xfrm>
+            <a:off x="7853831" y="4881259"/>
+            <a:ext cx="1955731" cy="437322"/>
+          </a:xfrm>
+          <a:prstGeom prst="roundRect">
+            <a:avLst/>
+          </a:prstGeom>
+          <a:solidFill>
+            <a:schemeClr val="accent2">
+              <a:lumMod val="20000"/>
+              <a:lumOff val="80000"/>
+            </a:schemeClr>
+          </a:solidFill>
+        </p:spPr>
+        <p:style>
+          <a:lnRef idx="2">
+            <a:schemeClr val="accent1">
+              <a:shade val="50000"/>
+            </a:schemeClr>
+          </a:lnRef>
+          <a:fillRef idx="1">
+            <a:schemeClr val="accent1"/>
+          </a:fillRef>
+          <a:effectRef idx="0">
+            <a:schemeClr val="accent1"/>
+          </a:effectRef>
+          <a:fontRef idx="minor">
+            <a:schemeClr val="lt1"/>
+          </a:fontRef>
+        </p:style>
+        <p:txBody>
+          <a:bodyPr rtlCol="0" anchor="ctr"/>
+          <a:lstStyle/>
+          <a:p>
+            <a:pPr algn="ctr"/>
+            <a:r>
+              <a:rPr kumimoji="1" lang="en-US" altLang="zh-CN" sz="1600">
+                <a:solidFill>
+                  <a:schemeClr val="tx1"/>
+                </a:solidFill>
+              </a:rPr>
+              <a:t>Text</a:t>
+            </a:r>
+            <a:r>
+              <a:rPr kumimoji="1" lang="en-US" altLang="zh-CN" sz="1200" smtClean="0">
+                <a:solidFill>
+                  <a:schemeClr val="tx1"/>
+                </a:solidFill>
+              </a:rPr>
+              <a:t> </a:t>
+            </a:r>
+            <a:r>
+              <a:rPr kumimoji="1" lang="en-US" altLang="zh-CN" sz="1600">
+                <a:solidFill>
+                  <a:schemeClr val="tx1"/>
+                </a:solidFill>
+              </a:rPr>
+              <a:t>Encoder</a:t>
+            </a:r>
+            <a:endParaRPr kumimoji="1" lang="zh-CN" altLang="en-US" sz="1600" dirty="0">
+              <a:solidFill>
+                <a:schemeClr val="tx1"/>
+              </a:solidFill>
+            </a:endParaRPr>
+          </a:p>
+        </p:txBody>
+      </p:sp>
+      <p:sp>
+        <p:nvSpPr>
+          <p:cNvPr id="17" name="圆角矩形 16">
+            <a:extLst>
+              <a:ext uri="{FF2B5EF4-FFF2-40B4-BE49-F238E27FC236}">
+                <a16:creationId xmlns:a16="http://schemas.microsoft.com/office/drawing/2014/main" xmlns="" id="{200D51A0-0BD3-9849-8F36-14A3C9360317}"/>
+              </a:ext>
+            </a:extLst>
+          </p:cNvPr>
+          <p:cNvSpPr/>
+          <p:nvPr/>
+        </p:nvSpPr>
+        <p:spPr>
+          <a:xfrm>
+            <a:off x="5372833" y="4897443"/>
+            <a:ext cx="2115272" cy="437322"/>
+          </a:xfrm>
+          <a:prstGeom prst="roundRect">
+            <a:avLst/>
+          </a:prstGeom>
+          <a:solidFill>
+            <a:schemeClr val="accent2">
+              <a:lumMod val="20000"/>
+              <a:lumOff val="80000"/>
+            </a:schemeClr>
+          </a:solidFill>
+        </p:spPr>
+        <p:style>
+          <a:lnRef idx="2">
+            <a:schemeClr val="accent1">
+              <a:shade val="50000"/>
+            </a:schemeClr>
+          </a:lnRef>
+          <a:fillRef idx="1">
+            <a:schemeClr val="accent1"/>
+          </a:fillRef>
+          <a:effectRef idx="0">
+            <a:schemeClr val="accent1"/>
+          </a:effectRef>
+          <a:fontRef idx="minor">
+            <a:schemeClr val="lt1"/>
+          </a:fontRef>
+        </p:style>
+        <p:txBody>
+          <a:bodyPr rtlCol="0" anchor="ctr"/>
+          <a:lstStyle/>
+          <a:p>
+            <a:pPr algn="ctr"/>
+            <a:r>
+              <a:rPr kumimoji="1" lang="en-US" altLang="zh-CN" sz="1600">
+                <a:solidFill>
+                  <a:schemeClr val="tx1"/>
+                </a:solidFill>
+              </a:rPr>
+              <a:t>Node</a:t>
+            </a:r>
+            <a:r>
+              <a:rPr kumimoji="1" lang="en-US" altLang="zh-CN" sz="1200" smtClean="0">
+                <a:solidFill>
+                  <a:schemeClr val="tx1"/>
+                </a:solidFill>
+              </a:rPr>
+              <a:t> </a:t>
+            </a:r>
+            <a:r>
+              <a:rPr kumimoji="1" lang="en-US" altLang="zh-CN" sz="1600">
+                <a:solidFill>
+                  <a:schemeClr val="tx1"/>
+                </a:solidFill>
+              </a:rPr>
+              <a:t>Encoder</a:t>
+            </a:r>
+            <a:endParaRPr kumimoji="1" lang="zh-CN" altLang="en-US" sz="1600" dirty="0">
+              <a:solidFill>
+                <a:schemeClr val="tx1"/>
+              </a:solidFill>
+            </a:endParaRPr>
+          </a:p>
+        </p:txBody>
+      </p:sp>
+      <p:sp>
+        <p:nvSpPr>
+          <p:cNvPr id="18" name="文本框 17"/>
+          <p:cNvSpPr txBox="1"/>
+          <p:nvPr/>
+        </p:nvSpPr>
+        <p:spPr>
+          <a:xfrm>
+            <a:off x="1020027" y="4915254"/>
+            <a:ext cx="1120820" cy="369332"/>
+          </a:xfrm>
+          <a:prstGeom prst="rect">
+            <a:avLst/>
+          </a:prstGeom>
+          <a:noFill/>
+        </p:spPr>
+        <p:txBody>
+          <a:bodyPr wrap="none" rtlCol="0">
+            <a:spAutoFit/>
+          </a:bodyPr>
+          <a:lstStyle/>
+          <a:p>
+            <a:r>
+              <a:rPr lang="en-US" altLang="zh-CN" smtClean="0"/>
+              <a:t>Layer k-1</a:t>
+            </a:r>
+            <a:endParaRPr lang="zh-CN" altLang="en-US"/>
+          </a:p>
+        </p:txBody>
+      </p:sp>
+      <p:sp>
+        <p:nvSpPr>
+          <p:cNvPr id="19" name="文本框 18"/>
+          <p:cNvSpPr txBox="1"/>
+          <p:nvPr/>
+        </p:nvSpPr>
+        <p:spPr>
+          <a:xfrm>
+            <a:off x="1020027" y="2798630"/>
+            <a:ext cx="1338793" cy="369332"/>
+          </a:xfrm>
+          <a:prstGeom prst="rect">
+            <a:avLst/>
+          </a:prstGeom>
+          <a:noFill/>
+        </p:spPr>
+        <p:txBody>
+          <a:bodyPr wrap="square" rtlCol="0">
+            <a:spAutoFit/>
+          </a:bodyPr>
+          <a:lstStyle/>
+          <a:p>
+            <a:r>
+              <a:rPr lang="en-US" altLang="zh-CN" smtClean="0"/>
+              <a:t>Layer k</a:t>
+            </a:r>
+            <a:endParaRPr lang="zh-CN" altLang="en-US"/>
+          </a:p>
+        </p:txBody>
+      </p:sp>
+      <mc:AlternateContent xmlns:mc="http://schemas.openxmlformats.org/markup-compatibility/2006">
+        <mc:Choice xmlns:a14="http://schemas.microsoft.com/office/drawing/2010/main" Requires="a14">
+          <p:sp>
+            <p:nvSpPr>
+              <p:cNvPr id="20" name="圆角矩形 19">
+                <a:extLst>
+                  <a:ext uri="{FF2B5EF4-FFF2-40B4-BE49-F238E27FC236}">
+                    <a16:creationId xmlns:a16="http://schemas.microsoft.com/office/drawing/2014/main" xmlns="" id="{5FCBEBAC-8971-B44A-A5B8-0A43F0F50D67}"/>
+                  </a:ext>
+                </a:extLst>
+              </p:cNvPr>
+              <p:cNvSpPr/>
+              <p:nvPr/>
+            </p:nvSpPr>
+            <p:spPr>
+              <a:xfrm>
+                <a:off x="5257463" y="4076824"/>
+                <a:ext cx="1101411" cy="348692"/>
+              </a:xfrm>
+              <a:prstGeom prst="roundRect">
+                <a:avLst/>
+              </a:prstGeom>
+              <a:solidFill>
+                <a:schemeClr val="accent1">
+                  <a:lumMod val="60000"/>
+                  <a:lumOff val="40000"/>
+                </a:schemeClr>
+              </a:solidFill>
+            </p:spPr>
+            <p:style>
+              <a:lnRef idx="2">
+                <a:schemeClr val="dk1"/>
+              </a:lnRef>
+              <a:fillRef idx="1">
+                <a:schemeClr val="lt1"/>
+              </a:fillRef>
+              <a:effectRef idx="0">
+                <a:schemeClr val="dk1"/>
+              </a:effectRef>
+              <a:fontRef idx="minor">
+                <a:schemeClr val="dk1"/>
+              </a:fontRef>
+            </p:style>
+            <p:txBody>
+              <a:bodyPr rtlCol="0" anchor="ctr"/>
+              <a:lstStyle/>
+              <a:p>
+                <a:pPr algn="ctr"/>
+                <a14:m>
+                  <m:oMathPara xmlns:m="http://schemas.openxmlformats.org/officeDocument/2006/math">
+                    <m:oMathParaPr>
+                      <m:jc m:val="centerGroup"/>
+                    </m:oMathParaPr>
+                    <m:oMath xmlns:m="http://schemas.openxmlformats.org/officeDocument/2006/math">
+                      <m:r>
+                        <a:rPr kumimoji="1" lang="en-US" altLang="zh-CN" sz="1200" i="1">
+                          <a:latin typeface="Cambria Math" panose="02040503050406030204" pitchFamily="18" charset="0"/>
+                        </a:rPr>
+                        <m:t>2</m:t>
+                      </m:r>
+                    </m:oMath>
+                  </m:oMathPara>
+                </a14:m>
+                <a:endParaRPr kumimoji="1" lang="zh-CN" altLang="en-US" sz="1200" i="1" dirty="0">
+                  <a:latin typeface="Cambria Math" panose="02040503050406030204" pitchFamily="18" charset="0"/>
+                </a:endParaRPr>
+              </a:p>
+            </p:txBody>
+          </p:sp>
+        </mc:Choice>
+        <mc:Fallback>
+          <p:sp>
+            <p:nvSpPr>
+              <p:cNvPr id="20" name="圆角矩形 19">
+                <a:extLst>
+                  <a:ext uri="{FF2B5EF4-FFF2-40B4-BE49-F238E27FC236}">
+                    <a16:creationId xmlns:a16="http://schemas.microsoft.com/office/drawing/2014/main" xmlns="" xmlns:a14="http://schemas.microsoft.com/office/drawing/2010/main" id="{5FCBEBAC-8971-B44A-A5B8-0A43F0F50D67}"/>
+                  </a:ext>
+                </a:extLst>
+              </p:cNvPr>
+              <p:cNvSpPr>
+                <a:spLocks noRot="1" noChangeAspect="1" noMove="1" noResize="1" noEditPoints="1" noAdjustHandles="1" noChangeArrowheads="1" noChangeShapeType="1" noTextEdit="1"/>
+              </p:cNvSpPr>
+              <p:nvPr/>
+            </p:nvSpPr>
+            <p:spPr>
+              <a:xfrm>
+                <a:off x="5257463" y="4076824"/>
+                <a:ext cx="1101411" cy="348692"/>
+              </a:xfrm>
+              <a:prstGeom prst="roundRect">
+                <a:avLst/>
+              </a:prstGeom>
+              <a:blipFill rotWithShape="0">
+                <a:blip r:embed="rId3"/>
+                <a:stretch>
+                  <a:fillRect/>
+                </a:stretch>
+              </a:blipFill>
+            </p:spPr>
+            <p:txBody>
+              <a:bodyPr/>
+              <a:lstStyle/>
+              <a:p>
+                <a:r>
+                  <a:rPr lang="zh-CN" altLang="en-US">
+                    <a:noFill/>
+                  </a:rPr>
+                  <a:t> </a:t>
+                </a:r>
+              </a:p>
+            </p:txBody>
+          </p:sp>
+        </mc:Fallback>
+      </mc:AlternateContent>
+      <mc:AlternateContent xmlns:mc="http://schemas.openxmlformats.org/markup-compatibility/2006">
+        <mc:Choice xmlns:a14="http://schemas.microsoft.com/office/drawing/2010/main" Requires="a14">
+          <p:sp>
+            <p:nvSpPr>
+              <p:cNvPr id="21" name="圆角矩形 20">
+                <a:extLst>
+                  <a:ext uri="{FF2B5EF4-FFF2-40B4-BE49-F238E27FC236}">
+                    <a16:creationId xmlns:a16="http://schemas.microsoft.com/office/drawing/2014/main" xmlns="" id="{36CA9403-A848-FE4D-A049-F0C0BE09BE26}"/>
+                  </a:ext>
+                </a:extLst>
+              </p:cNvPr>
+              <p:cNvSpPr/>
+              <p:nvPr/>
+            </p:nvSpPr>
+            <p:spPr>
+              <a:xfrm>
+                <a:off x="5250314" y="3489574"/>
+                <a:ext cx="1105093" cy="348692"/>
+              </a:xfrm>
+              <a:prstGeom prst="roundRect">
+                <a:avLst/>
+              </a:prstGeom>
+              <a:solidFill>
+                <a:schemeClr val="accent1">
+                  <a:lumMod val="60000"/>
+                  <a:lumOff val="40000"/>
+                </a:schemeClr>
+              </a:solidFill>
+            </p:spPr>
+            <p:style>
+              <a:lnRef idx="2">
+                <a:schemeClr val="dk1"/>
+              </a:lnRef>
+              <a:fillRef idx="1">
+                <a:schemeClr val="lt1"/>
+              </a:fillRef>
+              <a:effectRef idx="0">
+                <a:schemeClr val="dk1"/>
+              </a:effectRef>
+              <a:fontRef idx="minor">
+                <a:schemeClr val="dk1"/>
+              </a:fontRef>
+            </p:style>
+            <p:txBody>
+              <a:bodyPr rtlCol="0" anchor="ctr"/>
+              <a:lstStyle/>
+              <a:p>
+                <a:pPr algn="ctr"/>
+                <a14:m>
+                  <m:oMath xmlns:m="http://schemas.openxmlformats.org/officeDocument/2006/math">
+                    <m:sSubSup>
+                      <m:sSubSupPr>
+                        <m:ctrlPr>
+                          <a:rPr kumimoji="1" lang="en-US" altLang="zh-CN" sz="1200" i="1" dirty="0">
+                            <a:latin typeface="Cambria Math" panose="02040503050406030204" pitchFamily="18" charset="0"/>
+                          </a:rPr>
+                        </m:ctrlPr>
+                      </m:sSubSupPr>
+                      <m:e>
+                        <m:r>
+                          <a:rPr kumimoji="1" lang="en-US" altLang="zh-CN" sz="1200" i="1" dirty="0">
+                            <a:latin typeface="Cambria Math" panose="02040503050406030204" pitchFamily="18" charset="0"/>
+                          </a:rPr>
+                          <m:t>𝑁</m:t>
+                        </m:r>
+                      </m:e>
+                      <m:sub>
+                        <m:r>
+                          <a:rPr kumimoji="1" lang="en-US" altLang="zh-CN" sz="1200" i="1" dirty="0">
+                            <a:latin typeface="Cambria Math" panose="02040503050406030204" pitchFamily="18" charset="0"/>
+                          </a:rPr>
+                          <m:t>𝐴</m:t>
+                        </m:r>
+                      </m:sub>
+                      <m:sup>
+                        <m:r>
+                          <a:rPr kumimoji="1" lang="en-US" altLang="zh-CN" sz="1200" i="1" dirty="0">
+                            <a:latin typeface="Cambria Math" panose="02040503050406030204" pitchFamily="18" charset="0"/>
+                          </a:rPr>
+                          <m:t>  </m:t>
+                        </m:r>
+                      </m:sup>
+                    </m:sSubSup>
+                    <m:r>
+                      <a:rPr kumimoji="1" lang="zh-CN" altLang="en-US" sz="1200" i="1" dirty="0">
+                        <a:latin typeface="Cambria Math" panose="02040503050406030204" pitchFamily="18" charset="0"/>
+                      </a:rPr>
+                      <m:t>（</m:t>
+                    </m:r>
+                  </m:oMath>
+                </a14:m>
+                <a:r>
+                  <a:rPr kumimoji="1" lang="en-US" altLang="zh-CN" sz="1200" i="1" dirty="0">
+                    <a:latin typeface="Cambria Math" panose="02040503050406030204" pitchFamily="18" charset="0"/>
+                  </a:rPr>
+                  <a:t>Mask</a:t>
+                </a:r>
+                <a:r>
+                  <a:rPr kumimoji="1" lang="zh-CN" altLang="en-US" sz="1200" i="1" dirty="0">
+                    <a:latin typeface="Cambria Math" panose="02040503050406030204" pitchFamily="18" charset="0"/>
+                  </a:rPr>
+                  <a:t>）</a:t>
+                </a:r>
+              </a:p>
+            </p:txBody>
+          </p:sp>
+        </mc:Choice>
+        <mc:Fallback>
+          <p:sp>
+            <p:nvSpPr>
+              <p:cNvPr id="21" name="圆角矩形 20">
+                <a:extLst>
+                  <a:ext uri="{FF2B5EF4-FFF2-40B4-BE49-F238E27FC236}">
+                    <a16:creationId xmlns:a16="http://schemas.microsoft.com/office/drawing/2014/main" xmlns="" xmlns:a14="http://schemas.microsoft.com/office/drawing/2010/main" id="{36CA9403-A848-FE4D-A049-F0C0BE09BE26}"/>
+                  </a:ext>
+                </a:extLst>
+              </p:cNvPr>
+              <p:cNvSpPr>
+                <a:spLocks noRot="1" noChangeAspect="1" noMove="1" noResize="1" noEditPoints="1" noAdjustHandles="1" noChangeArrowheads="1" noChangeShapeType="1" noTextEdit="1"/>
+              </p:cNvSpPr>
+              <p:nvPr/>
+            </p:nvSpPr>
+            <p:spPr>
+              <a:xfrm>
+                <a:off x="5250314" y="3489574"/>
+                <a:ext cx="1105093" cy="348692"/>
+              </a:xfrm>
+              <a:prstGeom prst="roundRect">
+                <a:avLst/>
+              </a:prstGeom>
+              <a:blipFill rotWithShape="0">
+                <a:blip r:embed="rId4"/>
+                <a:stretch>
+                  <a:fillRect b="-3333"/>
+                </a:stretch>
+              </a:blipFill>
+            </p:spPr>
+            <p:txBody>
+              <a:bodyPr/>
+              <a:lstStyle/>
+              <a:p>
+                <a:r>
+                  <a:rPr lang="zh-CN" altLang="en-US">
+                    <a:noFill/>
+                  </a:rPr>
+                  <a:t> </a:t>
+                </a:r>
+              </a:p>
+            </p:txBody>
+          </p:sp>
+        </mc:Fallback>
+      </mc:AlternateContent>
+      <p:sp>
+        <p:nvSpPr>
+          <p:cNvPr id="22" name="十字形 21">
+            <a:extLst>
+              <a:ext uri="{FF2B5EF4-FFF2-40B4-BE49-F238E27FC236}">
+                <a16:creationId xmlns:a16="http://schemas.microsoft.com/office/drawing/2014/main" xmlns="" id="{C53AA193-7AFB-BB4D-972D-BFFD74D5B4C6}"/>
+              </a:ext>
+            </a:extLst>
+          </p:cNvPr>
+          <p:cNvSpPr/>
+          <p:nvPr/>
+        </p:nvSpPr>
+        <p:spPr>
+          <a:xfrm>
+            <a:off x="5784068" y="3910567"/>
+            <a:ext cx="115694" cy="117649"/>
+          </a:xfrm>
+          <a:prstGeom prst="plus">
+            <a:avLst>
+              <a:gd name="adj" fmla="val 40790"/>
+            </a:avLst>
+          </a:prstGeom>
+          <a:solidFill>
+            <a:schemeClr val="tx1"/>
+          </a:solidFill>
+          <a:ln>
+            <a:solidFill>
+              <a:schemeClr val="tx1"/>
+            </a:solidFill>
+          </a:ln>
+        </p:spPr>
+        <p:style>
+          <a:lnRef idx="2">
+            <a:schemeClr val="accent1">
+              <a:shade val="50000"/>
+            </a:schemeClr>
+          </a:lnRef>
+          <a:fillRef idx="1">
+            <a:schemeClr val="accent1"/>
+          </a:fillRef>
+          <a:effectRef idx="0">
+            <a:schemeClr val="accent1"/>
+          </a:effectRef>
+          <a:fontRef idx="minor">
+            <a:schemeClr val="lt1"/>
+          </a:fontRef>
+        </p:style>
+        <p:txBody>
+          <a:bodyPr rtlCol="0" anchor="ctr"/>
+          <a:lstStyle/>
+          <a:p>
+            <a:pPr algn="ctr"/>
+            <a:endParaRPr kumimoji="1" lang="zh-CN" altLang="en-US" sz="1200"/>
+          </a:p>
+        </p:txBody>
+      </p:sp>
+      <p:sp>
+        <p:nvSpPr>
+          <p:cNvPr id="23" name="上箭头 22">
+            <a:extLst>
+              <a:ext uri="{FF2B5EF4-FFF2-40B4-BE49-F238E27FC236}">
+                <a16:creationId xmlns:a16="http://schemas.microsoft.com/office/drawing/2014/main" xmlns="" id="{DA7FB890-7724-4C4F-A5DE-FE988E7995D7}"/>
+              </a:ext>
+            </a:extLst>
+          </p:cNvPr>
+          <p:cNvSpPr/>
+          <p:nvPr/>
+        </p:nvSpPr>
+        <p:spPr>
+          <a:xfrm>
+            <a:off x="5712504" y="3252571"/>
+            <a:ext cx="159814" cy="192749"/>
+          </a:xfrm>
+          <a:prstGeom prst="upArrow">
+            <a:avLst/>
+          </a:prstGeom>
+          <a:solidFill>
+            <a:schemeClr val="tx1"/>
+          </a:solidFill>
+          <a:ln>
+            <a:solidFill>
+              <a:schemeClr val="tx1"/>
+            </a:solidFill>
+          </a:ln>
+        </p:spPr>
+        <p:style>
+          <a:lnRef idx="2">
+            <a:schemeClr val="accent1">
+              <a:shade val="50000"/>
+            </a:schemeClr>
+          </a:lnRef>
+          <a:fillRef idx="1">
+            <a:schemeClr val="accent1"/>
+          </a:fillRef>
+          <a:effectRef idx="0">
+            <a:schemeClr val="accent1"/>
+          </a:effectRef>
+          <a:fontRef idx="minor">
+            <a:schemeClr val="lt1"/>
+          </a:fontRef>
+        </p:style>
+        <p:txBody>
+          <a:bodyPr rtlCol="0" anchor="ctr"/>
+          <a:lstStyle/>
+          <a:p>
+            <a:pPr algn="ctr"/>
+            <a:endParaRPr kumimoji="1" lang="zh-CN" altLang="en-US" sz="1200" dirty="0"/>
+          </a:p>
+        </p:txBody>
+      </p:sp>
+      <mc:AlternateContent xmlns:mc="http://schemas.openxmlformats.org/markup-compatibility/2006">
+        <mc:Choice xmlns:a14="http://schemas.microsoft.com/office/drawing/2010/main" Requires="a14">
+          <p:sp>
+            <p:nvSpPr>
+              <p:cNvPr id="24" name="圆角矩形 23">
+                <a:extLst>
+                  <a:ext uri="{FF2B5EF4-FFF2-40B4-BE49-F238E27FC236}">
+                    <a16:creationId xmlns:a16="http://schemas.microsoft.com/office/drawing/2014/main" xmlns="" id="{5FCBEBAC-8971-B44A-A5B8-0A43F0F50D67}"/>
+                  </a:ext>
+                </a:extLst>
+              </p:cNvPr>
+              <p:cNvSpPr/>
+              <p:nvPr/>
+            </p:nvSpPr>
+            <p:spPr>
+              <a:xfrm>
+                <a:off x="6518510" y="4057548"/>
+                <a:ext cx="816559" cy="348692"/>
+              </a:xfrm>
+              <a:prstGeom prst="roundRect">
+                <a:avLst/>
+              </a:prstGeom>
+              <a:solidFill>
+                <a:schemeClr val="accent4">
+                  <a:lumMod val="20000"/>
+                  <a:lumOff val="80000"/>
+                </a:schemeClr>
+              </a:solidFill>
+            </p:spPr>
+            <p:style>
+              <a:lnRef idx="2">
+                <a:schemeClr val="dk1"/>
+              </a:lnRef>
+              <a:fillRef idx="1">
+                <a:schemeClr val="lt1"/>
+              </a:fillRef>
+              <a:effectRef idx="0">
+                <a:schemeClr val="dk1"/>
+              </a:effectRef>
+              <a:fontRef idx="minor">
+                <a:schemeClr val="dk1"/>
+              </a:fontRef>
+            </p:style>
+            <p:txBody>
+              <a:bodyPr rtlCol="0" anchor="ctr"/>
+              <a:lstStyle/>
+              <a:p>
+                <a:pPr algn="ctr"/>
+                <a14:m>
+                  <m:oMathPara xmlns:m="http://schemas.openxmlformats.org/officeDocument/2006/math">
+                    <m:oMathParaPr>
+                      <m:jc m:val="centerGroup"/>
+                    </m:oMathParaPr>
+                    <m:oMath xmlns:m="http://schemas.openxmlformats.org/officeDocument/2006/math">
+                      <m:r>
+                        <a:rPr kumimoji="1" lang="en-US" altLang="zh-CN" sz="1200" b="0" i="1" smtClean="0">
+                          <a:latin typeface="Cambria Math" panose="02040503050406030204" pitchFamily="18" charset="0"/>
+                        </a:rPr>
+                        <m:t>3</m:t>
+                      </m:r>
+                    </m:oMath>
+                  </m:oMathPara>
+                </a14:m>
+                <a:endParaRPr kumimoji="1" lang="zh-CN" altLang="en-US" sz="1200" dirty="0"/>
+              </a:p>
+            </p:txBody>
+          </p:sp>
+        </mc:Choice>
+        <mc:Fallback>
+          <p:sp>
+            <p:nvSpPr>
+              <p:cNvPr id="24" name="圆角矩形 23">
+                <a:extLst>
+                  <a:ext uri="{FF2B5EF4-FFF2-40B4-BE49-F238E27FC236}">
+                    <a16:creationId xmlns:a16="http://schemas.microsoft.com/office/drawing/2014/main" xmlns="" xmlns:a14="http://schemas.microsoft.com/office/drawing/2010/main" id="{5FCBEBAC-8971-B44A-A5B8-0A43F0F50D67}"/>
+                  </a:ext>
+                </a:extLst>
+              </p:cNvPr>
+              <p:cNvSpPr>
+                <a:spLocks noRot="1" noChangeAspect="1" noMove="1" noResize="1" noEditPoints="1" noAdjustHandles="1" noChangeArrowheads="1" noChangeShapeType="1" noTextEdit="1"/>
+              </p:cNvSpPr>
+              <p:nvPr/>
+            </p:nvSpPr>
+            <p:spPr>
+              <a:xfrm>
+                <a:off x="6518510" y="4057548"/>
+                <a:ext cx="816559" cy="348692"/>
+              </a:xfrm>
+              <a:prstGeom prst="roundRect">
+                <a:avLst/>
+              </a:prstGeom>
+              <a:blipFill rotWithShape="0">
+                <a:blip r:embed="rId5"/>
+                <a:stretch>
+                  <a:fillRect/>
+                </a:stretch>
+              </a:blipFill>
+            </p:spPr>
+            <p:txBody>
+              <a:bodyPr/>
+              <a:lstStyle/>
+              <a:p>
+                <a:r>
+                  <a:rPr lang="zh-CN" altLang="en-US">
+                    <a:noFill/>
+                  </a:rPr>
+                  <a:t> </a:t>
+                </a:r>
+              </a:p>
+            </p:txBody>
+          </p:sp>
+        </mc:Fallback>
+      </mc:AlternateContent>
+      <mc:AlternateContent xmlns:mc="http://schemas.openxmlformats.org/markup-compatibility/2006">
+        <mc:Choice xmlns:a14="http://schemas.microsoft.com/office/drawing/2010/main" Requires="a14">
+          <p:sp>
+            <p:nvSpPr>
+              <p:cNvPr id="25" name="圆角矩形 24">
+                <a:extLst>
+                  <a:ext uri="{FF2B5EF4-FFF2-40B4-BE49-F238E27FC236}">
+                    <a16:creationId xmlns:a16="http://schemas.microsoft.com/office/drawing/2014/main" xmlns="" id="{36CA9403-A848-FE4D-A049-F0C0BE09BE26}"/>
+                  </a:ext>
+                </a:extLst>
+              </p:cNvPr>
+              <p:cNvSpPr/>
+              <p:nvPr/>
+            </p:nvSpPr>
+            <p:spPr>
+              <a:xfrm>
+                <a:off x="6514828" y="3502533"/>
+                <a:ext cx="820241" cy="348692"/>
+              </a:xfrm>
+              <a:prstGeom prst="roundRect">
+                <a:avLst/>
+              </a:prstGeom>
+              <a:solidFill>
+                <a:schemeClr val="accent4">
+                  <a:lumMod val="20000"/>
+                  <a:lumOff val="80000"/>
+                </a:schemeClr>
+              </a:solidFill>
+            </p:spPr>
+            <p:style>
+              <a:lnRef idx="2">
+                <a:schemeClr val="dk1"/>
+              </a:lnRef>
+              <a:fillRef idx="1">
+                <a:schemeClr val="lt1"/>
+              </a:fillRef>
+              <a:effectRef idx="0">
+                <a:schemeClr val="dk1"/>
+              </a:effectRef>
+              <a:fontRef idx="minor">
+                <a:schemeClr val="dk1"/>
+              </a:fontRef>
+            </p:style>
+            <p:txBody>
+              <a:bodyPr rtlCol="0" anchor="ctr"/>
+              <a:lstStyle/>
+              <a:p>
+                <a:pPr algn="ctr"/>
+                <a14:m>
+                  <m:oMathPara xmlns:m="http://schemas.openxmlformats.org/officeDocument/2006/math">
+                    <m:oMathParaPr>
+                      <m:jc m:val="centerGroup"/>
+                    </m:oMathParaPr>
+                    <m:oMath xmlns:m="http://schemas.openxmlformats.org/officeDocument/2006/math">
+                      <m:sSubSup>
+                        <m:sSubSupPr>
+                          <m:ctrlPr>
+                            <a:rPr kumimoji="1" lang="en-US" altLang="zh-CN" sz="1200" i="1" dirty="0" smtClean="0">
+                              <a:latin typeface="Cambria Math" panose="02040503050406030204" pitchFamily="18" charset="0"/>
+                            </a:rPr>
+                          </m:ctrlPr>
+                        </m:sSubSupPr>
+                        <m:e>
+                          <m:r>
+                            <a:rPr kumimoji="1" lang="en-US" altLang="zh-CN" sz="1200" i="1" dirty="0">
+                              <a:latin typeface="Cambria Math" panose="02040503050406030204" pitchFamily="18" charset="0"/>
+                            </a:rPr>
+                            <m:t>𝑁</m:t>
+                          </m:r>
+                        </m:e>
+                        <m:sub>
+                          <m:r>
+                            <a:rPr kumimoji="1" lang="en-US" altLang="zh-CN" sz="1200" b="0" i="1" dirty="0" smtClean="0">
+                              <a:latin typeface="Cambria Math" panose="02040503050406030204" pitchFamily="18" charset="0"/>
+                            </a:rPr>
+                            <m:t>𝐵</m:t>
+                          </m:r>
+                        </m:sub>
+                        <m:sup>
+                          <m:r>
+                            <a:rPr kumimoji="1" lang="en-US" altLang="zh-CN" sz="1200" i="1" dirty="0">
+                              <a:latin typeface="Cambria Math" panose="02040503050406030204" pitchFamily="18" charset="0"/>
+                            </a:rPr>
+                            <m:t>  </m:t>
+                          </m:r>
+                        </m:sup>
+                      </m:sSubSup>
+                    </m:oMath>
+                  </m:oMathPara>
+                </a14:m>
+                <a:endParaRPr kumimoji="1" lang="zh-CN" altLang="en-US" sz="1200" dirty="0"/>
+              </a:p>
+            </p:txBody>
+          </p:sp>
+        </mc:Choice>
+        <mc:Fallback>
+          <p:sp>
+            <p:nvSpPr>
+              <p:cNvPr id="25" name="圆角矩形 24">
+                <a:extLst>
+                  <a:ext uri="{FF2B5EF4-FFF2-40B4-BE49-F238E27FC236}">
+                    <a16:creationId xmlns:a16="http://schemas.microsoft.com/office/drawing/2014/main" xmlns="" xmlns:a14="http://schemas.microsoft.com/office/drawing/2010/main" id="{36CA9403-A848-FE4D-A049-F0C0BE09BE26}"/>
+                  </a:ext>
+                </a:extLst>
+              </p:cNvPr>
+              <p:cNvSpPr>
+                <a:spLocks noRot="1" noChangeAspect="1" noMove="1" noResize="1" noEditPoints="1" noAdjustHandles="1" noChangeArrowheads="1" noChangeShapeType="1" noTextEdit="1"/>
+              </p:cNvSpPr>
+              <p:nvPr/>
+            </p:nvSpPr>
+            <p:spPr>
+              <a:xfrm>
+                <a:off x="6514828" y="3502533"/>
+                <a:ext cx="820241" cy="348692"/>
+              </a:xfrm>
+              <a:prstGeom prst="roundRect">
+                <a:avLst/>
+              </a:prstGeom>
+              <a:blipFill rotWithShape="0">
+                <a:blip r:embed="rId6"/>
+                <a:stretch>
+                  <a:fillRect/>
+                </a:stretch>
+              </a:blipFill>
+            </p:spPr>
+            <p:txBody>
+              <a:bodyPr/>
+              <a:lstStyle/>
+              <a:p>
+                <a:r>
+                  <a:rPr lang="zh-CN" altLang="en-US">
+                    <a:noFill/>
+                  </a:rPr>
+                  <a:t> </a:t>
+                </a:r>
+              </a:p>
+            </p:txBody>
+          </p:sp>
+        </mc:Fallback>
+      </mc:AlternateContent>
+      <p:sp>
+        <p:nvSpPr>
+          <p:cNvPr id="26" name="十字形 25">
+            <a:extLst>
+              <a:ext uri="{FF2B5EF4-FFF2-40B4-BE49-F238E27FC236}">
+                <a16:creationId xmlns:a16="http://schemas.microsoft.com/office/drawing/2014/main" xmlns="" id="{C53AA193-7AFB-BB4D-972D-BFFD74D5B4C6}"/>
+              </a:ext>
+            </a:extLst>
+          </p:cNvPr>
+          <p:cNvSpPr/>
+          <p:nvPr/>
+        </p:nvSpPr>
+        <p:spPr>
+          <a:xfrm>
+            <a:off x="6862088" y="3881121"/>
+            <a:ext cx="115694" cy="117649"/>
+          </a:xfrm>
+          <a:prstGeom prst="plus">
+            <a:avLst>
+              <a:gd name="adj" fmla="val 40790"/>
+            </a:avLst>
+          </a:prstGeom>
+          <a:solidFill>
+            <a:schemeClr val="tx1"/>
+          </a:solidFill>
+          <a:ln>
+            <a:solidFill>
+              <a:schemeClr val="tx1"/>
+            </a:solidFill>
+          </a:ln>
+        </p:spPr>
+        <p:style>
+          <a:lnRef idx="2">
+            <a:schemeClr val="accent1">
+              <a:shade val="50000"/>
+            </a:schemeClr>
+          </a:lnRef>
+          <a:fillRef idx="1">
+            <a:schemeClr val="accent1"/>
+          </a:fillRef>
+          <a:effectRef idx="0">
+            <a:schemeClr val="accent1"/>
+          </a:effectRef>
+          <a:fontRef idx="minor">
+            <a:schemeClr val="lt1"/>
+          </a:fontRef>
+        </p:style>
+        <p:txBody>
+          <a:bodyPr rtlCol="0" anchor="ctr"/>
+          <a:lstStyle/>
+          <a:p>
+            <a:pPr algn="ctr"/>
+            <a:endParaRPr kumimoji="1" lang="zh-CN" altLang="en-US" sz="1200"/>
+          </a:p>
+        </p:txBody>
+      </p:sp>
+      <p:sp>
+        <p:nvSpPr>
+          <p:cNvPr id="27" name="上箭头 26">
+            <a:extLst>
+              <a:ext uri="{FF2B5EF4-FFF2-40B4-BE49-F238E27FC236}">
+                <a16:creationId xmlns:a16="http://schemas.microsoft.com/office/drawing/2014/main" xmlns="" id="{DA7FB890-7724-4C4F-A5DE-FE988E7995D7}"/>
+              </a:ext>
+            </a:extLst>
+          </p:cNvPr>
+          <p:cNvSpPr/>
+          <p:nvPr/>
+        </p:nvSpPr>
+        <p:spPr>
+          <a:xfrm>
+            <a:off x="6843620" y="3243270"/>
+            <a:ext cx="159814" cy="192749"/>
+          </a:xfrm>
+          <a:prstGeom prst="upArrow">
+            <a:avLst/>
+          </a:prstGeom>
+          <a:solidFill>
+            <a:schemeClr val="tx1"/>
+          </a:solidFill>
+          <a:ln>
+            <a:solidFill>
+              <a:schemeClr val="tx1"/>
+            </a:solidFill>
+          </a:ln>
+        </p:spPr>
+        <p:style>
+          <a:lnRef idx="2">
+            <a:schemeClr val="accent1">
+              <a:shade val="50000"/>
+            </a:schemeClr>
+          </a:lnRef>
+          <a:fillRef idx="1">
+            <a:schemeClr val="accent1"/>
+          </a:fillRef>
+          <a:effectRef idx="0">
+            <a:schemeClr val="accent1"/>
+          </a:effectRef>
+          <a:fontRef idx="minor">
+            <a:schemeClr val="lt1"/>
+          </a:fontRef>
+        </p:style>
+        <p:txBody>
+          <a:bodyPr rtlCol="0" anchor="ctr"/>
+          <a:lstStyle/>
+          <a:p>
+            <a:pPr algn="ctr"/>
+            <a:endParaRPr kumimoji="1" lang="zh-CN" altLang="en-US" sz="1200" dirty="0"/>
+          </a:p>
+        </p:txBody>
+      </p:sp>
+      <mc:AlternateContent xmlns:mc="http://schemas.openxmlformats.org/markup-compatibility/2006">
+        <mc:Choice xmlns:a14="http://schemas.microsoft.com/office/drawing/2010/main" Requires="a14">
+          <p:sp>
+            <p:nvSpPr>
+              <p:cNvPr id="28" name="圆角矩形 27">
+                <a:extLst>
+                  <a:ext uri="{FF2B5EF4-FFF2-40B4-BE49-F238E27FC236}">
+                    <a16:creationId xmlns:a16="http://schemas.microsoft.com/office/drawing/2014/main" xmlns="" id="{5FCBEBAC-8971-B44A-A5B8-0A43F0F50D67}"/>
+                  </a:ext>
+                </a:extLst>
+              </p:cNvPr>
+              <p:cNvSpPr/>
+              <p:nvPr/>
+            </p:nvSpPr>
+            <p:spPr>
+              <a:xfrm>
+                <a:off x="7918029" y="4057548"/>
+                <a:ext cx="816559" cy="348692"/>
+              </a:xfrm>
+              <a:prstGeom prst="roundRect">
+                <a:avLst/>
+              </a:prstGeom>
+              <a:solidFill>
+                <a:schemeClr val="accent4">
+                  <a:lumMod val="20000"/>
+                  <a:lumOff val="80000"/>
+                </a:schemeClr>
+              </a:solidFill>
+            </p:spPr>
+            <p:style>
+              <a:lnRef idx="2">
+                <a:schemeClr val="dk1"/>
+              </a:lnRef>
+              <a:fillRef idx="1">
+                <a:schemeClr val="lt1"/>
+              </a:fillRef>
+              <a:effectRef idx="0">
+                <a:schemeClr val="dk1"/>
+              </a:effectRef>
+              <a:fontRef idx="minor">
+                <a:schemeClr val="dk1"/>
+              </a:fontRef>
+            </p:style>
+            <p:txBody>
+              <a:bodyPr rtlCol="0" anchor="ctr"/>
+              <a:lstStyle/>
+              <a:p>
+                <a:pPr algn="ctr"/>
+                <a14:m>
+                  <m:oMathPara xmlns:m="http://schemas.openxmlformats.org/officeDocument/2006/math">
+                    <m:oMathParaPr>
+                      <m:jc m:val="centerGroup"/>
+                    </m:oMathParaPr>
+                    <m:oMath xmlns:m="http://schemas.openxmlformats.org/officeDocument/2006/math">
+                      <m:r>
+                        <a:rPr kumimoji="1" lang="en-US" altLang="zh-CN" sz="1200" b="0" i="1" smtClean="0">
+                          <a:latin typeface="Cambria Math" panose="02040503050406030204" pitchFamily="18" charset="0"/>
+                        </a:rPr>
+                        <m:t>4</m:t>
+                      </m:r>
+                    </m:oMath>
+                  </m:oMathPara>
+                </a14:m>
+                <a:endParaRPr kumimoji="1" lang="zh-CN" altLang="en-US" sz="1200" dirty="0"/>
+              </a:p>
+            </p:txBody>
+          </p:sp>
+        </mc:Choice>
+        <mc:Fallback>
+          <p:sp>
+            <p:nvSpPr>
+              <p:cNvPr id="28" name="圆角矩形 27">
+                <a:extLst>
+                  <a:ext uri="{FF2B5EF4-FFF2-40B4-BE49-F238E27FC236}">
+                    <a16:creationId xmlns:a16="http://schemas.microsoft.com/office/drawing/2014/main" xmlns="" xmlns:a14="http://schemas.microsoft.com/office/drawing/2010/main" id="{5FCBEBAC-8971-B44A-A5B8-0A43F0F50D67}"/>
+                  </a:ext>
+                </a:extLst>
+              </p:cNvPr>
+              <p:cNvSpPr>
+                <a:spLocks noRot="1" noChangeAspect="1" noMove="1" noResize="1" noEditPoints="1" noAdjustHandles="1" noChangeArrowheads="1" noChangeShapeType="1" noTextEdit="1"/>
+              </p:cNvSpPr>
+              <p:nvPr/>
+            </p:nvSpPr>
+            <p:spPr>
+              <a:xfrm>
+                <a:off x="7918029" y="4057548"/>
+                <a:ext cx="816559" cy="348692"/>
+              </a:xfrm>
+              <a:prstGeom prst="roundRect">
+                <a:avLst/>
+              </a:prstGeom>
+              <a:blipFill rotWithShape="0">
+                <a:blip r:embed="rId7"/>
+                <a:stretch>
+                  <a:fillRect/>
+                </a:stretch>
+              </a:blipFill>
+            </p:spPr>
+            <p:txBody>
+              <a:bodyPr/>
+              <a:lstStyle/>
+              <a:p>
+                <a:r>
+                  <a:rPr lang="zh-CN" altLang="en-US">
+                    <a:noFill/>
+                  </a:rPr>
+                  <a:t> </a:t>
+                </a:r>
+              </a:p>
+            </p:txBody>
+          </p:sp>
+        </mc:Fallback>
+      </mc:AlternateContent>
+      <mc:AlternateContent xmlns:mc="http://schemas.openxmlformats.org/markup-compatibility/2006">
+        <mc:Choice xmlns:a14="http://schemas.microsoft.com/office/drawing/2010/main" Requires="a14">
+          <p:sp>
+            <p:nvSpPr>
+              <p:cNvPr id="29" name="圆角矩形 28">
+                <a:extLst>
+                  <a:ext uri="{FF2B5EF4-FFF2-40B4-BE49-F238E27FC236}">
+                    <a16:creationId xmlns:a16="http://schemas.microsoft.com/office/drawing/2014/main" xmlns="" id="{36CA9403-A848-FE4D-A049-F0C0BE09BE26}"/>
+                  </a:ext>
+                </a:extLst>
+              </p:cNvPr>
+              <p:cNvSpPr/>
+              <p:nvPr/>
+            </p:nvSpPr>
+            <p:spPr>
+              <a:xfrm>
+                <a:off x="7914347" y="3502533"/>
+                <a:ext cx="820241" cy="348692"/>
+              </a:xfrm>
+              <a:prstGeom prst="roundRect">
+                <a:avLst/>
+              </a:prstGeom>
+              <a:solidFill>
+                <a:schemeClr val="accent4">
+                  <a:lumMod val="20000"/>
+                  <a:lumOff val="80000"/>
+                </a:schemeClr>
+              </a:solidFill>
+            </p:spPr>
+            <p:style>
+              <a:lnRef idx="2">
+                <a:schemeClr val="dk1"/>
+              </a:lnRef>
+              <a:fillRef idx="1">
+                <a:schemeClr val="lt1"/>
+              </a:fillRef>
+              <a:effectRef idx="0">
+                <a:schemeClr val="dk1"/>
+              </a:effectRef>
+              <a:fontRef idx="minor">
+                <a:schemeClr val="dk1"/>
+              </a:fontRef>
+            </p:style>
+            <p:txBody>
+              <a:bodyPr rtlCol="0" anchor="ctr"/>
+              <a:lstStyle/>
+              <a:p>
+                <a:pPr algn="ctr"/>
+                <a14:m>
+                  <m:oMathPara xmlns:m="http://schemas.openxmlformats.org/officeDocument/2006/math">
+                    <m:oMathParaPr>
+                      <m:jc m:val="centerGroup"/>
+                    </m:oMathParaPr>
+                    <m:oMath xmlns:m="http://schemas.openxmlformats.org/officeDocument/2006/math">
+                      <m:sSubSup>
+                        <m:sSubSupPr>
+                          <m:ctrlPr>
+                            <a:rPr kumimoji="1" lang="en-US" altLang="zh-CN" sz="1200" i="1" dirty="0" smtClean="0">
+                              <a:latin typeface="Cambria Math" panose="02040503050406030204" pitchFamily="18" charset="0"/>
+                            </a:rPr>
+                          </m:ctrlPr>
+                        </m:sSubSupPr>
+                        <m:e>
+                          <m:r>
+                            <a:rPr kumimoji="1" lang="en-US" altLang="zh-CN" sz="1200" b="0" i="1" dirty="0" smtClean="0">
+                              <a:latin typeface="Cambria Math" panose="02040503050406030204" pitchFamily="18" charset="0"/>
+                            </a:rPr>
+                            <m:t>𝑇</m:t>
+                          </m:r>
+                        </m:e>
+                        <m:sub>
+                          <m:r>
+                            <a:rPr kumimoji="1" lang="en-US" altLang="zh-CN" sz="1200" b="0" i="1" dirty="0" smtClean="0">
+                              <a:latin typeface="Cambria Math" panose="02040503050406030204" pitchFamily="18" charset="0"/>
+                            </a:rPr>
+                            <m:t>𝐶</m:t>
+                          </m:r>
+                        </m:sub>
+                        <m:sup>
+                          <m:r>
+                            <a:rPr kumimoji="1" lang="en-US" altLang="zh-CN" sz="1200" i="1" dirty="0">
+                              <a:latin typeface="Cambria Math" panose="02040503050406030204" pitchFamily="18" charset="0"/>
+                            </a:rPr>
+                            <m:t>  </m:t>
+                          </m:r>
+                        </m:sup>
+                      </m:sSubSup>
+                    </m:oMath>
+                  </m:oMathPara>
+                </a14:m>
+                <a:endParaRPr kumimoji="1" lang="zh-CN" altLang="en-US" sz="1200" dirty="0"/>
+              </a:p>
+            </p:txBody>
+          </p:sp>
+        </mc:Choice>
+        <mc:Fallback>
+          <p:sp>
+            <p:nvSpPr>
+              <p:cNvPr id="29" name="圆角矩形 28">
+                <a:extLst>
+                  <a:ext uri="{FF2B5EF4-FFF2-40B4-BE49-F238E27FC236}">
+                    <a16:creationId xmlns:a16="http://schemas.microsoft.com/office/drawing/2014/main" xmlns="" xmlns:a14="http://schemas.microsoft.com/office/drawing/2010/main" id="{36CA9403-A848-FE4D-A049-F0C0BE09BE26}"/>
+                  </a:ext>
+                </a:extLst>
+              </p:cNvPr>
+              <p:cNvSpPr>
+                <a:spLocks noRot="1" noChangeAspect="1" noMove="1" noResize="1" noEditPoints="1" noAdjustHandles="1" noChangeArrowheads="1" noChangeShapeType="1" noTextEdit="1"/>
+              </p:cNvSpPr>
+              <p:nvPr/>
+            </p:nvSpPr>
+            <p:spPr>
+              <a:xfrm>
+                <a:off x="7914347" y="3502533"/>
+                <a:ext cx="820241" cy="348692"/>
+              </a:xfrm>
+              <a:prstGeom prst="roundRect">
+                <a:avLst/>
+              </a:prstGeom>
+              <a:blipFill rotWithShape="0">
+                <a:blip r:embed="rId8"/>
+                <a:stretch>
+                  <a:fillRect/>
+                </a:stretch>
+              </a:blipFill>
+            </p:spPr>
+            <p:txBody>
+              <a:bodyPr/>
+              <a:lstStyle/>
+              <a:p>
+                <a:r>
+                  <a:rPr lang="zh-CN" altLang="en-US">
+                    <a:noFill/>
+                  </a:rPr>
+                  <a:t> </a:t>
+                </a:r>
+              </a:p>
+            </p:txBody>
+          </p:sp>
+        </mc:Fallback>
+      </mc:AlternateContent>
+      <p:sp>
+        <p:nvSpPr>
+          <p:cNvPr id="30" name="十字形 29">
+            <a:extLst>
+              <a:ext uri="{FF2B5EF4-FFF2-40B4-BE49-F238E27FC236}">
+                <a16:creationId xmlns:a16="http://schemas.microsoft.com/office/drawing/2014/main" xmlns="" id="{C53AA193-7AFB-BB4D-972D-BFFD74D5B4C6}"/>
+              </a:ext>
+            </a:extLst>
+          </p:cNvPr>
+          <p:cNvSpPr/>
+          <p:nvPr/>
+        </p:nvSpPr>
+        <p:spPr>
+          <a:xfrm>
+            <a:off x="8275789" y="3881120"/>
+            <a:ext cx="115694" cy="117649"/>
+          </a:xfrm>
+          <a:prstGeom prst="plus">
+            <a:avLst>
+              <a:gd name="adj" fmla="val 40790"/>
+            </a:avLst>
+          </a:prstGeom>
+          <a:solidFill>
+            <a:schemeClr val="tx1"/>
+          </a:solidFill>
+          <a:ln>
+            <a:solidFill>
+              <a:schemeClr val="tx1"/>
+            </a:solidFill>
+          </a:ln>
+        </p:spPr>
+        <p:style>
+          <a:lnRef idx="2">
+            <a:schemeClr val="accent1">
+              <a:shade val="50000"/>
+            </a:schemeClr>
+          </a:lnRef>
+          <a:fillRef idx="1">
+            <a:schemeClr val="accent1"/>
+          </a:fillRef>
+          <a:effectRef idx="0">
+            <a:schemeClr val="accent1"/>
+          </a:effectRef>
+          <a:fontRef idx="minor">
+            <a:schemeClr val="lt1"/>
+          </a:fontRef>
+        </p:style>
+        <p:txBody>
+          <a:bodyPr rtlCol="0" anchor="ctr"/>
+          <a:lstStyle/>
+          <a:p>
+            <a:pPr algn="ctr"/>
+            <a:endParaRPr kumimoji="1" lang="zh-CN" altLang="en-US" sz="1200"/>
+          </a:p>
+        </p:txBody>
+      </p:sp>
+      <p:sp>
+        <p:nvSpPr>
+          <p:cNvPr id="31" name="上箭头 30">
+            <a:extLst>
+              <a:ext uri="{FF2B5EF4-FFF2-40B4-BE49-F238E27FC236}">
+                <a16:creationId xmlns:a16="http://schemas.microsoft.com/office/drawing/2014/main" xmlns="" id="{DA7FB890-7724-4C4F-A5DE-FE988E7995D7}"/>
+              </a:ext>
+            </a:extLst>
+          </p:cNvPr>
+          <p:cNvSpPr/>
+          <p:nvPr/>
+        </p:nvSpPr>
+        <p:spPr>
+          <a:xfrm>
+            <a:off x="8244560" y="3230135"/>
+            <a:ext cx="159814" cy="192749"/>
+          </a:xfrm>
+          <a:prstGeom prst="upArrow">
+            <a:avLst/>
+          </a:prstGeom>
+          <a:solidFill>
+            <a:schemeClr val="tx1"/>
+          </a:solidFill>
+          <a:ln>
+            <a:solidFill>
+              <a:schemeClr val="tx1"/>
+            </a:solidFill>
+          </a:ln>
+        </p:spPr>
+        <p:style>
+          <a:lnRef idx="2">
+            <a:schemeClr val="accent1">
+              <a:shade val="50000"/>
+            </a:schemeClr>
+          </a:lnRef>
+          <a:fillRef idx="1">
+            <a:schemeClr val="accent1"/>
+          </a:fillRef>
+          <a:effectRef idx="0">
+            <a:schemeClr val="accent1"/>
+          </a:effectRef>
+          <a:fontRef idx="minor">
+            <a:schemeClr val="lt1"/>
+          </a:fontRef>
+        </p:style>
+        <p:txBody>
+          <a:bodyPr rtlCol="0" anchor="ctr"/>
+          <a:lstStyle/>
+          <a:p>
+            <a:pPr algn="ctr"/>
+            <a:endParaRPr kumimoji="1" lang="zh-CN" altLang="en-US" sz="1200" dirty="0"/>
+          </a:p>
+        </p:txBody>
+      </p:sp>
+      <mc:AlternateContent xmlns:mc="http://schemas.openxmlformats.org/markup-compatibility/2006">
+        <mc:Choice xmlns:a14="http://schemas.microsoft.com/office/drawing/2010/main" Requires="a14">
+          <p:sp>
+            <p:nvSpPr>
+              <p:cNvPr id="32" name="圆角矩形 31">
+                <a:extLst>
+                  <a:ext uri="{FF2B5EF4-FFF2-40B4-BE49-F238E27FC236}">
+                    <a16:creationId xmlns:a16="http://schemas.microsoft.com/office/drawing/2014/main" xmlns="" id="{5FCBEBAC-8971-B44A-A5B8-0A43F0F50D67}"/>
+                  </a:ext>
+                </a:extLst>
+              </p:cNvPr>
+              <p:cNvSpPr/>
+              <p:nvPr/>
+            </p:nvSpPr>
+            <p:spPr>
+              <a:xfrm>
+                <a:off x="8920672" y="4057548"/>
+                <a:ext cx="816559" cy="348692"/>
+              </a:xfrm>
+              <a:prstGeom prst="roundRect">
+                <a:avLst/>
+              </a:prstGeom>
+              <a:solidFill>
+                <a:schemeClr val="accent4">
+                  <a:lumMod val="20000"/>
+                  <a:lumOff val="80000"/>
+                </a:schemeClr>
+              </a:solidFill>
+            </p:spPr>
+            <p:style>
+              <a:lnRef idx="2">
+                <a:schemeClr val="dk1"/>
+              </a:lnRef>
+              <a:fillRef idx="1">
+                <a:schemeClr val="lt1"/>
+              </a:fillRef>
+              <a:effectRef idx="0">
+                <a:schemeClr val="dk1"/>
+              </a:effectRef>
+              <a:fontRef idx="minor">
+                <a:schemeClr val="dk1"/>
+              </a:fontRef>
+            </p:style>
+            <p:txBody>
+              <a:bodyPr rtlCol="0" anchor="ctr"/>
+              <a:lstStyle/>
+              <a:p>
+                <a:pPr algn="ctr"/>
+                <a14:m>
+                  <m:oMathPara xmlns:m="http://schemas.openxmlformats.org/officeDocument/2006/math">
+                    <m:oMathParaPr>
+                      <m:jc m:val="centerGroup"/>
+                    </m:oMathParaPr>
+                    <m:oMath xmlns:m="http://schemas.openxmlformats.org/officeDocument/2006/math">
+                      <m:r>
+                        <a:rPr kumimoji="1" lang="en-US" altLang="zh-CN" sz="1200" b="0" i="1" smtClean="0">
+                          <a:latin typeface="Cambria Math" panose="02040503050406030204" pitchFamily="18" charset="0"/>
+                        </a:rPr>
+                        <m:t>5</m:t>
+                      </m:r>
+                    </m:oMath>
+                  </m:oMathPara>
+                </a14:m>
+                <a:endParaRPr kumimoji="1" lang="zh-CN" altLang="en-US" sz="1200" dirty="0"/>
+              </a:p>
+            </p:txBody>
+          </p:sp>
+        </mc:Choice>
+        <mc:Fallback>
+          <p:sp>
+            <p:nvSpPr>
+              <p:cNvPr id="32" name="圆角矩形 31">
+                <a:extLst>
+                  <a:ext uri="{FF2B5EF4-FFF2-40B4-BE49-F238E27FC236}">
+                    <a16:creationId xmlns:a16="http://schemas.microsoft.com/office/drawing/2014/main" xmlns="" xmlns:a14="http://schemas.microsoft.com/office/drawing/2010/main" id="{5FCBEBAC-8971-B44A-A5B8-0A43F0F50D67}"/>
+                  </a:ext>
+                </a:extLst>
+              </p:cNvPr>
+              <p:cNvSpPr>
+                <a:spLocks noRot="1" noChangeAspect="1" noMove="1" noResize="1" noEditPoints="1" noAdjustHandles="1" noChangeArrowheads="1" noChangeShapeType="1" noTextEdit="1"/>
+              </p:cNvSpPr>
+              <p:nvPr/>
+            </p:nvSpPr>
+            <p:spPr>
+              <a:xfrm>
+                <a:off x="8920672" y="4057548"/>
+                <a:ext cx="816559" cy="348692"/>
+              </a:xfrm>
+              <a:prstGeom prst="roundRect">
+                <a:avLst/>
+              </a:prstGeom>
+              <a:blipFill rotWithShape="0">
+                <a:blip r:embed="rId9"/>
+                <a:stretch>
+                  <a:fillRect/>
+                </a:stretch>
+              </a:blipFill>
+            </p:spPr>
+            <p:txBody>
+              <a:bodyPr/>
+              <a:lstStyle/>
+              <a:p>
+                <a:r>
+                  <a:rPr lang="zh-CN" altLang="en-US">
+                    <a:noFill/>
+                  </a:rPr>
+                  <a:t> </a:t>
+                </a:r>
+              </a:p>
+            </p:txBody>
+          </p:sp>
+        </mc:Fallback>
+      </mc:AlternateContent>
+      <mc:AlternateContent xmlns:mc="http://schemas.openxmlformats.org/markup-compatibility/2006">
+        <mc:Choice xmlns:a14="http://schemas.microsoft.com/office/drawing/2010/main" Requires="a14">
+          <p:sp>
+            <p:nvSpPr>
+              <p:cNvPr id="33" name="圆角矩形 32">
+                <a:extLst>
+                  <a:ext uri="{FF2B5EF4-FFF2-40B4-BE49-F238E27FC236}">
+                    <a16:creationId xmlns:a16="http://schemas.microsoft.com/office/drawing/2014/main" xmlns="" id="{36CA9403-A848-FE4D-A049-F0C0BE09BE26}"/>
+                  </a:ext>
+                </a:extLst>
+              </p:cNvPr>
+              <p:cNvSpPr/>
+              <p:nvPr/>
+            </p:nvSpPr>
+            <p:spPr>
+              <a:xfrm>
+                <a:off x="8916990" y="3502533"/>
+                <a:ext cx="820241" cy="348692"/>
+              </a:xfrm>
+              <a:prstGeom prst="roundRect">
+                <a:avLst/>
+              </a:prstGeom>
+              <a:solidFill>
+                <a:schemeClr val="accent4">
+                  <a:lumMod val="20000"/>
+                  <a:lumOff val="80000"/>
+                </a:schemeClr>
+              </a:solidFill>
+            </p:spPr>
+            <p:style>
+              <a:lnRef idx="2">
+                <a:schemeClr val="dk1"/>
+              </a:lnRef>
+              <a:fillRef idx="1">
+                <a:schemeClr val="lt1"/>
+              </a:fillRef>
+              <a:effectRef idx="0">
+                <a:schemeClr val="dk1"/>
+              </a:effectRef>
+              <a:fontRef idx="minor">
+                <a:schemeClr val="dk1"/>
+              </a:fontRef>
+            </p:style>
+            <p:txBody>
+              <a:bodyPr rtlCol="0" anchor="ctr"/>
+              <a:lstStyle/>
+              <a:p>
+                <a:pPr algn="ctr"/>
+                <a14:m>
+                  <m:oMathPara xmlns:m="http://schemas.openxmlformats.org/officeDocument/2006/math">
+                    <m:oMathParaPr>
+                      <m:jc m:val="centerGroup"/>
+                    </m:oMathParaPr>
+                    <m:oMath xmlns:m="http://schemas.openxmlformats.org/officeDocument/2006/math">
+                      <m:sSubSup>
+                        <m:sSubSupPr>
+                          <m:ctrlPr>
+                            <a:rPr kumimoji="1" lang="en-US" altLang="zh-CN" sz="1200" i="1" dirty="0" smtClean="0">
+                              <a:latin typeface="Cambria Math" panose="02040503050406030204" pitchFamily="18" charset="0"/>
+                            </a:rPr>
+                          </m:ctrlPr>
+                        </m:sSubSupPr>
+                        <m:e>
+                          <m:r>
+                            <a:rPr kumimoji="1" lang="en-US" altLang="zh-CN" sz="1200" b="0" i="1" dirty="0" smtClean="0">
+                              <a:latin typeface="Cambria Math" panose="02040503050406030204" pitchFamily="18" charset="0"/>
+                            </a:rPr>
+                            <m:t>𝑇</m:t>
+                          </m:r>
+                        </m:e>
+                        <m:sub>
+                          <m:r>
+                            <a:rPr kumimoji="1" lang="en-US" altLang="zh-CN" sz="1200" b="0" i="1" dirty="0" smtClean="0">
+                              <a:latin typeface="Cambria Math" panose="02040503050406030204" pitchFamily="18" charset="0"/>
+                            </a:rPr>
+                            <m:t>𝐷</m:t>
+                          </m:r>
+                        </m:sub>
+                        <m:sup>
+                          <m:r>
+                            <a:rPr kumimoji="1" lang="en-US" altLang="zh-CN" sz="1200" i="1" dirty="0">
+                              <a:latin typeface="Cambria Math" panose="02040503050406030204" pitchFamily="18" charset="0"/>
+                            </a:rPr>
+                            <m:t>  </m:t>
+                          </m:r>
+                        </m:sup>
+                      </m:sSubSup>
+                    </m:oMath>
+                  </m:oMathPara>
+                </a14:m>
+                <a:endParaRPr kumimoji="1" lang="zh-CN" altLang="en-US" sz="1200" dirty="0"/>
+              </a:p>
+            </p:txBody>
+          </p:sp>
+        </mc:Choice>
+        <mc:Fallback>
+          <p:sp>
+            <p:nvSpPr>
+              <p:cNvPr id="33" name="圆角矩形 32">
+                <a:extLst>
+                  <a:ext uri="{FF2B5EF4-FFF2-40B4-BE49-F238E27FC236}">
+                    <a16:creationId xmlns:a16="http://schemas.microsoft.com/office/drawing/2014/main" xmlns="" xmlns:a14="http://schemas.microsoft.com/office/drawing/2010/main" id="{36CA9403-A848-FE4D-A049-F0C0BE09BE26}"/>
+                  </a:ext>
+                </a:extLst>
+              </p:cNvPr>
+              <p:cNvSpPr>
+                <a:spLocks noRot="1" noChangeAspect="1" noMove="1" noResize="1" noEditPoints="1" noAdjustHandles="1" noChangeArrowheads="1" noChangeShapeType="1" noTextEdit="1"/>
+              </p:cNvSpPr>
+              <p:nvPr/>
+            </p:nvSpPr>
+            <p:spPr>
+              <a:xfrm>
+                <a:off x="8916990" y="3502533"/>
+                <a:ext cx="820241" cy="348692"/>
+              </a:xfrm>
+              <a:prstGeom prst="roundRect">
+                <a:avLst/>
+              </a:prstGeom>
+              <a:blipFill rotWithShape="0">
+                <a:blip r:embed="rId10"/>
+                <a:stretch>
+                  <a:fillRect/>
+                </a:stretch>
+              </a:blipFill>
+            </p:spPr>
+            <p:txBody>
+              <a:bodyPr/>
+              <a:lstStyle/>
+              <a:p>
+                <a:r>
+                  <a:rPr lang="zh-CN" altLang="en-US">
+                    <a:noFill/>
+                  </a:rPr>
+                  <a:t> </a:t>
+                </a:r>
+              </a:p>
+            </p:txBody>
+          </p:sp>
+        </mc:Fallback>
+      </mc:AlternateContent>
+      <p:sp>
+        <p:nvSpPr>
+          <p:cNvPr id="34" name="十字形 33">
+            <a:extLst>
+              <a:ext uri="{FF2B5EF4-FFF2-40B4-BE49-F238E27FC236}">
+                <a16:creationId xmlns:a16="http://schemas.microsoft.com/office/drawing/2014/main" xmlns="" id="{C53AA193-7AFB-BB4D-972D-BFFD74D5B4C6}"/>
+              </a:ext>
+            </a:extLst>
+          </p:cNvPr>
+          <p:cNvSpPr/>
+          <p:nvPr/>
+        </p:nvSpPr>
+        <p:spPr>
+          <a:xfrm>
+            <a:off x="9228417" y="3891451"/>
+            <a:ext cx="115694" cy="117649"/>
+          </a:xfrm>
+          <a:prstGeom prst="plus">
+            <a:avLst>
+              <a:gd name="adj" fmla="val 40790"/>
+            </a:avLst>
+          </a:prstGeom>
+          <a:solidFill>
+            <a:schemeClr val="tx1"/>
+          </a:solidFill>
+          <a:ln>
+            <a:solidFill>
+              <a:schemeClr val="tx1"/>
+            </a:solidFill>
+          </a:ln>
+        </p:spPr>
+        <p:style>
+          <a:lnRef idx="2">
+            <a:schemeClr val="accent1">
+              <a:shade val="50000"/>
+            </a:schemeClr>
+          </a:lnRef>
+          <a:fillRef idx="1">
+            <a:schemeClr val="accent1"/>
+          </a:fillRef>
+          <a:effectRef idx="0">
+            <a:schemeClr val="accent1"/>
+          </a:effectRef>
+          <a:fontRef idx="minor">
+            <a:schemeClr val="lt1"/>
+          </a:fontRef>
+        </p:style>
+        <p:txBody>
+          <a:bodyPr rtlCol="0" anchor="ctr"/>
+          <a:lstStyle/>
+          <a:p>
+            <a:pPr algn="ctr"/>
+            <a:endParaRPr kumimoji="1" lang="zh-CN" altLang="en-US" sz="1200"/>
+          </a:p>
+        </p:txBody>
+      </p:sp>
+      <p:sp>
+        <p:nvSpPr>
+          <p:cNvPr id="35" name="上箭头 34">
+            <a:extLst>
+              <a:ext uri="{FF2B5EF4-FFF2-40B4-BE49-F238E27FC236}">
+                <a16:creationId xmlns:a16="http://schemas.microsoft.com/office/drawing/2014/main" xmlns="" id="{DA7FB890-7724-4C4F-A5DE-FE988E7995D7}"/>
+              </a:ext>
+            </a:extLst>
+          </p:cNvPr>
+          <p:cNvSpPr/>
+          <p:nvPr/>
+        </p:nvSpPr>
+        <p:spPr>
+          <a:xfrm>
+            <a:off x="9184297" y="3235862"/>
+            <a:ext cx="159814" cy="192749"/>
+          </a:xfrm>
+          <a:prstGeom prst="upArrow">
+            <a:avLst/>
+          </a:prstGeom>
+          <a:solidFill>
+            <a:schemeClr val="tx1"/>
+          </a:solidFill>
+          <a:ln>
+            <a:solidFill>
+              <a:schemeClr val="tx1"/>
+            </a:solidFill>
+          </a:ln>
+        </p:spPr>
+        <p:style>
+          <a:lnRef idx="2">
+            <a:schemeClr val="accent1">
+              <a:shade val="50000"/>
+            </a:schemeClr>
+          </a:lnRef>
+          <a:fillRef idx="1">
+            <a:schemeClr val="accent1"/>
+          </a:fillRef>
+          <a:effectRef idx="0">
+            <a:schemeClr val="accent1"/>
+          </a:effectRef>
+          <a:fontRef idx="minor">
+            <a:schemeClr val="lt1"/>
+          </a:fontRef>
+        </p:style>
+        <p:txBody>
+          <a:bodyPr rtlCol="0" anchor="ctr"/>
+          <a:lstStyle/>
+          <a:p>
+            <a:pPr algn="ctr"/>
+            <a:endParaRPr kumimoji="1" lang="zh-CN" altLang="en-US" sz="1200" dirty="0"/>
+          </a:p>
+        </p:txBody>
+      </p:sp>
+      <p:sp>
+        <p:nvSpPr>
+          <p:cNvPr id="36" name="上箭头 35">
+            <a:extLst>
+              <a:ext uri="{FF2B5EF4-FFF2-40B4-BE49-F238E27FC236}">
+                <a16:creationId xmlns:a16="http://schemas.microsoft.com/office/drawing/2014/main" xmlns="" id="{DA7FB890-7724-4C4F-A5DE-FE988E7995D7}"/>
+              </a:ext>
+            </a:extLst>
+          </p:cNvPr>
+          <p:cNvSpPr/>
+          <p:nvPr/>
+        </p:nvSpPr>
+        <p:spPr>
+          <a:xfrm>
+            <a:off x="5762008" y="4632393"/>
+            <a:ext cx="159814" cy="192749"/>
+          </a:xfrm>
+          <a:prstGeom prst="upArrow">
+            <a:avLst/>
+          </a:prstGeom>
+          <a:solidFill>
+            <a:schemeClr val="tx1"/>
+          </a:solidFill>
+          <a:ln>
+            <a:solidFill>
+              <a:schemeClr val="tx1"/>
+            </a:solidFill>
+          </a:ln>
+        </p:spPr>
+        <p:style>
+          <a:lnRef idx="2">
+            <a:schemeClr val="accent1">
+              <a:shade val="50000"/>
+            </a:schemeClr>
+          </a:lnRef>
+          <a:fillRef idx="1">
+            <a:schemeClr val="accent1"/>
+          </a:fillRef>
+          <a:effectRef idx="0">
+            <a:schemeClr val="accent1"/>
+          </a:effectRef>
+          <a:fontRef idx="minor">
+            <a:schemeClr val="lt1"/>
+          </a:fontRef>
+        </p:style>
+        <p:txBody>
+          <a:bodyPr rtlCol="0" anchor="ctr"/>
+          <a:lstStyle/>
+          <a:p>
+            <a:pPr algn="ctr"/>
+            <a:endParaRPr kumimoji="1" lang="zh-CN" altLang="en-US" sz="1200" dirty="0"/>
+          </a:p>
+        </p:txBody>
+      </p:sp>
+      <p:sp>
+        <p:nvSpPr>
+          <p:cNvPr id="37" name="上箭头 36">
+            <a:extLst>
+              <a:ext uri="{FF2B5EF4-FFF2-40B4-BE49-F238E27FC236}">
+                <a16:creationId xmlns:a16="http://schemas.microsoft.com/office/drawing/2014/main" xmlns="" id="{DA7FB890-7724-4C4F-A5DE-FE988E7995D7}"/>
+              </a:ext>
+            </a:extLst>
+          </p:cNvPr>
+          <p:cNvSpPr/>
+          <p:nvPr/>
+        </p:nvSpPr>
+        <p:spPr>
+          <a:xfrm>
+            <a:off x="6850352" y="4623453"/>
+            <a:ext cx="159814" cy="192749"/>
+          </a:xfrm>
+          <a:prstGeom prst="upArrow">
+            <a:avLst/>
+          </a:prstGeom>
+          <a:solidFill>
+            <a:schemeClr val="tx1"/>
+          </a:solidFill>
+          <a:ln>
+            <a:solidFill>
+              <a:schemeClr val="tx1"/>
+            </a:solidFill>
+          </a:ln>
+        </p:spPr>
+        <p:style>
+          <a:lnRef idx="2">
+            <a:schemeClr val="accent1">
+              <a:shade val="50000"/>
+            </a:schemeClr>
+          </a:lnRef>
+          <a:fillRef idx="1">
+            <a:schemeClr val="accent1"/>
+          </a:fillRef>
+          <a:effectRef idx="0">
+            <a:schemeClr val="accent1"/>
+          </a:effectRef>
+          <a:fontRef idx="minor">
+            <a:schemeClr val="lt1"/>
+          </a:fontRef>
+        </p:style>
+        <p:txBody>
+          <a:bodyPr rtlCol="0" anchor="ctr"/>
+          <a:lstStyle/>
+          <a:p>
+            <a:pPr algn="ctr"/>
+            <a:endParaRPr kumimoji="1" lang="zh-CN" altLang="en-US" sz="1200" dirty="0"/>
+          </a:p>
+        </p:txBody>
+      </p:sp>
+      <p:sp>
+        <p:nvSpPr>
+          <p:cNvPr id="38" name="上箭头 37">
+            <a:extLst>
+              <a:ext uri="{FF2B5EF4-FFF2-40B4-BE49-F238E27FC236}">
+                <a16:creationId xmlns:a16="http://schemas.microsoft.com/office/drawing/2014/main" xmlns="" id="{DA7FB890-7724-4C4F-A5DE-FE988E7995D7}"/>
+              </a:ext>
+            </a:extLst>
+          </p:cNvPr>
+          <p:cNvSpPr/>
+          <p:nvPr/>
+        </p:nvSpPr>
+        <p:spPr>
+          <a:xfrm>
+            <a:off x="8294365" y="4638693"/>
+            <a:ext cx="159814" cy="192749"/>
+          </a:xfrm>
+          <a:prstGeom prst="upArrow">
+            <a:avLst/>
+          </a:prstGeom>
+          <a:solidFill>
+            <a:schemeClr val="tx1"/>
+          </a:solidFill>
+          <a:ln>
+            <a:solidFill>
+              <a:schemeClr val="tx1"/>
+            </a:solidFill>
+          </a:ln>
+        </p:spPr>
+        <p:style>
+          <a:lnRef idx="2">
+            <a:schemeClr val="accent1">
+              <a:shade val="50000"/>
+            </a:schemeClr>
+          </a:lnRef>
+          <a:fillRef idx="1">
+            <a:schemeClr val="accent1"/>
+          </a:fillRef>
+          <a:effectRef idx="0">
+            <a:schemeClr val="accent1"/>
+          </a:effectRef>
+          <a:fontRef idx="minor">
+            <a:schemeClr val="lt1"/>
+          </a:fontRef>
+        </p:style>
+        <p:txBody>
+          <a:bodyPr rtlCol="0" anchor="ctr"/>
+          <a:lstStyle/>
+          <a:p>
+            <a:pPr algn="ctr"/>
+            <a:endParaRPr kumimoji="1" lang="zh-CN" altLang="en-US" sz="1200" dirty="0"/>
+          </a:p>
+        </p:txBody>
+      </p:sp>
+      <p:sp>
+        <p:nvSpPr>
+          <p:cNvPr id="39" name="上箭头 38">
+            <a:extLst>
+              <a:ext uri="{FF2B5EF4-FFF2-40B4-BE49-F238E27FC236}">
+                <a16:creationId xmlns:a16="http://schemas.microsoft.com/office/drawing/2014/main" xmlns="" id="{DA7FB890-7724-4C4F-A5DE-FE988E7995D7}"/>
+              </a:ext>
+            </a:extLst>
+          </p:cNvPr>
+          <p:cNvSpPr/>
+          <p:nvPr/>
+        </p:nvSpPr>
+        <p:spPr>
+          <a:xfrm>
+            <a:off x="9264204" y="4620786"/>
+            <a:ext cx="159814" cy="192749"/>
+          </a:xfrm>
+          <a:prstGeom prst="upArrow">
+            <a:avLst/>
+          </a:prstGeom>
+          <a:solidFill>
+            <a:schemeClr val="tx1"/>
+          </a:solidFill>
+          <a:ln>
+            <a:solidFill>
+              <a:schemeClr val="tx1"/>
+            </a:solidFill>
+          </a:ln>
+        </p:spPr>
+        <p:style>
+          <a:lnRef idx="2">
+            <a:schemeClr val="accent1">
+              <a:shade val="50000"/>
+            </a:schemeClr>
+          </a:lnRef>
+          <a:fillRef idx="1">
+            <a:schemeClr val="accent1"/>
+          </a:fillRef>
+          <a:effectRef idx="0">
+            <a:schemeClr val="accent1"/>
+          </a:effectRef>
+          <a:fontRef idx="minor">
+            <a:schemeClr val="lt1"/>
+          </a:fontRef>
+        </p:style>
+        <p:txBody>
+          <a:bodyPr rtlCol="0" anchor="ctr"/>
+          <a:lstStyle/>
+          <a:p>
+            <a:pPr algn="ctr"/>
+            <a:endParaRPr kumimoji="1" lang="zh-CN" altLang="en-US" sz="1200" dirty="0"/>
+          </a:p>
+        </p:txBody>
+      </p:sp>
+      <p:sp>
+        <p:nvSpPr>
+          <p:cNvPr id="40" name="上箭头 39">
+            <a:extLst>
+              <a:ext uri="{FF2B5EF4-FFF2-40B4-BE49-F238E27FC236}">
+                <a16:creationId xmlns:a16="http://schemas.microsoft.com/office/drawing/2014/main" xmlns="" id="{98437923-21EA-E940-9906-113C007CED40}"/>
+              </a:ext>
+            </a:extLst>
+          </p:cNvPr>
+          <p:cNvSpPr/>
+          <p:nvPr/>
+        </p:nvSpPr>
+        <p:spPr>
+          <a:xfrm>
+            <a:off x="3555145" y="2364821"/>
+            <a:ext cx="159814" cy="192749"/>
+          </a:xfrm>
+          <a:prstGeom prst="upArrow">
+            <a:avLst/>
+          </a:prstGeom>
+          <a:solidFill>
+            <a:schemeClr val="tx1"/>
+          </a:solidFill>
+          <a:ln>
+            <a:solidFill>
+              <a:schemeClr val="tx1"/>
+            </a:solidFill>
+          </a:ln>
+        </p:spPr>
+        <p:style>
+          <a:lnRef idx="2">
+            <a:schemeClr val="accent1">
+              <a:shade val="50000"/>
+            </a:schemeClr>
+          </a:lnRef>
+          <a:fillRef idx="1">
+            <a:schemeClr val="accent1"/>
+          </a:fillRef>
+          <a:effectRef idx="0">
+            <a:schemeClr val="accent1"/>
+          </a:effectRef>
+          <a:fontRef idx="minor">
+            <a:schemeClr val="lt1"/>
+          </a:fontRef>
+        </p:style>
+        <p:txBody>
+          <a:bodyPr rtlCol="0" anchor="ctr"/>
+          <a:lstStyle/>
+          <a:p>
+            <a:pPr algn="ctr"/>
+            <a:endParaRPr kumimoji="1" lang="zh-CN" altLang="en-US" sz="1200" dirty="0"/>
+          </a:p>
+        </p:txBody>
+      </p:sp>
+      <mc:AlternateContent xmlns:mc="http://schemas.openxmlformats.org/markup-compatibility/2006">
+        <mc:Choice xmlns:a14="http://schemas.microsoft.com/office/drawing/2010/main" Requires="a14">
+          <p:sp>
+            <p:nvSpPr>
+              <p:cNvPr id="41" name="圆角矩形 40">
+                <a:extLst>
+                  <a:ext uri="{FF2B5EF4-FFF2-40B4-BE49-F238E27FC236}">
+                    <a16:creationId xmlns:a16="http://schemas.microsoft.com/office/drawing/2014/main" xmlns="" id="{F877A390-C74C-4F41-8A09-C4580876F3C0}"/>
+                  </a:ext>
+                </a:extLst>
+              </p:cNvPr>
+              <p:cNvSpPr/>
+              <p:nvPr/>
+            </p:nvSpPr>
+            <p:spPr>
+              <a:xfrm>
+                <a:off x="3212381" y="1847163"/>
+                <a:ext cx="792206" cy="347241"/>
+              </a:xfrm>
+              <a:prstGeom prst="roundRect">
+                <a:avLst/>
+              </a:prstGeom>
+              <a:solidFill>
+                <a:schemeClr val="accent4">
+                  <a:lumMod val="60000"/>
+                  <a:lumOff val="40000"/>
+                </a:schemeClr>
+              </a:solidFill>
+            </p:spPr>
+            <p:style>
+              <a:lnRef idx="2">
+                <a:schemeClr val="dk1"/>
+              </a:lnRef>
+              <a:fillRef idx="1">
+                <a:schemeClr val="lt1"/>
+              </a:fillRef>
+              <a:effectRef idx="0">
+                <a:schemeClr val="dk1"/>
+              </a:effectRef>
+              <a:fontRef idx="minor">
+                <a:schemeClr val="dk1"/>
+              </a:fontRef>
+            </p:style>
+            <p:txBody>
+              <a:bodyPr rtlCol="0" anchor="ctr"/>
+              <a:lstStyle/>
+              <a:p>
+                <a:pPr algn="ctr"/>
+                <a14:m>
+                  <m:oMathPara xmlns:m="http://schemas.openxmlformats.org/officeDocument/2006/math">
+                    <m:oMathParaPr>
+                      <m:jc m:val="centerGroup"/>
+                    </m:oMathParaPr>
+                    <m:oMath xmlns:m="http://schemas.openxmlformats.org/officeDocument/2006/math">
+                      <m:sSub>
+                        <m:sSubPr>
+                          <m:ctrlPr>
+                            <a:rPr kumimoji="1" lang="en-US" altLang="zh-CN" b="0" i="1" smtClean="0">
+                              <a:latin typeface="Cambria Math" panose="02040503050406030204" pitchFamily="18" charset="0"/>
+                            </a:rPr>
+                          </m:ctrlPr>
+                        </m:sSubPr>
+                        <m:e>
+                          <m:r>
+                            <a:rPr kumimoji="1" lang="en-US" altLang="zh-CN" b="0" i="1" smtClean="0">
+                              <a:latin typeface="Cambria Math" panose="02040503050406030204" pitchFamily="18" charset="0"/>
+                            </a:rPr>
+                            <m:t>𝑒</m:t>
+                          </m:r>
+                        </m:e>
+                        <m:sub>
+                          <m:r>
+                            <a:rPr kumimoji="1" lang="en-US" altLang="zh-CN" b="0" i="1" smtClean="0">
+                              <a:latin typeface="Cambria Math" panose="02040503050406030204" pitchFamily="18" charset="0"/>
+                            </a:rPr>
+                            <m:t>𝐶𝐿𝑆</m:t>
+                          </m:r>
+                        </m:sub>
+                      </m:sSub>
+                    </m:oMath>
+                  </m:oMathPara>
+                </a14:m>
+                <a:endParaRPr kumimoji="1" lang="en-US" altLang="zh-CN" b="0" dirty="0" smtClean="0"/>
+              </a:p>
+            </p:txBody>
+          </p:sp>
+        </mc:Choice>
+        <mc:Fallback>
+          <p:sp>
+            <p:nvSpPr>
+              <p:cNvPr id="41" name="圆角矩形 40">
+                <a:extLst>
+                  <a:ext uri="{FF2B5EF4-FFF2-40B4-BE49-F238E27FC236}">
+                    <a16:creationId xmlns:a16="http://schemas.microsoft.com/office/drawing/2014/main" xmlns="" xmlns:a14="http://schemas.microsoft.com/office/drawing/2010/main" id="{F877A390-C74C-4F41-8A09-C4580876F3C0}"/>
+                  </a:ext>
+                </a:extLst>
+              </p:cNvPr>
+              <p:cNvSpPr>
+                <a:spLocks noRot="1" noChangeAspect="1" noMove="1" noResize="1" noEditPoints="1" noAdjustHandles="1" noChangeArrowheads="1" noChangeShapeType="1" noTextEdit="1"/>
+              </p:cNvSpPr>
+              <p:nvPr/>
+            </p:nvSpPr>
+            <p:spPr>
+              <a:xfrm>
+                <a:off x="3212381" y="1847163"/>
+                <a:ext cx="792206" cy="347241"/>
+              </a:xfrm>
+              <a:prstGeom prst="roundRect">
+                <a:avLst/>
+              </a:prstGeom>
+              <a:blipFill rotWithShape="0">
+                <a:blip r:embed="rId11"/>
+                <a:stretch>
+                  <a:fillRect/>
+                </a:stretch>
+              </a:blipFill>
+            </p:spPr>
+            <p:txBody>
+              <a:bodyPr/>
+              <a:lstStyle/>
+              <a:p>
+                <a:r>
+                  <a:rPr lang="zh-CN" altLang="en-US">
+                    <a:noFill/>
+                  </a:rPr>
+                  <a:t> </a:t>
+                </a:r>
+              </a:p>
+            </p:txBody>
+          </p:sp>
+        </mc:Fallback>
+      </mc:AlternateContent>
+    </p:spTree>
+    <p:extLst>
+      <p:ext uri="{BB962C8B-B14F-4D97-AF65-F5344CB8AC3E}">
+        <p14:creationId xmlns:p14="http://schemas.microsoft.com/office/powerpoint/2010/main" val="116203627"/>
+      </p:ext>
+    </p:extLst>
+  </p:cSld>
+  <p:clrMapOvr>
+    <a:masterClrMapping/>
+  </p:clrMapOvr>
+</p:sld>
+</file>
+
+<file path=ppt/slides/slide4.xml><?xml version="1.0" encoding="utf-8"?>
+<p:sld xmlns:a="http://schemas.openxmlformats.org/drawingml/2006/main" xmlns:r="http://schemas.openxmlformats.org/officeDocument/2006/relationships" xmlns:p="http://schemas.openxmlformats.org/presentationml/2006/main">
+  <p:cSld>
+    <p:spTree>
+      <p:nvGrpSpPr>
+        <p:cNvPr id="1" name=""/>
+        <p:cNvGrpSpPr/>
+        <p:nvPr/>
+      </p:nvGrpSpPr>
+      <p:grpSpPr>
+        <a:xfrm>
+          <a:off x="0" y="0"/>
+          <a:ext cx="0" cy="0"/>
+          <a:chOff x="0" y="0"/>
+          <a:chExt cx="0" cy="0"/>
+        </a:xfrm>
+      </p:grpSpPr>
+      <p:sp>
+        <p:nvSpPr>
+          <p:cNvPr id="4" name="圆角矩形 3">
+            <a:extLst>
+              <a:ext uri="{FF2B5EF4-FFF2-40B4-BE49-F238E27FC236}">
+                <a16:creationId xmlns:a16="http://schemas.microsoft.com/office/drawing/2014/main" xmlns="" id="{200D51A0-0BD3-9849-8F36-14A3C9360317}"/>
+              </a:ext>
+            </a:extLst>
+          </p:cNvPr>
+          <p:cNvSpPr/>
+          <p:nvPr/>
+        </p:nvSpPr>
+        <p:spPr>
+          <a:xfrm>
+            <a:off x="2851162" y="3638777"/>
+            <a:ext cx="6658597" cy="437322"/>
+          </a:xfrm>
+          <a:prstGeom prst="roundRect">
+            <a:avLst/>
+          </a:prstGeom>
+          <a:solidFill>
+            <a:schemeClr val="accent2">
+              <a:lumMod val="20000"/>
+              <a:lumOff val="80000"/>
+            </a:schemeClr>
+          </a:solidFill>
+        </p:spPr>
+        <p:style>
+          <a:lnRef idx="2">
+            <a:schemeClr val="accent1">
+              <a:shade val="50000"/>
+            </a:schemeClr>
+          </a:lnRef>
+          <a:fillRef idx="1">
+            <a:schemeClr val="accent1"/>
+          </a:fillRef>
+          <a:effectRef idx="0">
+            <a:schemeClr val="accent1"/>
+          </a:effectRef>
+          <a:fontRef idx="minor">
+            <a:schemeClr val="lt1"/>
+          </a:fontRef>
+        </p:style>
+        <p:txBody>
+          <a:bodyPr rtlCol="0" anchor="ctr"/>
+          <a:lstStyle/>
+          <a:p>
+            <a:pPr algn="ctr"/>
+            <a:r>
+              <a:rPr kumimoji="1" lang="en-US" altLang="zh-CN" sz="1600" smtClean="0">
+                <a:solidFill>
+                  <a:schemeClr val="tx1"/>
+                </a:solidFill>
+              </a:rPr>
+              <a:t>Node Encoder</a:t>
+            </a:r>
+            <a:endParaRPr kumimoji="1" lang="zh-CN" altLang="en-US" sz="1600" dirty="0">
+              <a:solidFill>
+                <a:schemeClr val="tx1"/>
+              </a:solidFill>
+            </a:endParaRPr>
+          </a:p>
+        </p:txBody>
+      </p:sp>
+      <p:sp>
+        <p:nvSpPr>
+          <p:cNvPr id="5" name="圆角矩形 4">
+            <a:extLst>
+              <a:ext uri="{FF2B5EF4-FFF2-40B4-BE49-F238E27FC236}">
+                <a16:creationId xmlns:a16="http://schemas.microsoft.com/office/drawing/2014/main" xmlns="" id="{9E374049-051F-4548-B250-550EC316EB45}"/>
+              </a:ext>
+            </a:extLst>
+          </p:cNvPr>
+          <p:cNvSpPr/>
+          <p:nvPr/>
+        </p:nvSpPr>
+        <p:spPr>
+          <a:xfrm>
+            <a:off x="2916260" y="4971948"/>
+            <a:ext cx="788524" cy="347241"/>
+          </a:xfrm>
+          <a:prstGeom prst="roundRect">
+            <a:avLst/>
+          </a:prstGeom>
+          <a:solidFill>
+            <a:schemeClr val="accent4">
+              <a:lumMod val="60000"/>
+              <a:lumOff val="40000"/>
+            </a:schemeClr>
+          </a:solidFill>
+        </p:spPr>
+        <p:style>
+          <a:lnRef idx="2">
+            <a:schemeClr val="dk1"/>
+          </a:lnRef>
+          <a:fillRef idx="1">
+            <a:schemeClr val="lt1"/>
+          </a:fillRef>
+          <a:effectRef idx="0">
+            <a:schemeClr val="dk1"/>
+          </a:effectRef>
+          <a:fontRef idx="minor">
+            <a:schemeClr val="dk1"/>
+          </a:fontRef>
+        </p:style>
+        <p:txBody>
+          <a:bodyPr rtlCol="0" anchor="ctr"/>
+          <a:lstStyle/>
+          <a:p>
+            <a:pPr algn="ctr"/>
+            <a:r>
+              <a:rPr kumimoji="1" lang="en-US" altLang="zh-CN" sz="1200" dirty="0"/>
+              <a:t>0</a:t>
+            </a:r>
+            <a:endParaRPr kumimoji="1" lang="zh-CN" altLang="en-US" sz="1200" dirty="0"/>
+          </a:p>
+        </p:txBody>
+      </p:sp>
+      <mc:AlternateContent xmlns:mc="http://schemas.openxmlformats.org/markup-compatibility/2006">
+        <mc:Choice xmlns:a14="http://schemas.microsoft.com/office/drawing/2010/main" Requires="a14">
+          <p:sp>
+            <p:nvSpPr>
+              <p:cNvPr id="6" name="圆角矩形 5">
+                <a:extLst>
+                  <a:ext uri="{FF2B5EF4-FFF2-40B4-BE49-F238E27FC236}">
+                    <a16:creationId xmlns:a16="http://schemas.microsoft.com/office/drawing/2014/main" xmlns="" id="{5FCBEBAC-8971-B44A-A5B8-0A43F0F50D67}"/>
+                  </a:ext>
+                </a:extLst>
+              </p:cNvPr>
+              <p:cNvSpPr/>
+              <p:nvPr/>
+            </p:nvSpPr>
+            <p:spPr>
+              <a:xfrm>
+                <a:off x="3789489" y="4971949"/>
+                <a:ext cx="816559" cy="348692"/>
+              </a:xfrm>
+              <a:prstGeom prst="roundRect">
+                <a:avLst/>
+              </a:prstGeom>
+              <a:solidFill>
+                <a:schemeClr val="accent4">
+                  <a:lumMod val="20000"/>
+                  <a:lumOff val="80000"/>
+                </a:schemeClr>
+              </a:solidFill>
+            </p:spPr>
+            <p:style>
+              <a:lnRef idx="2">
+                <a:schemeClr val="dk1"/>
+              </a:lnRef>
+              <a:fillRef idx="1">
+                <a:schemeClr val="lt1"/>
+              </a:fillRef>
+              <a:effectRef idx="0">
+                <a:schemeClr val="dk1"/>
+              </a:effectRef>
+              <a:fontRef idx="minor">
+                <a:schemeClr val="dk1"/>
+              </a:fontRef>
+            </p:style>
+            <p:txBody>
+              <a:bodyPr rtlCol="0" anchor="ctr"/>
+              <a:lstStyle/>
+              <a:p>
+                <a:pPr algn="ctr"/>
+                <a14:m>
+                  <m:oMathPara xmlns:m="http://schemas.openxmlformats.org/officeDocument/2006/math">
+                    <m:oMathParaPr>
+                      <m:jc m:val="centerGroup"/>
+                    </m:oMathParaPr>
+                    <m:oMath xmlns:m="http://schemas.openxmlformats.org/officeDocument/2006/math">
+                      <m:r>
+                        <a:rPr kumimoji="1" lang="en-US" altLang="zh-CN" sz="1200" dirty="0">
+                          <a:latin typeface="Cambria Math" panose="02040503050406030204" pitchFamily="18" charset="0"/>
+                        </a:rPr>
+                        <m:t>1</m:t>
+                      </m:r>
+                    </m:oMath>
+                  </m:oMathPara>
+                </a14:m>
+                <a:endParaRPr kumimoji="1" lang="zh-CN" altLang="en-US" sz="1200" dirty="0"/>
+              </a:p>
+            </p:txBody>
+          </p:sp>
+        </mc:Choice>
+        <mc:Fallback>
+          <p:sp>
+            <p:nvSpPr>
+              <p:cNvPr id="6" name="圆角矩形 5">
+                <a:extLst>
+                  <a:ext uri="{FF2B5EF4-FFF2-40B4-BE49-F238E27FC236}">
+                    <a16:creationId xmlns:a16="http://schemas.microsoft.com/office/drawing/2014/main" xmlns="" xmlns:a14="http://schemas.microsoft.com/office/drawing/2010/main" id="{5FCBEBAC-8971-B44A-A5B8-0A43F0F50D67}"/>
+                  </a:ext>
+                </a:extLst>
+              </p:cNvPr>
+              <p:cNvSpPr>
+                <a:spLocks noRot="1" noChangeAspect="1" noMove="1" noResize="1" noEditPoints="1" noAdjustHandles="1" noChangeArrowheads="1" noChangeShapeType="1" noTextEdit="1"/>
+              </p:cNvSpPr>
+              <p:nvPr/>
+            </p:nvSpPr>
+            <p:spPr>
+              <a:xfrm>
+                <a:off x="3789489" y="4971949"/>
+                <a:ext cx="816559" cy="348692"/>
+              </a:xfrm>
+              <a:prstGeom prst="roundRect">
+                <a:avLst/>
+              </a:prstGeom>
+              <a:blipFill rotWithShape="0">
+                <a:blip r:embed="rId2"/>
+                <a:stretch>
+                  <a:fillRect/>
+                </a:stretch>
+              </a:blipFill>
+            </p:spPr>
+            <p:txBody>
+              <a:bodyPr/>
+              <a:lstStyle/>
+              <a:p>
+                <a:r>
+                  <a:rPr lang="zh-CN" altLang="en-US">
+                    <a:noFill/>
+                  </a:rPr>
+                  <a:t> </a:t>
+                </a:r>
+              </a:p>
+            </p:txBody>
+          </p:sp>
+        </mc:Fallback>
+      </mc:AlternateContent>
+      <p:sp>
+        <p:nvSpPr>
+          <p:cNvPr id="7" name="圆角矩形 6">
+            <a:extLst>
+              <a:ext uri="{FF2B5EF4-FFF2-40B4-BE49-F238E27FC236}">
+                <a16:creationId xmlns:a16="http://schemas.microsoft.com/office/drawing/2014/main" xmlns="" id="{F877A390-C74C-4F41-8A09-C4580876F3C0}"/>
+              </a:ext>
+            </a:extLst>
+          </p:cNvPr>
+          <p:cNvSpPr/>
+          <p:nvPr/>
+        </p:nvSpPr>
+        <p:spPr>
+          <a:xfrm>
+            <a:off x="2912578" y="4416933"/>
+            <a:ext cx="792206" cy="347241"/>
+          </a:xfrm>
+          <a:prstGeom prst="roundRect">
+            <a:avLst/>
+          </a:prstGeom>
+          <a:solidFill>
+            <a:schemeClr val="accent4">
+              <a:lumMod val="60000"/>
+              <a:lumOff val="40000"/>
+            </a:schemeClr>
+          </a:solidFill>
+        </p:spPr>
+        <p:style>
+          <a:lnRef idx="2">
+            <a:schemeClr val="dk1"/>
+          </a:lnRef>
+          <a:fillRef idx="1">
+            <a:schemeClr val="lt1"/>
+          </a:fillRef>
+          <a:effectRef idx="0">
+            <a:schemeClr val="dk1"/>
+          </a:effectRef>
+          <a:fontRef idx="minor">
+            <a:schemeClr val="dk1"/>
+          </a:fontRef>
+        </p:style>
+        <p:txBody>
+          <a:bodyPr rtlCol="0" anchor="ctr"/>
+          <a:lstStyle/>
+          <a:p>
+            <a:pPr algn="ctr"/>
+            <a:r>
+              <a:rPr kumimoji="1" lang="en-US" altLang="zh-CN" sz="1200" dirty="0"/>
+              <a:t>CLS</a:t>
+            </a:r>
+            <a:endParaRPr kumimoji="1" lang="zh-CN" altLang="en-US" sz="1200" dirty="0"/>
+          </a:p>
+        </p:txBody>
+      </p:sp>
+      <p:sp>
+        <p:nvSpPr>
+          <p:cNvPr id="8" name="圆角矩形 7">
+            <a:extLst>
+              <a:ext uri="{FF2B5EF4-FFF2-40B4-BE49-F238E27FC236}">
+                <a16:creationId xmlns:a16="http://schemas.microsoft.com/office/drawing/2014/main" xmlns:a14="http://schemas.microsoft.com/office/drawing/2010/main" xmlns:mc="http://schemas.openxmlformats.org/markup-compatibility/2006" xmlns="" id="{36CA9403-A848-FE4D-A049-F0C0BE09BE26}"/>
+              </a:ext>
+            </a:extLst>
+          </p:cNvPr>
+          <p:cNvSpPr/>
+          <p:nvPr/>
+        </p:nvSpPr>
+        <p:spPr>
+          <a:xfrm>
+            <a:off x="3785807" y="4416934"/>
+            <a:ext cx="820241" cy="348692"/>
+          </a:xfrm>
+          <a:prstGeom prst="roundRect">
+            <a:avLst/>
+          </a:prstGeom>
+          <a:solidFill>
+            <a:schemeClr val="accent4">
+              <a:lumMod val="20000"/>
+              <a:lumOff val="80000"/>
+            </a:schemeClr>
+          </a:solidFill>
+        </p:spPr>
+        <p:style>
+          <a:lnRef idx="2">
+            <a:schemeClr val="dk1"/>
+          </a:lnRef>
+          <a:fillRef idx="1">
+            <a:schemeClr val="lt1"/>
+          </a:fillRef>
+          <a:effectRef idx="0">
+            <a:schemeClr val="dk1"/>
+          </a:effectRef>
+          <a:fontRef idx="minor">
+            <a:schemeClr val="dk1"/>
+          </a:fontRef>
+        </p:style>
+        <p:txBody>
+          <a:bodyPr rtlCol="0" anchor="ctr"/>
+          <a:lstStyle/>
+          <a:p>
+            <a:pPr algn="ctr"/>
+            <a:r>
+              <a:rPr kumimoji="1" lang="en-US" altLang="zh-CN" sz="1200" smtClean="0"/>
+              <a:t>&lt;tag&gt;</a:t>
+            </a:r>
+            <a:endParaRPr kumimoji="1" lang="zh-CN" altLang="en-US" sz="1200" dirty="0"/>
+          </a:p>
+        </p:txBody>
+      </p:sp>
+      <p:sp>
+        <p:nvSpPr>
+          <p:cNvPr id="9" name="十字形 8">
+            <a:extLst>
+              <a:ext uri="{FF2B5EF4-FFF2-40B4-BE49-F238E27FC236}">
+                <a16:creationId xmlns:a16="http://schemas.microsoft.com/office/drawing/2014/main" xmlns="" id="{4FD8FA4D-1907-064E-B7E6-10A4560841B2}"/>
+              </a:ext>
+            </a:extLst>
+          </p:cNvPr>
+          <p:cNvSpPr/>
+          <p:nvPr/>
+        </p:nvSpPr>
+        <p:spPr>
+          <a:xfrm>
+            <a:off x="3277402" y="4813533"/>
+            <a:ext cx="115694" cy="117649"/>
+          </a:xfrm>
+          <a:prstGeom prst="plus">
+            <a:avLst>
+              <a:gd name="adj" fmla="val 40790"/>
+            </a:avLst>
+          </a:prstGeom>
+          <a:solidFill>
+            <a:schemeClr val="tx1"/>
+          </a:solidFill>
+          <a:ln>
+            <a:solidFill>
+              <a:schemeClr val="tx1"/>
+            </a:solidFill>
+          </a:ln>
+        </p:spPr>
+        <p:style>
+          <a:lnRef idx="2">
+            <a:schemeClr val="accent1">
+              <a:shade val="50000"/>
+            </a:schemeClr>
+          </a:lnRef>
+          <a:fillRef idx="1">
+            <a:schemeClr val="accent1"/>
+          </a:fillRef>
+          <a:effectRef idx="0">
+            <a:schemeClr val="accent1"/>
+          </a:effectRef>
+          <a:fontRef idx="minor">
+            <a:schemeClr val="lt1"/>
+          </a:fontRef>
+        </p:style>
+        <p:txBody>
+          <a:bodyPr rtlCol="0" anchor="ctr"/>
+          <a:lstStyle/>
+          <a:p>
+            <a:pPr algn="ctr"/>
+            <a:endParaRPr kumimoji="1" lang="zh-CN" altLang="en-US" sz="1200"/>
+          </a:p>
+        </p:txBody>
+      </p:sp>
+      <p:sp>
+        <p:nvSpPr>
+          <p:cNvPr id="10" name="十字形 9">
+            <a:extLst>
+              <a:ext uri="{FF2B5EF4-FFF2-40B4-BE49-F238E27FC236}">
+                <a16:creationId xmlns:a16="http://schemas.microsoft.com/office/drawing/2014/main" xmlns="" id="{C53AA193-7AFB-BB4D-972D-BFFD74D5B4C6}"/>
+              </a:ext>
+            </a:extLst>
+          </p:cNvPr>
+          <p:cNvSpPr/>
+          <p:nvPr/>
+        </p:nvSpPr>
+        <p:spPr>
+          <a:xfrm>
+            <a:off x="4107289" y="4799964"/>
+            <a:ext cx="115694" cy="117649"/>
+          </a:xfrm>
+          <a:prstGeom prst="plus">
+            <a:avLst>
+              <a:gd name="adj" fmla="val 40790"/>
+            </a:avLst>
+          </a:prstGeom>
+          <a:solidFill>
+            <a:schemeClr val="tx1"/>
+          </a:solidFill>
+          <a:ln>
+            <a:solidFill>
+              <a:schemeClr val="tx1"/>
+            </a:solidFill>
+          </a:ln>
+        </p:spPr>
+        <p:style>
+          <a:lnRef idx="2">
+            <a:schemeClr val="accent1">
+              <a:shade val="50000"/>
+            </a:schemeClr>
+          </a:lnRef>
+          <a:fillRef idx="1">
+            <a:schemeClr val="accent1"/>
+          </a:fillRef>
+          <a:effectRef idx="0">
+            <a:schemeClr val="accent1"/>
+          </a:effectRef>
+          <a:fontRef idx="minor">
+            <a:schemeClr val="lt1"/>
+          </a:fontRef>
+        </p:style>
+        <p:txBody>
+          <a:bodyPr rtlCol="0" anchor="ctr"/>
+          <a:lstStyle/>
+          <a:p>
+            <a:pPr algn="ctr"/>
+            <a:endParaRPr kumimoji="1" lang="zh-CN" altLang="en-US" sz="1200"/>
+          </a:p>
+        </p:txBody>
+      </p:sp>
+      <p:sp>
+        <p:nvSpPr>
+          <p:cNvPr id="11" name="文本框 10">
+            <a:extLst>
+              <a:ext uri="{FF2B5EF4-FFF2-40B4-BE49-F238E27FC236}">
+                <a16:creationId xmlns:a16="http://schemas.microsoft.com/office/drawing/2014/main" xmlns="" id="{1FBDEA93-9885-6B4F-8D76-3A47A9DE8BF2}"/>
+              </a:ext>
+            </a:extLst>
+          </p:cNvPr>
+          <p:cNvSpPr txBox="1"/>
+          <p:nvPr/>
+        </p:nvSpPr>
+        <p:spPr>
+          <a:xfrm>
+            <a:off x="1753882" y="4919105"/>
+            <a:ext cx="1003801" cy="461665"/>
+          </a:xfrm>
+          <a:prstGeom prst="rect">
+            <a:avLst/>
+          </a:prstGeom>
+          <a:noFill/>
+        </p:spPr>
+        <p:txBody>
+          <a:bodyPr wrap="none" rtlCol="0">
+            <a:spAutoFit/>
+          </a:bodyPr>
+          <a:lstStyle/>
+          <a:p>
+            <a:pPr algn="ctr"/>
+            <a:r>
+              <a:rPr kumimoji="1" lang="en-US" altLang="zh-CN" sz="1200" dirty="0"/>
+              <a:t>Position</a:t>
+            </a:r>
+          </a:p>
+          <a:p>
+            <a:pPr algn="ctr"/>
+            <a:r>
+              <a:rPr kumimoji="1" lang="en-US" altLang="zh-CN" sz="1200" dirty="0"/>
+              <a:t>Embeddings</a:t>
+            </a:r>
+            <a:endParaRPr kumimoji="1" lang="zh-CN" altLang="en-US" sz="1200" dirty="0"/>
+          </a:p>
+        </p:txBody>
+      </p:sp>
+      <p:sp>
+        <p:nvSpPr>
+          <p:cNvPr id="12" name="文本框 11">
+            <a:extLst>
+              <a:ext uri="{FF2B5EF4-FFF2-40B4-BE49-F238E27FC236}">
+                <a16:creationId xmlns:a16="http://schemas.microsoft.com/office/drawing/2014/main" xmlns="" id="{DCCFB33A-D894-AF4B-B5D3-4133E0483569}"/>
+              </a:ext>
+            </a:extLst>
+          </p:cNvPr>
+          <p:cNvSpPr txBox="1"/>
+          <p:nvPr/>
+        </p:nvSpPr>
+        <p:spPr>
+          <a:xfrm>
+            <a:off x="1753882" y="4359720"/>
+            <a:ext cx="1003801" cy="461665"/>
+          </a:xfrm>
+          <a:prstGeom prst="rect">
+            <a:avLst/>
+          </a:prstGeom>
+          <a:noFill/>
+        </p:spPr>
+        <p:txBody>
+          <a:bodyPr wrap="none" rtlCol="0">
+            <a:spAutoFit/>
+          </a:bodyPr>
+          <a:lstStyle/>
+          <a:p>
+            <a:pPr algn="ctr"/>
+            <a:r>
+              <a:rPr kumimoji="1" lang="en-US" altLang="zh-CN" sz="1200" dirty="0"/>
+              <a:t>Word</a:t>
+            </a:r>
+          </a:p>
+          <a:p>
+            <a:pPr algn="ctr"/>
+            <a:r>
+              <a:rPr kumimoji="1" lang="en-US" altLang="zh-CN" sz="1200" dirty="0"/>
+              <a:t>Embeddings</a:t>
+            </a:r>
+            <a:endParaRPr kumimoji="1" lang="zh-CN" altLang="en-US" sz="1200" dirty="0"/>
+          </a:p>
+        </p:txBody>
+      </p:sp>
+      <p:sp>
+        <p:nvSpPr>
+          <p:cNvPr id="13" name="上箭头 12">
+            <a:extLst>
+              <a:ext uri="{FF2B5EF4-FFF2-40B4-BE49-F238E27FC236}">
+                <a16:creationId xmlns:a16="http://schemas.microsoft.com/office/drawing/2014/main" xmlns="" id="{DA7FB890-7724-4C4F-A5DE-FE988E7995D7}"/>
+              </a:ext>
+            </a:extLst>
+          </p:cNvPr>
+          <p:cNvSpPr/>
+          <p:nvPr/>
+        </p:nvSpPr>
+        <p:spPr>
+          <a:xfrm>
+            <a:off x="4085192" y="4160684"/>
+            <a:ext cx="159814" cy="192749"/>
+          </a:xfrm>
+          <a:prstGeom prst="upArrow">
+            <a:avLst/>
+          </a:prstGeom>
+          <a:solidFill>
+            <a:schemeClr val="tx1"/>
+          </a:solidFill>
+          <a:ln>
+            <a:solidFill>
+              <a:schemeClr val="tx1"/>
+            </a:solidFill>
+          </a:ln>
+        </p:spPr>
+        <p:style>
+          <a:lnRef idx="2">
+            <a:schemeClr val="accent1">
+              <a:shade val="50000"/>
+            </a:schemeClr>
+          </a:lnRef>
+          <a:fillRef idx="1">
+            <a:schemeClr val="accent1"/>
+          </a:fillRef>
+          <a:effectRef idx="0">
+            <a:schemeClr val="accent1"/>
+          </a:effectRef>
+          <a:fontRef idx="minor">
+            <a:schemeClr val="lt1"/>
+          </a:fontRef>
+        </p:style>
+        <p:txBody>
+          <a:bodyPr rtlCol="0" anchor="ctr"/>
+          <a:lstStyle/>
+          <a:p>
+            <a:pPr algn="ctr"/>
+            <a:endParaRPr kumimoji="1" lang="zh-CN" altLang="en-US" sz="1200" dirty="0"/>
+          </a:p>
+        </p:txBody>
+      </p:sp>
+      <p:sp>
+        <p:nvSpPr>
+          <p:cNvPr id="14" name="上箭头 13">
+            <a:extLst>
+              <a:ext uri="{FF2B5EF4-FFF2-40B4-BE49-F238E27FC236}">
+                <a16:creationId xmlns:a16="http://schemas.microsoft.com/office/drawing/2014/main" xmlns="" id="{98437923-21EA-E940-9906-113C007CED40}"/>
+              </a:ext>
+            </a:extLst>
+          </p:cNvPr>
+          <p:cNvSpPr/>
+          <p:nvPr/>
+        </p:nvSpPr>
+        <p:spPr>
+          <a:xfrm>
+            <a:off x="3277402" y="4157670"/>
+            <a:ext cx="159814" cy="192749"/>
+          </a:xfrm>
+          <a:prstGeom prst="upArrow">
+            <a:avLst/>
+          </a:prstGeom>
+          <a:solidFill>
+            <a:schemeClr val="tx1"/>
+          </a:solidFill>
+          <a:ln>
+            <a:solidFill>
+              <a:schemeClr val="tx1"/>
+            </a:solidFill>
+          </a:ln>
+        </p:spPr>
+        <p:style>
+          <a:lnRef idx="2">
+            <a:schemeClr val="accent1">
+              <a:shade val="50000"/>
+            </a:schemeClr>
+          </a:lnRef>
+          <a:fillRef idx="1">
+            <a:schemeClr val="accent1"/>
+          </a:fillRef>
+          <a:effectRef idx="0">
+            <a:schemeClr val="accent1"/>
+          </a:effectRef>
+          <a:fontRef idx="minor">
+            <a:schemeClr val="lt1"/>
+          </a:fontRef>
+        </p:style>
+        <p:txBody>
+          <a:bodyPr rtlCol="0" anchor="ctr"/>
+          <a:lstStyle/>
+          <a:p>
+            <a:pPr algn="ctr"/>
+            <a:endParaRPr kumimoji="1" lang="zh-CN" altLang="en-US" sz="1200" dirty="0"/>
+          </a:p>
+        </p:txBody>
+      </p:sp>
+      <p:sp>
+        <p:nvSpPr>
+          <p:cNvPr id="15" name="圆角矩形 14">
+            <a:extLst>
+              <a:ext uri="{FF2B5EF4-FFF2-40B4-BE49-F238E27FC236}">
+                <a16:creationId xmlns:a16="http://schemas.microsoft.com/office/drawing/2014/main" xmlns="" id="{200D51A0-0BD3-9849-8F36-14A3C9360317}"/>
+              </a:ext>
+            </a:extLst>
+          </p:cNvPr>
+          <p:cNvSpPr/>
+          <p:nvPr/>
+        </p:nvSpPr>
+        <p:spPr>
+          <a:xfrm>
+            <a:off x="7554028" y="5795659"/>
+            <a:ext cx="1955731" cy="437322"/>
+          </a:xfrm>
+          <a:prstGeom prst="roundRect">
+            <a:avLst/>
+          </a:prstGeom>
+          <a:solidFill>
+            <a:schemeClr val="accent2">
+              <a:lumMod val="20000"/>
+              <a:lumOff val="80000"/>
+            </a:schemeClr>
+          </a:solidFill>
+        </p:spPr>
+        <p:style>
+          <a:lnRef idx="2">
+            <a:schemeClr val="accent1">
+              <a:shade val="50000"/>
+            </a:schemeClr>
+          </a:lnRef>
+          <a:fillRef idx="1">
+            <a:schemeClr val="accent1"/>
+          </a:fillRef>
+          <a:effectRef idx="0">
+            <a:schemeClr val="accent1"/>
+          </a:effectRef>
+          <a:fontRef idx="minor">
+            <a:schemeClr val="lt1"/>
+          </a:fontRef>
+        </p:style>
+        <p:txBody>
+          <a:bodyPr rtlCol="0" anchor="ctr"/>
+          <a:lstStyle/>
+          <a:p>
+            <a:pPr algn="ctr"/>
+            <a:r>
+              <a:rPr kumimoji="1" lang="en-US" altLang="zh-CN" sz="1600">
+                <a:solidFill>
+                  <a:schemeClr val="tx1"/>
+                </a:solidFill>
+              </a:rPr>
+              <a:t>Text</a:t>
+            </a:r>
+            <a:r>
+              <a:rPr kumimoji="1" lang="en-US" altLang="zh-CN" sz="1200" smtClean="0">
+                <a:solidFill>
+                  <a:schemeClr val="tx1"/>
+                </a:solidFill>
+              </a:rPr>
+              <a:t> </a:t>
+            </a:r>
+            <a:r>
+              <a:rPr kumimoji="1" lang="en-US" altLang="zh-CN" sz="1600">
+                <a:solidFill>
+                  <a:schemeClr val="tx1"/>
+                </a:solidFill>
+              </a:rPr>
+              <a:t>Encoder</a:t>
+            </a:r>
+            <a:endParaRPr kumimoji="1" lang="zh-CN" altLang="en-US" sz="1600" dirty="0">
+              <a:solidFill>
+                <a:schemeClr val="tx1"/>
+              </a:solidFill>
+            </a:endParaRPr>
+          </a:p>
+        </p:txBody>
+      </p:sp>
+      <p:sp>
+        <p:nvSpPr>
+          <p:cNvPr id="16" name="圆角矩形 15">
+            <a:extLst>
+              <a:ext uri="{FF2B5EF4-FFF2-40B4-BE49-F238E27FC236}">
+                <a16:creationId xmlns:a16="http://schemas.microsoft.com/office/drawing/2014/main" xmlns="" id="{200D51A0-0BD3-9849-8F36-14A3C9360317}"/>
+              </a:ext>
+            </a:extLst>
+          </p:cNvPr>
+          <p:cNvSpPr/>
+          <p:nvPr/>
+        </p:nvSpPr>
+        <p:spPr>
+          <a:xfrm>
+            <a:off x="5073030" y="5811843"/>
+            <a:ext cx="2115272" cy="437322"/>
+          </a:xfrm>
+          <a:prstGeom prst="roundRect">
+            <a:avLst/>
+          </a:prstGeom>
+          <a:solidFill>
+            <a:schemeClr val="accent2">
+              <a:lumMod val="20000"/>
+              <a:lumOff val="80000"/>
+            </a:schemeClr>
+          </a:solidFill>
+        </p:spPr>
+        <p:style>
+          <a:lnRef idx="2">
+            <a:schemeClr val="accent1">
+              <a:shade val="50000"/>
+            </a:schemeClr>
+          </a:lnRef>
+          <a:fillRef idx="1">
+            <a:schemeClr val="accent1"/>
+          </a:fillRef>
+          <a:effectRef idx="0">
+            <a:schemeClr val="accent1"/>
+          </a:effectRef>
+          <a:fontRef idx="minor">
+            <a:schemeClr val="lt1"/>
+          </a:fontRef>
+        </p:style>
+        <p:txBody>
+          <a:bodyPr rtlCol="0" anchor="ctr"/>
+          <a:lstStyle/>
+          <a:p>
+            <a:pPr algn="ctr"/>
+            <a:r>
+              <a:rPr kumimoji="1" lang="en-US" altLang="zh-CN" sz="1600">
+                <a:solidFill>
+                  <a:schemeClr val="tx1"/>
+                </a:solidFill>
+              </a:rPr>
+              <a:t>Node</a:t>
+            </a:r>
+            <a:r>
+              <a:rPr kumimoji="1" lang="en-US" altLang="zh-CN" sz="1200" smtClean="0">
+                <a:solidFill>
+                  <a:schemeClr val="tx1"/>
+                </a:solidFill>
+              </a:rPr>
+              <a:t> </a:t>
+            </a:r>
+            <a:r>
+              <a:rPr kumimoji="1" lang="en-US" altLang="zh-CN" sz="1600">
+                <a:solidFill>
+                  <a:schemeClr val="tx1"/>
+                </a:solidFill>
+              </a:rPr>
+              <a:t>Encoder</a:t>
+            </a:r>
+            <a:endParaRPr kumimoji="1" lang="zh-CN" altLang="en-US" sz="1600" dirty="0">
+              <a:solidFill>
+                <a:schemeClr val="tx1"/>
+              </a:solidFill>
+            </a:endParaRPr>
+          </a:p>
+        </p:txBody>
+      </p:sp>
+      <p:sp>
+        <p:nvSpPr>
+          <p:cNvPr id="17" name="文本框 16"/>
+          <p:cNvSpPr txBox="1"/>
+          <p:nvPr/>
+        </p:nvSpPr>
+        <p:spPr>
+          <a:xfrm>
+            <a:off x="720224" y="5829654"/>
+            <a:ext cx="1120820" cy="369332"/>
+          </a:xfrm>
+          <a:prstGeom prst="rect">
+            <a:avLst/>
+          </a:prstGeom>
+          <a:noFill/>
+        </p:spPr>
+        <p:txBody>
+          <a:bodyPr wrap="none" rtlCol="0">
+            <a:spAutoFit/>
+          </a:bodyPr>
+          <a:lstStyle/>
+          <a:p>
+            <a:r>
+              <a:rPr lang="en-US" altLang="zh-CN" smtClean="0"/>
+              <a:t>Layer k-1</a:t>
+            </a:r>
+            <a:endParaRPr lang="zh-CN" altLang="en-US"/>
+          </a:p>
+        </p:txBody>
+      </p:sp>
+      <p:sp>
+        <p:nvSpPr>
+          <p:cNvPr id="18" name="文本框 17"/>
+          <p:cNvSpPr txBox="1"/>
+          <p:nvPr/>
+        </p:nvSpPr>
+        <p:spPr>
+          <a:xfrm>
+            <a:off x="720224" y="3713030"/>
+            <a:ext cx="1338793" cy="369332"/>
+          </a:xfrm>
+          <a:prstGeom prst="rect">
+            <a:avLst/>
+          </a:prstGeom>
+          <a:noFill/>
+        </p:spPr>
+        <p:txBody>
+          <a:bodyPr wrap="square" rtlCol="0">
+            <a:spAutoFit/>
+          </a:bodyPr>
+          <a:lstStyle/>
+          <a:p>
+            <a:r>
+              <a:rPr lang="en-US" altLang="zh-CN" smtClean="0"/>
+              <a:t>Layer k</a:t>
+            </a:r>
+            <a:endParaRPr lang="zh-CN" altLang="en-US"/>
+          </a:p>
+        </p:txBody>
+      </p:sp>
+      <mc:AlternateContent xmlns:mc="http://schemas.openxmlformats.org/markup-compatibility/2006">
+        <mc:Choice xmlns:a14="http://schemas.microsoft.com/office/drawing/2010/main" Requires="a14">
+          <p:sp>
+            <p:nvSpPr>
+              <p:cNvPr id="19" name="圆角矩形 18">
+                <a:extLst>
+                  <a:ext uri="{FF2B5EF4-FFF2-40B4-BE49-F238E27FC236}">
+                    <a16:creationId xmlns:a16="http://schemas.microsoft.com/office/drawing/2014/main" xmlns="" id="{5FCBEBAC-8971-B44A-A5B8-0A43F0F50D67}"/>
+                  </a:ext>
+                </a:extLst>
+              </p:cNvPr>
+              <p:cNvSpPr/>
+              <p:nvPr/>
+            </p:nvSpPr>
+            <p:spPr>
+              <a:xfrm>
+                <a:off x="4941902" y="4980725"/>
+                <a:ext cx="1101411" cy="348692"/>
+              </a:xfrm>
+              <a:prstGeom prst="roundRect">
+                <a:avLst/>
+              </a:prstGeom>
+              <a:solidFill>
+                <a:schemeClr val="accent1">
+                  <a:lumMod val="60000"/>
+                  <a:lumOff val="40000"/>
+                </a:schemeClr>
+              </a:solidFill>
+            </p:spPr>
+            <p:style>
+              <a:lnRef idx="2">
+                <a:schemeClr val="dk1"/>
+              </a:lnRef>
+              <a:fillRef idx="1">
+                <a:schemeClr val="lt1"/>
+              </a:fillRef>
+              <a:effectRef idx="0">
+                <a:schemeClr val="dk1"/>
+              </a:effectRef>
+              <a:fontRef idx="minor">
+                <a:schemeClr val="dk1"/>
+              </a:fontRef>
+            </p:style>
+            <p:txBody>
+              <a:bodyPr rtlCol="0" anchor="ctr"/>
+              <a:lstStyle/>
+              <a:p>
+                <a:pPr algn="ctr"/>
+                <a14:m>
+                  <m:oMathPara xmlns:m="http://schemas.openxmlformats.org/officeDocument/2006/math">
+                    <m:oMathParaPr>
+                      <m:jc m:val="centerGroup"/>
+                    </m:oMathParaPr>
+                    <m:oMath xmlns:m="http://schemas.openxmlformats.org/officeDocument/2006/math">
+                      <m:r>
+                        <a:rPr kumimoji="1" lang="en-US" altLang="zh-CN" sz="1200" b="0" i="1" smtClean="0">
+                          <a:latin typeface="Cambria Math" panose="02040503050406030204" pitchFamily="18" charset="0"/>
+                        </a:rPr>
+                        <m:t>3</m:t>
+                      </m:r>
+                    </m:oMath>
+                  </m:oMathPara>
+                </a14:m>
+                <a:endParaRPr kumimoji="1" lang="zh-CN" altLang="en-US" sz="1200" i="1" dirty="0">
+                  <a:latin typeface="Cambria Math" panose="02040503050406030204" pitchFamily="18" charset="0"/>
+                </a:endParaRPr>
+              </a:p>
+            </p:txBody>
+          </p:sp>
+        </mc:Choice>
+        <mc:Fallback>
+          <p:sp>
+            <p:nvSpPr>
+              <p:cNvPr id="19" name="圆角矩形 18">
+                <a:extLst>
+                  <a:ext uri="{FF2B5EF4-FFF2-40B4-BE49-F238E27FC236}">
+                    <a16:creationId xmlns:a16="http://schemas.microsoft.com/office/drawing/2014/main" xmlns="" xmlns:a14="http://schemas.microsoft.com/office/drawing/2010/main" id="{5FCBEBAC-8971-B44A-A5B8-0A43F0F50D67}"/>
+                  </a:ext>
+                </a:extLst>
+              </p:cNvPr>
+              <p:cNvSpPr>
+                <a:spLocks noRot="1" noChangeAspect="1" noMove="1" noResize="1" noEditPoints="1" noAdjustHandles="1" noChangeArrowheads="1" noChangeShapeType="1" noTextEdit="1"/>
+              </p:cNvSpPr>
+              <p:nvPr/>
+            </p:nvSpPr>
+            <p:spPr>
+              <a:xfrm>
+                <a:off x="4941902" y="4980725"/>
+                <a:ext cx="1101411" cy="348692"/>
+              </a:xfrm>
+              <a:prstGeom prst="roundRect">
+                <a:avLst/>
+              </a:prstGeom>
+              <a:blipFill rotWithShape="0">
+                <a:blip r:embed="rId3"/>
+                <a:stretch>
+                  <a:fillRect/>
+                </a:stretch>
+              </a:blipFill>
+            </p:spPr>
+            <p:txBody>
+              <a:bodyPr/>
+              <a:lstStyle/>
+              <a:p>
+                <a:r>
+                  <a:rPr lang="zh-CN" altLang="en-US">
+                    <a:noFill/>
+                  </a:rPr>
+                  <a:t> </a:t>
+                </a:r>
+              </a:p>
+            </p:txBody>
+          </p:sp>
+        </mc:Fallback>
+      </mc:AlternateContent>
+      <mc:AlternateContent xmlns:mc="http://schemas.openxmlformats.org/markup-compatibility/2006">
+        <mc:Choice xmlns:a14="http://schemas.microsoft.com/office/drawing/2010/main" Requires="a14">
+          <p:sp>
+            <p:nvSpPr>
+              <p:cNvPr id="20" name="圆角矩形 19">
+                <a:extLst>
+                  <a:ext uri="{FF2B5EF4-FFF2-40B4-BE49-F238E27FC236}">
+                    <a16:creationId xmlns:a16="http://schemas.microsoft.com/office/drawing/2014/main" xmlns="" id="{36CA9403-A848-FE4D-A049-F0C0BE09BE26}"/>
+                  </a:ext>
+                </a:extLst>
+              </p:cNvPr>
+              <p:cNvSpPr/>
+              <p:nvPr/>
+            </p:nvSpPr>
+            <p:spPr>
+              <a:xfrm>
+                <a:off x="4931932" y="4414658"/>
+                <a:ext cx="1105093" cy="348692"/>
+              </a:xfrm>
+              <a:prstGeom prst="roundRect">
+                <a:avLst/>
+              </a:prstGeom>
+              <a:solidFill>
+                <a:schemeClr val="accent4">
+                  <a:lumMod val="20000"/>
+                  <a:lumOff val="80000"/>
+                </a:schemeClr>
+              </a:solidFill>
+            </p:spPr>
+            <p:style>
+              <a:lnRef idx="2">
+                <a:schemeClr val="dk1"/>
+              </a:lnRef>
+              <a:fillRef idx="1">
+                <a:schemeClr val="lt1"/>
+              </a:fillRef>
+              <a:effectRef idx="0">
+                <a:schemeClr val="dk1"/>
+              </a:effectRef>
+              <a:fontRef idx="minor">
+                <a:schemeClr val="dk1"/>
+              </a:fontRef>
+            </p:style>
+            <p:txBody>
+              <a:bodyPr rtlCol="0" anchor="ctr"/>
+              <a:lstStyle/>
+              <a:p>
+                <a:pPr algn="ctr"/>
+                <a14:m>
+                  <m:oMathPara xmlns:m="http://schemas.openxmlformats.org/officeDocument/2006/math">
+                    <m:oMathParaPr>
+                      <m:jc m:val="centerGroup"/>
+                    </m:oMathParaPr>
+                    <m:oMath xmlns:m="http://schemas.openxmlformats.org/officeDocument/2006/math">
+                      <m:sSubSup>
+                        <m:sSubSupPr>
+                          <m:ctrlPr>
+                            <a:rPr kumimoji="1" lang="en-US" altLang="zh-CN" sz="1200" i="1" dirty="0" smtClean="0">
+                              <a:latin typeface="Cambria Math" panose="02040503050406030204" pitchFamily="18" charset="0"/>
+                            </a:rPr>
+                          </m:ctrlPr>
+                        </m:sSubSupPr>
+                        <m:e>
+                          <m:r>
+                            <a:rPr kumimoji="1" lang="en-US" altLang="zh-CN" sz="1200" i="1" dirty="0">
+                              <a:latin typeface="Cambria Math" panose="02040503050406030204" pitchFamily="18" charset="0"/>
+                            </a:rPr>
+                            <m:t>𝑁</m:t>
+                          </m:r>
+                        </m:e>
+                        <m:sub>
+                          <m:r>
+                            <a:rPr kumimoji="1" lang="en-US" altLang="zh-CN" sz="1200" i="1" dirty="0" smtClean="0">
+                              <a:latin typeface="Cambria Math" panose="02040503050406030204" pitchFamily="18" charset="0"/>
+                            </a:rPr>
+                            <m:t>𝐴</m:t>
+                          </m:r>
+                        </m:sub>
+                        <m:sup>
+                          <m:r>
+                            <a:rPr kumimoji="1" lang="en-US" altLang="zh-CN" sz="1200" i="1" dirty="0">
+                              <a:latin typeface="Cambria Math" panose="02040503050406030204" pitchFamily="18" charset="0"/>
+                            </a:rPr>
+                            <m:t>  </m:t>
+                          </m:r>
+                        </m:sup>
+                      </m:sSubSup>
+                    </m:oMath>
+                  </m:oMathPara>
+                </a14:m>
+                <a:endParaRPr kumimoji="1" lang="zh-CN" altLang="en-US" sz="1200" i="1" dirty="0">
+                  <a:latin typeface="Cambria Math" panose="02040503050406030204" pitchFamily="18" charset="0"/>
+                </a:endParaRPr>
+              </a:p>
+            </p:txBody>
+          </p:sp>
+        </mc:Choice>
+        <mc:Fallback>
+          <p:sp>
+            <p:nvSpPr>
+              <p:cNvPr id="20" name="圆角矩形 19">
+                <a:extLst>
+                  <a:ext uri="{FF2B5EF4-FFF2-40B4-BE49-F238E27FC236}">
+                    <a16:creationId xmlns:a16="http://schemas.microsoft.com/office/drawing/2014/main" xmlns="" xmlns:a14="http://schemas.microsoft.com/office/drawing/2010/main" id="{36CA9403-A848-FE4D-A049-F0C0BE09BE26}"/>
+                  </a:ext>
+                </a:extLst>
+              </p:cNvPr>
+              <p:cNvSpPr>
+                <a:spLocks noRot="1" noChangeAspect="1" noMove="1" noResize="1" noEditPoints="1" noAdjustHandles="1" noChangeArrowheads="1" noChangeShapeType="1" noTextEdit="1"/>
+              </p:cNvSpPr>
+              <p:nvPr/>
+            </p:nvSpPr>
+            <p:spPr>
+              <a:xfrm>
+                <a:off x="4931932" y="4414658"/>
+                <a:ext cx="1105093" cy="348692"/>
+              </a:xfrm>
+              <a:prstGeom prst="roundRect">
+                <a:avLst/>
+              </a:prstGeom>
+              <a:blipFill rotWithShape="0">
+                <a:blip r:embed="rId4"/>
+                <a:stretch>
+                  <a:fillRect/>
+                </a:stretch>
+              </a:blipFill>
+            </p:spPr>
+            <p:txBody>
+              <a:bodyPr/>
+              <a:lstStyle/>
+              <a:p>
+                <a:r>
+                  <a:rPr lang="zh-CN" altLang="en-US">
+                    <a:noFill/>
+                  </a:rPr>
+                  <a:t> </a:t>
+                </a:r>
+              </a:p>
+            </p:txBody>
+          </p:sp>
+        </mc:Fallback>
+      </mc:AlternateContent>
+      <p:sp>
+        <p:nvSpPr>
+          <p:cNvPr id="21" name="十字形 20">
+            <a:extLst>
+              <a:ext uri="{FF2B5EF4-FFF2-40B4-BE49-F238E27FC236}">
+                <a16:creationId xmlns:a16="http://schemas.microsoft.com/office/drawing/2014/main" xmlns="" id="{C53AA193-7AFB-BB4D-972D-BFFD74D5B4C6}"/>
+              </a:ext>
+            </a:extLst>
+          </p:cNvPr>
+          <p:cNvSpPr/>
+          <p:nvPr/>
+        </p:nvSpPr>
+        <p:spPr>
+          <a:xfrm>
+            <a:off x="5484265" y="4824967"/>
+            <a:ext cx="115694" cy="117649"/>
+          </a:xfrm>
+          <a:prstGeom prst="plus">
+            <a:avLst>
+              <a:gd name="adj" fmla="val 40790"/>
+            </a:avLst>
+          </a:prstGeom>
+          <a:solidFill>
+            <a:schemeClr val="tx1"/>
+          </a:solidFill>
+          <a:ln>
+            <a:solidFill>
+              <a:schemeClr val="tx1"/>
+            </a:solidFill>
+          </a:ln>
+        </p:spPr>
+        <p:style>
+          <a:lnRef idx="2">
+            <a:schemeClr val="accent1">
+              <a:shade val="50000"/>
+            </a:schemeClr>
+          </a:lnRef>
+          <a:fillRef idx="1">
+            <a:schemeClr val="accent1"/>
+          </a:fillRef>
+          <a:effectRef idx="0">
+            <a:schemeClr val="accent1"/>
+          </a:effectRef>
+          <a:fontRef idx="minor">
+            <a:schemeClr val="lt1"/>
+          </a:fontRef>
+        </p:style>
+        <p:txBody>
+          <a:bodyPr rtlCol="0" anchor="ctr"/>
+          <a:lstStyle/>
+          <a:p>
+            <a:pPr algn="ctr"/>
+            <a:endParaRPr kumimoji="1" lang="zh-CN" altLang="en-US" sz="1200"/>
+          </a:p>
+        </p:txBody>
+      </p:sp>
+      <p:sp>
+        <p:nvSpPr>
+          <p:cNvPr id="22" name="上箭头 21">
+            <a:extLst>
+              <a:ext uri="{FF2B5EF4-FFF2-40B4-BE49-F238E27FC236}">
+                <a16:creationId xmlns:a16="http://schemas.microsoft.com/office/drawing/2014/main" xmlns="" id="{DA7FB890-7724-4C4F-A5DE-FE988E7995D7}"/>
+              </a:ext>
+            </a:extLst>
+          </p:cNvPr>
+          <p:cNvSpPr/>
+          <p:nvPr/>
+        </p:nvSpPr>
+        <p:spPr>
+          <a:xfrm>
+            <a:off x="5412701" y="4166971"/>
+            <a:ext cx="159814" cy="192749"/>
+          </a:xfrm>
+          <a:prstGeom prst="upArrow">
+            <a:avLst/>
+          </a:prstGeom>
+          <a:solidFill>
+            <a:schemeClr val="tx1"/>
+          </a:solidFill>
+          <a:ln>
+            <a:solidFill>
+              <a:schemeClr val="tx1"/>
+            </a:solidFill>
+          </a:ln>
+        </p:spPr>
+        <p:style>
+          <a:lnRef idx="2">
+            <a:schemeClr val="accent1">
+              <a:shade val="50000"/>
+            </a:schemeClr>
+          </a:lnRef>
+          <a:fillRef idx="1">
+            <a:schemeClr val="accent1"/>
+          </a:fillRef>
+          <a:effectRef idx="0">
+            <a:schemeClr val="accent1"/>
+          </a:effectRef>
+          <a:fontRef idx="minor">
+            <a:schemeClr val="lt1"/>
+          </a:fontRef>
+        </p:style>
+        <p:txBody>
+          <a:bodyPr rtlCol="0" anchor="ctr"/>
+          <a:lstStyle/>
+          <a:p>
+            <a:pPr algn="ctr"/>
+            <a:endParaRPr kumimoji="1" lang="zh-CN" altLang="en-US" sz="1200" dirty="0"/>
+          </a:p>
+        </p:txBody>
+      </p:sp>
+      <mc:AlternateContent xmlns:mc="http://schemas.openxmlformats.org/markup-compatibility/2006">
+        <mc:Choice xmlns:a14="http://schemas.microsoft.com/office/drawing/2010/main" Requires="a14">
+          <p:sp>
+            <p:nvSpPr>
+              <p:cNvPr id="23" name="圆角矩形 22">
+                <a:extLst>
+                  <a:ext uri="{FF2B5EF4-FFF2-40B4-BE49-F238E27FC236}">
+                    <a16:creationId xmlns:a16="http://schemas.microsoft.com/office/drawing/2014/main" xmlns="" id="{5FCBEBAC-8971-B44A-A5B8-0A43F0F50D67}"/>
+                  </a:ext>
+                </a:extLst>
+              </p:cNvPr>
+              <p:cNvSpPr/>
+              <p:nvPr/>
+            </p:nvSpPr>
+            <p:spPr>
+              <a:xfrm>
+                <a:off x="6218707" y="4971948"/>
+                <a:ext cx="816559" cy="348692"/>
+              </a:xfrm>
+              <a:prstGeom prst="roundRect">
+                <a:avLst/>
+              </a:prstGeom>
+              <a:solidFill>
+                <a:schemeClr val="accent1">
+                  <a:lumMod val="60000"/>
+                  <a:lumOff val="40000"/>
+                </a:schemeClr>
+              </a:solidFill>
+            </p:spPr>
+            <p:style>
+              <a:lnRef idx="2">
+                <a:schemeClr val="dk1"/>
+              </a:lnRef>
+              <a:fillRef idx="1">
+                <a:schemeClr val="lt1"/>
+              </a:fillRef>
+              <a:effectRef idx="0">
+                <a:schemeClr val="dk1"/>
+              </a:effectRef>
+              <a:fontRef idx="minor">
+                <a:schemeClr val="dk1"/>
+              </a:fontRef>
+            </p:style>
+            <p:txBody>
+              <a:bodyPr rtlCol="0" anchor="ctr"/>
+              <a:lstStyle/>
+              <a:p>
+                <a:pPr algn="ctr"/>
+                <a14:m>
+                  <m:oMathPara xmlns:m="http://schemas.openxmlformats.org/officeDocument/2006/math">
+                    <m:oMathParaPr>
+                      <m:jc m:val="centerGroup"/>
+                    </m:oMathParaPr>
+                    <m:oMath xmlns:m="http://schemas.openxmlformats.org/officeDocument/2006/math">
+                      <m:r>
+                        <a:rPr kumimoji="1" lang="en-US" altLang="zh-CN" sz="1200" b="0" i="1" smtClean="0">
+                          <a:latin typeface="Cambria Math" panose="02040503050406030204" pitchFamily="18" charset="0"/>
+                        </a:rPr>
+                        <m:t>4</m:t>
+                      </m:r>
+                    </m:oMath>
+                  </m:oMathPara>
+                </a14:m>
+                <a:endParaRPr kumimoji="1" lang="zh-CN" altLang="en-US" sz="1200" dirty="0"/>
+              </a:p>
+            </p:txBody>
+          </p:sp>
+        </mc:Choice>
+        <mc:Fallback>
+          <p:sp>
+            <p:nvSpPr>
+              <p:cNvPr id="23" name="圆角矩形 22">
+                <a:extLst>
+                  <a:ext uri="{FF2B5EF4-FFF2-40B4-BE49-F238E27FC236}">
+                    <a16:creationId xmlns:a16="http://schemas.microsoft.com/office/drawing/2014/main" xmlns="" xmlns:a14="http://schemas.microsoft.com/office/drawing/2010/main" id="{5FCBEBAC-8971-B44A-A5B8-0A43F0F50D67}"/>
+                  </a:ext>
+                </a:extLst>
+              </p:cNvPr>
+              <p:cNvSpPr>
+                <a:spLocks noRot="1" noChangeAspect="1" noMove="1" noResize="1" noEditPoints="1" noAdjustHandles="1" noChangeArrowheads="1" noChangeShapeType="1" noTextEdit="1"/>
+              </p:cNvSpPr>
+              <p:nvPr/>
+            </p:nvSpPr>
+            <p:spPr>
+              <a:xfrm>
+                <a:off x="6218707" y="4971948"/>
+                <a:ext cx="816559" cy="348692"/>
+              </a:xfrm>
+              <a:prstGeom prst="roundRect">
+                <a:avLst/>
+              </a:prstGeom>
+              <a:blipFill rotWithShape="0">
+                <a:blip r:embed="rId5"/>
+                <a:stretch>
+                  <a:fillRect/>
+                </a:stretch>
+              </a:blipFill>
+            </p:spPr>
+            <p:txBody>
+              <a:bodyPr/>
+              <a:lstStyle/>
+              <a:p>
+                <a:r>
+                  <a:rPr lang="zh-CN" altLang="en-US">
+                    <a:noFill/>
+                  </a:rPr>
+                  <a:t> </a:t>
+                </a:r>
+              </a:p>
+            </p:txBody>
+          </p:sp>
+        </mc:Fallback>
+      </mc:AlternateContent>
+      <mc:AlternateContent xmlns:mc="http://schemas.openxmlformats.org/markup-compatibility/2006">
+        <mc:Choice xmlns:a14="http://schemas.microsoft.com/office/drawing/2010/main" Requires="a14">
+          <p:sp>
+            <p:nvSpPr>
+              <p:cNvPr id="24" name="圆角矩形 23">
+                <a:extLst>
+                  <a:ext uri="{FF2B5EF4-FFF2-40B4-BE49-F238E27FC236}">
+                    <a16:creationId xmlns:a16="http://schemas.microsoft.com/office/drawing/2014/main" xmlns="" id="{36CA9403-A848-FE4D-A049-F0C0BE09BE26}"/>
+                  </a:ext>
+                </a:extLst>
+              </p:cNvPr>
+              <p:cNvSpPr/>
+              <p:nvPr/>
+            </p:nvSpPr>
+            <p:spPr>
+              <a:xfrm>
+                <a:off x="6215025" y="4416933"/>
+                <a:ext cx="820241" cy="348692"/>
+              </a:xfrm>
+              <a:prstGeom prst="roundRect">
+                <a:avLst/>
+              </a:prstGeom>
+              <a:solidFill>
+                <a:schemeClr val="accent4">
+                  <a:lumMod val="20000"/>
+                  <a:lumOff val="80000"/>
+                </a:schemeClr>
+              </a:solidFill>
+            </p:spPr>
+            <p:style>
+              <a:lnRef idx="2">
+                <a:schemeClr val="dk1"/>
+              </a:lnRef>
+              <a:fillRef idx="1">
+                <a:schemeClr val="lt1"/>
+              </a:fillRef>
+              <a:effectRef idx="0">
+                <a:schemeClr val="dk1"/>
+              </a:effectRef>
+              <a:fontRef idx="minor">
+                <a:schemeClr val="dk1"/>
+              </a:fontRef>
+            </p:style>
+            <p:txBody>
+              <a:bodyPr rtlCol="0" anchor="ctr"/>
+              <a:lstStyle/>
+              <a:p>
+                <a:pPr algn="ctr"/>
+                <a14:m>
+                  <m:oMathPara xmlns:m="http://schemas.openxmlformats.org/officeDocument/2006/math">
+                    <m:oMathParaPr>
+                      <m:jc m:val="centerGroup"/>
+                    </m:oMathParaPr>
+                    <m:oMath xmlns:m="http://schemas.openxmlformats.org/officeDocument/2006/math">
+                      <m:sSubSup>
+                        <m:sSubSupPr>
+                          <m:ctrlPr>
+                            <a:rPr kumimoji="1" lang="en-US" altLang="zh-CN" sz="1200" i="1" dirty="0" smtClean="0">
+                              <a:latin typeface="Cambria Math" panose="02040503050406030204" pitchFamily="18" charset="0"/>
+                            </a:rPr>
+                          </m:ctrlPr>
+                        </m:sSubSupPr>
+                        <m:e>
+                          <m:r>
+                            <a:rPr kumimoji="1" lang="en-US" altLang="zh-CN" sz="1200" i="1" dirty="0">
+                              <a:latin typeface="Cambria Math" panose="02040503050406030204" pitchFamily="18" charset="0"/>
+                            </a:rPr>
+                            <m:t>𝑁</m:t>
+                          </m:r>
+                        </m:e>
+                        <m:sub>
+                          <m:r>
+                            <a:rPr kumimoji="1" lang="en-US" altLang="zh-CN" sz="1200" i="1" dirty="0" smtClean="0">
+                              <a:latin typeface="Cambria Math" panose="02040503050406030204" pitchFamily="18" charset="0"/>
+                            </a:rPr>
+                            <m:t>𝐵</m:t>
+                          </m:r>
+                        </m:sub>
+                        <m:sup>
+                          <m:r>
+                            <a:rPr kumimoji="1" lang="en-US" altLang="zh-CN" sz="1200" i="1" dirty="0">
+                              <a:latin typeface="Cambria Math" panose="02040503050406030204" pitchFamily="18" charset="0"/>
+                            </a:rPr>
+                            <m:t>  </m:t>
+                          </m:r>
+                        </m:sup>
+                      </m:sSubSup>
+                    </m:oMath>
+                  </m:oMathPara>
+                </a14:m>
+                <a:endParaRPr kumimoji="1" lang="zh-CN" altLang="en-US" sz="1200" i="1" dirty="0">
+                  <a:latin typeface="Cambria Math" panose="02040503050406030204" pitchFamily="18" charset="0"/>
+                </a:endParaRPr>
+              </a:p>
+            </p:txBody>
+          </p:sp>
+        </mc:Choice>
+        <mc:Fallback>
+          <p:sp>
+            <p:nvSpPr>
+              <p:cNvPr id="24" name="圆角矩形 23">
+                <a:extLst>
+                  <a:ext uri="{FF2B5EF4-FFF2-40B4-BE49-F238E27FC236}">
+                    <a16:creationId xmlns:a16="http://schemas.microsoft.com/office/drawing/2014/main" xmlns="" xmlns:a14="http://schemas.microsoft.com/office/drawing/2010/main" id="{36CA9403-A848-FE4D-A049-F0C0BE09BE26}"/>
+                  </a:ext>
+                </a:extLst>
+              </p:cNvPr>
+              <p:cNvSpPr>
+                <a:spLocks noRot="1" noChangeAspect="1" noMove="1" noResize="1" noEditPoints="1" noAdjustHandles="1" noChangeArrowheads="1" noChangeShapeType="1" noTextEdit="1"/>
+              </p:cNvSpPr>
+              <p:nvPr/>
+            </p:nvSpPr>
+            <p:spPr>
+              <a:xfrm>
+                <a:off x="6215025" y="4416933"/>
+                <a:ext cx="820241" cy="348692"/>
+              </a:xfrm>
+              <a:prstGeom prst="roundRect">
+                <a:avLst/>
+              </a:prstGeom>
+              <a:blipFill rotWithShape="0">
+                <a:blip r:embed="rId6"/>
+                <a:stretch>
+                  <a:fillRect/>
+                </a:stretch>
+              </a:blipFill>
+            </p:spPr>
+            <p:txBody>
+              <a:bodyPr/>
+              <a:lstStyle/>
+              <a:p>
+                <a:r>
+                  <a:rPr lang="zh-CN" altLang="en-US">
+                    <a:noFill/>
+                  </a:rPr>
+                  <a:t> </a:t>
+                </a:r>
+              </a:p>
+            </p:txBody>
+          </p:sp>
+        </mc:Fallback>
+      </mc:AlternateContent>
+      <p:sp>
+        <p:nvSpPr>
+          <p:cNvPr id="25" name="十字形 24">
+            <a:extLst>
+              <a:ext uri="{FF2B5EF4-FFF2-40B4-BE49-F238E27FC236}">
+                <a16:creationId xmlns:a16="http://schemas.microsoft.com/office/drawing/2014/main" xmlns="" id="{C53AA193-7AFB-BB4D-972D-BFFD74D5B4C6}"/>
+              </a:ext>
+            </a:extLst>
+          </p:cNvPr>
+          <p:cNvSpPr/>
+          <p:nvPr/>
+        </p:nvSpPr>
+        <p:spPr>
+          <a:xfrm>
+            <a:off x="6562285" y="4795521"/>
+            <a:ext cx="115694" cy="117649"/>
+          </a:xfrm>
+          <a:prstGeom prst="plus">
+            <a:avLst>
+              <a:gd name="adj" fmla="val 40790"/>
+            </a:avLst>
+          </a:prstGeom>
+          <a:solidFill>
+            <a:schemeClr val="tx1"/>
+          </a:solidFill>
+          <a:ln>
+            <a:solidFill>
+              <a:schemeClr val="tx1"/>
+            </a:solidFill>
+          </a:ln>
+        </p:spPr>
+        <p:style>
+          <a:lnRef idx="2">
+            <a:schemeClr val="accent1">
+              <a:shade val="50000"/>
+            </a:schemeClr>
+          </a:lnRef>
+          <a:fillRef idx="1">
+            <a:schemeClr val="accent1"/>
+          </a:fillRef>
+          <a:effectRef idx="0">
+            <a:schemeClr val="accent1"/>
+          </a:effectRef>
+          <a:fontRef idx="minor">
+            <a:schemeClr val="lt1"/>
+          </a:fontRef>
+        </p:style>
+        <p:txBody>
+          <a:bodyPr rtlCol="0" anchor="ctr"/>
+          <a:lstStyle/>
+          <a:p>
+            <a:pPr algn="ctr"/>
+            <a:endParaRPr kumimoji="1" lang="zh-CN" altLang="en-US" sz="1200"/>
+          </a:p>
+        </p:txBody>
+      </p:sp>
+      <p:sp>
+        <p:nvSpPr>
+          <p:cNvPr id="26" name="上箭头 25">
+            <a:extLst>
+              <a:ext uri="{FF2B5EF4-FFF2-40B4-BE49-F238E27FC236}">
+                <a16:creationId xmlns:a16="http://schemas.microsoft.com/office/drawing/2014/main" xmlns="" id="{DA7FB890-7724-4C4F-A5DE-FE988E7995D7}"/>
+              </a:ext>
+            </a:extLst>
+          </p:cNvPr>
+          <p:cNvSpPr/>
+          <p:nvPr/>
+        </p:nvSpPr>
+        <p:spPr>
+          <a:xfrm>
+            <a:off x="6543817" y="4157670"/>
+            <a:ext cx="159814" cy="192749"/>
+          </a:xfrm>
+          <a:prstGeom prst="upArrow">
+            <a:avLst/>
+          </a:prstGeom>
+          <a:solidFill>
+            <a:schemeClr val="tx1"/>
+          </a:solidFill>
+          <a:ln>
+            <a:solidFill>
+              <a:schemeClr val="tx1"/>
+            </a:solidFill>
+          </a:ln>
+        </p:spPr>
+        <p:style>
+          <a:lnRef idx="2">
+            <a:schemeClr val="accent1">
+              <a:shade val="50000"/>
+            </a:schemeClr>
+          </a:lnRef>
+          <a:fillRef idx="1">
+            <a:schemeClr val="accent1"/>
+          </a:fillRef>
+          <a:effectRef idx="0">
+            <a:schemeClr val="accent1"/>
+          </a:effectRef>
+          <a:fontRef idx="minor">
+            <a:schemeClr val="lt1"/>
+          </a:fontRef>
+        </p:style>
+        <p:txBody>
+          <a:bodyPr rtlCol="0" anchor="ctr"/>
+          <a:lstStyle/>
+          <a:p>
+            <a:pPr algn="ctr"/>
+            <a:endParaRPr kumimoji="1" lang="zh-CN" altLang="en-US" sz="1200" dirty="0"/>
+          </a:p>
+        </p:txBody>
+      </p:sp>
+      <mc:AlternateContent xmlns:mc="http://schemas.openxmlformats.org/markup-compatibility/2006">
+        <mc:Choice xmlns:a14="http://schemas.microsoft.com/office/drawing/2010/main" Requires="a14">
+          <p:sp>
+            <p:nvSpPr>
+              <p:cNvPr id="27" name="圆角矩形 26">
+                <a:extLst>
+                  <a:ext uri="{FF2B5EF4-FFF2-40B4-BE49-F238E27FC236}">
+                    <a16:creationId xmlns:a16="http://schemas.microsoft.com/office/drawing/2014/main" xmlns="" id="{5FCBEBAC-8971-B44A-A5B8-0A43F0F50D67}"/>
+                  </a:ext>
+                </a:extLst>
+              </p:cNvPr>
+              <p:cNvSpPr/>
+              <p:nvPr/>
+            </p:nvSpPr>
+            <p:spPr>
+              <a:xfrm>
+                <a:off x="7618226" y="4971948"/>
+                <a:ext cx="816559" cy="348692"/>
+              </a:xfrm>
+              <a:prstGeom prst="roundRect">
+                <a:avLst/>
+              </a:prstGeom>
+              <a:solidFill>
+                <a:schemeClr val="accent1">
+                  <a:lumMod val="60000"/>
+                  <a:lumOff val="40000"/>
+                </a:schemeClr>
+              </a:solidFill>
+            </p:spPr>
+            <p:style>
+              <a:lnRef idx="2">
+                <a:schemeClr val="dk1"/>
+              </a:lnRef>
+              <a:fillRef idx="1">
+                <a:schemeClr val="lt1"/>
+              </a:fillRef>
+              <a:effectRef idx="0">
+                <a:schemeClr val="dk1"/>
+              </a:effectRef>
+              <a:fontRef idx="minor">
+                <a:schemeClr val="dk1"/>
+              </a:fontRef>
+            </p:style>
+            <p:txBody>
+              <a:bodyPr rtlCol="0" anchor="ctr"/>
+              <a:lstStyle/>
+              <a:p>
+                <a:pPr algn="ctr"/>
+                <a14:m>
+                  <m:oMathPara xmlns:m="http://schemas.openxmlformats.org/officeDocument/2006/math">
+                    <m:oMathParaPr>
+                      <m:jc m:val="centerGroup"/>
+                    </m:oMathParaPr>
+                    <m:oMath xmlns:m="http://schemas.openxmlformats.org/officeDocument/2006/math">
+                      <m:r>
+                        <a:rPr kumimoji="1" lang="en-US" altLang="zh-CN" sz="1200" b="0" i="1" smtClean="0">
+                          <a:latin typeface="Cambria Math" panose="02040503050406030204" pitchFamily="18" charset="0"/>
+                        </a:rPr>
+                        <m:t>2</m:t>
+                      </m:r>
+                    </m:oMath>
+                  </m:oMathPara>
+                </a14:m>
+                <a:endParaRPr kumimoji="1" lang="zh-CN" altLang="en-US" sz="1200" dirty="0"/>
+              </a:p>
+            </p:txBody>
+          </p:sp>
+        </mc:Choice>
+        <mc:Fallback>
+          <p:sp>
+            <p:nvSpPr>
+              <p:cNvPr id="27" name="圆角矩形 26">
+                <a:extLst>
+                  <a:ext uri="{FF2B5EF4-FFF2-40B4-BE49-F238E27FC236}">
+                    <a16:creationId xmlns:a16="http://schemas.microsoft.com/office/drawing/2014/main" xmlns="" xmlns:a14="http://schemas.microsoft.com/office/drawing/2010/main" id="{5FCBEBAC-8971-B44A-A5B8-0A43F0F50D67}"/>
+                  </a:ext>
+                </a:extLst>
+              </p:cNvPr>
+              <p:cNvSpPr>
+                <a:spLocks noRot="1" noChangeAspect="1" noMove="1" noResize="1" noEditPoints="1" noAdjustHandles="1" noChangeArrowheads="1" noChangeShapeType="1" noTextEdit="1"/>
+              </p:cNvSpPr>
+              <p:nvPr/>
+            </p:nvSpPr>
+            <p:spPr>
+              <a:xfrm>
+                <a:off x="7618226" y="4971948"/>
+                <a:ext cx="816559" cy="348692"/>
+              </a:xfrm>
+              <a:prstGeom prst="roundRect">
+                <a:avLst/>
+              </a:prstGeom>
+              <a:blipFill rotWithShape="0">
+                <a:blip r:embed="rId7"/>
+                <a:stretch>
+                  <a:fillRect/>
+                </a:stretch>
+              </a:blipFill>
+            </p:spPr>
+            <p:txBody>
+              <a:bodyPr/>
+              <a:lstStyle/>
+              <a:p>
+                <a:r>
+                  <a:rPr lang="zh-CN" altLang="en-US">
+                    <a:noFill/>
+                  </a:rPr>
+                  <a:t> </a:t>
+                </a:r>
+              </a:p>
+            </p:txBody>
+          </p:sp>
+        </mc:Fallback>
+      </mc:AlternateContent>
+      <mc:AlternateContent xmlns:mc="http://schemas.openxmlformats.org/markup-compatibility/2006">
+        <mc:Choice xmlns:a14="http://schemas.microsoft.com/office/drawing/2010/main" Requires="a14">
+          <p:sp>
+            <p:nvSpPr>
+              <p:cNvPr id="28" name="圆角矩形 27">
+                <a:extLst>
+                  <a:ext uri="{FF2B5EF4-FFF2-40B4-BE49-F238E27FC236}">
+                    <a16:creationId xmlns:a16="http://schemas.microsoft.com/office/drawing/2014/main" xmlns="" id="{36CA9403-A848-FE4D-A049-F0C0BE09BE26}"/>
+                  </a:ext>
+                </a:extLst>
+              </p:cNvPr>
+              <p:cNvSpPr/>
+              <p:nvPr/>
+            </p:nvSpPr>
+            <p:spPr>
+              <a:xfrm>
+                <a:off x="7614544" y="4416933"/>
+                <a:ext cx="820241" cy="348692"/>
+              </a:xfrm>
+              <a:prstGeom prst="roundRect">
+                <a:avLst/>
+              </a:prstGeom>
+              <a:solidFill>
+                <a:schemeClr val="accent4">
+                  <a:lumMod val="20000"/>
+                  <a:lumOff val="80000"/>
+                </a:schemeClr>
+              </a:solidFill>
+            </p:spPr>
+            <p:style>
+              <a:lnRef idx="2">
+                <a:schemeClr val="dk1"/>
+              </a:lnRef>
+              <a:fillRef idx="1">
+                <a:schemeClr val="lt1"/>
+              </a:fillRef>
+              <a:effectRef idx="0">
+                <a:schemeClr val="dk1"/>
+              </a:effectRef>
+              <a:fontRef idx="minor">
+                <a:schemeClr val="dk1"/>
+              </a:fontRef>
+            </p:style>
+            <p:txBody>
+              <a:bodyPr rtlCol="0" anchor="ctr"/>
+              <a:lstStyle/>
+              <a:p>
+                <a:pPr algn="ctr"/>
+                <a14:m>
+                  <m:oMathPara xmlns:m="http://schemas.openxmlformats.org/officeDocument/2006/math">
+                    <m:oMathParaPr>
+                      <m:jc m:val="centerGroup"/>
+                    </m:oMathParaPr>
+                    <m:oMath xmlns:m="http://schemas.openxmlformats.org/officeDocument/2006/math">
+                      <m:sSubSup>
+                        <m:sSubSupPr>
+                          <m:ctrlPr>
+                            <a:rPr kumimoji="1" lang="en-US" altLang="zh-CN" sz="1200" i="1" dirty="0" smtClean="0">
+                              <a:latin typeface="Cambria Math" panose="02040503050406030204" pitchFamily="18" charset="0"/>
+                            </a:rPr>
+                          </m:ctrlPr>
+                        </m:sSubSupPr>
+                        <m:e>
+                          <m:r>
+                            <a:rPr kumimoji="1" lang="en-US" altLang="zh-CN" sz="1200" b="0" i="1" dirty="0" smtClean="0">
+                              <a:latin typeface="Cambria Math" panose="02040503050406030204" pitchFamily="18" charset="0"/>
+                            </a:rPr>
+                            <m:t>𝑇</m:t>
+                          </m:r>
+                        </m:e>
+                        <m:sub>
+                          <m:r>
+                            <a:rPr kumimoji="1" lang="en-US" altLang="zh-CN" sz="1200" b="0" i="1" dirty="0" smtClean="0">
+                              <a:latin typeface="Cambria Math" panose="02040503050406030204" pitchFamily="18" charset="0"/>
+                            </a:rPr>
+                            <m:t>𝐶</m:t>
+                          </m:r>
+                        </m:sub>
+                        <m:sup>
+                          <m:r>
+                            <a:rPr kumimoji="1" lang="en-US" altLang="zh-CN" sz="1200" i="1" dirty="0">
+                              <a:latin typeface="Cambria Math" panose="02040503050406030204" pitchFamily="18" charset="0"/>
+                            </a:rPr>
+                            <m:t>  </m:t>
+                          </m:r>
+                        </m:sup>
+                      </m:sSubSup>
+                    </m:oMath>
+                  </m:oMathPara>
+                </a14:m>
+                <a:endParaRPr kumimoji="1" lang="zh-CN" altLang="en-US" sz="1200" dirty="0"/>
+              </a:p>
+            </p:txBody>
+          </p:sp>
+        </mc:Choice>
+        <mc:Fallback>
+          <p:sp>
+            <p:nvSpPr>
+              <p:cNvPr id="28" name="圆角矩形 27">
+                <a:extLst>
+                  <a:ext uri="{FF2B5EF4-FFF2-40B4-BE49-F238E27FC236}">
+                    <a16:creationId xmlns:a16="http://schemas.microsoft.com/office/drawing/2014/main" xmlns="" xmlns:a14="http://schemas.microsoft.com/office/drawing/2010/main" id="{36CA9403-A848-FE4D-A049-F0C0BE09BE26}"/>
+                  </a:ext>
+                </a:extLst>
+              </p:cNvPr>
+              <p:cNvSpPr>
+                <a:spLocks noRot="1" noChangeAspect="1" noMove="1" noResize="1" noEditPoints="1" noAdjustHandles="1" noChangeArrowheads="1" noChangeShapeType="1" noTextEdit="1"/>
+              </p:cNvSpPr>
+              <p:nvPr/>
+            </p:nvSpPr>
+            <p:spPr>
+              <a:xfrm>
+                <a:off x="7614544" y="4416933"/>
+                <a:ext cx="820241" cy="348692"/>
+              </a:xfrm>
+              <a:prstGeom prst="roundRect">
+                <a:avLst/>
+              </a:prstGeom>
+              <a:blipFill rotWithShape="0">
+                <a:blip r:embed="rId8"/>
+                <a:stretch>
+                  <a:fillRect/>
+                </a:stretch>
+              </a:blipFill>
+            </p:spPr>
+            <p:txBody>
+              <a:bodyPr/>
+              <a:lstStyle/>
+              <a:p>
+                <a:r>
+                  <a:rPr lang="zh-CN" altLang="en-US">
+                    <a:noFill/>
+                  </a:rPr>
+                  <a:t> </a:t>
+                </a:r>
+              </a:p>
+            </p:txBody>
+          </p:sp>
+        </mc:Fallback>
+      </mc:AlternateContent>
+      <p:sp>
+        <p:nvSpPr>
+          <p:cNvPr id="29" name="十字形 28">
+            <a:extLst>
+              <a:ext uri="{FF2B5EF4-FFF2-40B4-BE49-F238E27FC236}">
+                <a16:creationId xmlns:a16="http://schemas.microsoft.com/office/drawing/2014/main" xmlns="" id="{C53AA193-7AFB-BB4D-972D-BFFD74D5B4C6}"/>
+              </a:ext>
+            </a:extLst>
+          </p:cNvPr>
+          <p:cNvSpPr/>
+          <p:nvPr/>
+        </p:nvSpPr>
+        <p:spPr>
+          <a:xfrm>
+            <a:off x="7975986" y="4795520"/>
+            <a:ext cx="115694" cy="117649"/>
+          </a:xfrm>
+          <a:prstGeom prst="plus">
+            <a:avLst>
+              <a:gd name="adj" fmla="val 40790"/>
+            </a:avLst>
+          </a:prstGeom>
+          <a:solidFill>
+            <a:schemeClr val="tx1"/>
+          </a:solidFill>
+          <a:ln>
+            <a:solidFill>
+              <a:schemeClr val="tx1"/>
+            </a:solidFill>
+          </a:ln>
+        </p:spPr>
+        <p:style>
+          <a:lnRef idx="2">
+            <a:schemeClr val="accent1">
+              <a:shade val="50000"/>
+            </a:schemeClr>
+          </a:lnRef>
+          <a:fillRef idx="1">
+            <a:schemeClr val="accent1"/>
+          </a:fillRef>
+          <a:effectRef idx="0">
+            <a:schemeClr val="accent1"/>
+          </a:effectRef>
+          <a:fontRef idx="minor">
+            <a:schemeClr val="lt1"/>
+          </a:fontRef>
+        </p:style>
+        <p:txBody>
+          <a:bodyPr rtlCol="0" anchor="ctr"/>
+          <a:lstStyle/>
+          <a:p>
+            <a:pPr algn="ctr"/>
+            <a:endParaRPr kumimoji="1" lang="zh-CN" altLang="en-US" sz="1200"/>
+          </a:p>
+        </p:txBody>
+      </p:sp>
+      <p:sp>
+        <p:nvSpPr>
+          <p:cNvPr id="30" name="上箭头 29">
+            <a:extLst>
+              <a:ext uri="{FF2B5EF4-FFF2-40B4-BE49-F238E27FC236}">
+                <a16:creationId xmlns:a16="http://schemas.microsoft.com/office/drawing/2014/main" xmlns="" id="{DA7FB890-7724-4C4F-A5DE-FE988E7995D7}"/>
+              </a:ext>
+            </a:extLst>
+          </p:cNvPr>
+          <p:cNvSpPr/>
+          <p:nvPr/>
+        </p:nvSpPr>
+        <p:spPr>
+          <a:xfrm>
+            <a:off x="7944757" y="4144535"/>
+            <a:ext cx="159814" cy="192749"/>
+          </a:xfrm>
+          <a:prstGeom prst="upArrow">
+            <a:avLst/>
+          </a:prstGeom>
+          <a:solidFill>
+            <a:schemeClr val="tx1"/>
+          </a:solidFill>
+          <a:ln>
+            <a:solidFill>
+              <a:schemeClr val="tx1"/>
+            </a:solidFill>
+          </a:ln>
+        </p:spPr>
+        <p:style>
+          <a:lnRef idx="2">
+            <a:schemeClr val="accent1">
+              <a:shade val="50000"/>
+            </a:schemeClr>
+          </a:lnRef>
+          <a:fillRef idx="1">
+            <a:schemeClr val="accent1"/>
+          </a:fillRef>
+          <a:effectRef idx="0">
+            <a:schemeClr val="accent1"/>
+          </a:effectRef>
+          <a:fontRef idx="minor">
+            <a:schemeClr val="lt1"/>
+          </a:fontRef>
+        </p:style>
+        <p:txBody>
+          <a:bodyPr rtlCol="0" anchor="ctr"/>
+          <a:lstStyle/>
+          <a:p>
+            <a:pPr algn="ctr"/>
+            <a:endParaRPr kumimoji="1" lang="zh-CN" altLang="en-US" sz="1200" dirty="0"/>
+          </a:p>
+        </p:txBody>
+      </p:sp>
+      <mc:AlternateContent xmlns:mc="http://schemas.openxmlformats.org/markup-compatibility/2006">
+        <mc:Choice xmlns:a14="http://schemas.microsoft.com/office/drawing/2010/main" Requires="a14">
+          <p:sp>
+            <p:nvSpPr>
+              <p:cNvPr id="31" name="圆角矩形 30">
+                <a:extLst>
+                  <a:ext uri="{FF2B5EF4-FFF2-40B4-BE49-F238E27FC236}">
+                    <a16:creationId xmlns:a16="http://schemas.microsoft.com/office/drawing/2014/main" xmlns="" id="{5FCBEBAC-8971-B44A-A5B8-0A43F0F50D67}"/>
+                  </a:ext>
+                </a:extLst>
+              </p:cNvPr>
+              <p:cNvSpPr/>
+              <p:nvPr/>
+            </p:nvSpPr>
+            <p:spPr>
+              <a:xfrm>
+                <a:off x="8620869" y="4971948"/>
+                <a:ext cx="816559" cy="348692"/>
+              </a:xfrm>
+              <a:prstGeom prst="roundRect">
+                <a:avLst/>
+              </a:prstGeom>
+              <a:solidFill>
+                <a:schemeClr val="accent1">
+                  <a:lumMod val="60000"/>
+                  <a:lumOff val="40000"/>
+                </a:schemeClr>
+              </a:solidFill>
+            </p:spPr>
+            <p:style>
+              <a:lnRef idx="2">
+                <a:schemeClr val="dk1"/>
+              </a:lnRef>
+              <a:fillRef idx="1">
+                <a:schemeClr val="lt1"/>
+              </a:fillRef>
+              <a:effectRef idx="0">
+                <a:schemeClr val="dk1"/>
+              </a:effectRef>
+              <a:fontRef idx="minor">
+                <a:schemeClr val="dk1"/>
+              </a:fontRef>
+            </p:style>
+            <p:txBody>
+              <a:bodyPr rtlCol="0" anchor="ctr"/>
+              <a:lstStyle/>
+              <a:p>
+                <a:pPr algn="ctr"/>
+                <a14:m>
+                  <m:oMathPara xmlns:m="http://schemas.openxmlformats.org/officeDocument/2006/math">
+                    <m:oMathParaPr>
+                      <m:jc m:val="centerGroup"/>
+                    </m:oMathParaPr>
+                    <m:oMath xmlns:m="http://schemas.openxmlformats.org/officeDocument/2006/math">
+                      <m:r>
+                        <a:rPr kumimoji="1" lang="en-US" altLang="zh-CN" sz="1200" b="0" i="1" smtClean="0">
+                          <a:latin typeface="Cambria Math" panose="02040503050406030204" pitchFamily="18" charset="0"/>
+                        </a:rPr>
+                        <m:t>5</m:t>
+                      </m:r>
+                    </m:oMath>
+                  </m:oMathPara>
+                </a14:m>
+                <a:endParaRPr kumimoji="1" lang="zh-CN" altLang="en-US" sz="1200" dirty="0"/>
+              </a:p>
+            </p:txBody>
+          </p:sp>
+        </mc:Choice>
+        <mc:Fallback>
+          <p:sp>
+            <p:nvSpPr>
+              <p:cNvPr id="31" name="圆角矩形 30">
+                <a:extLst>
+                  <a:ext uri="{FF2B5EF4-FFF2-40B4-BE49-F238E27FC236}">
+                    <a16:creationId xmlns:a16="http://schemas.microsoft.com/office/drawing/2014/main" xmlns="" xmlns:a14="http://schemas.microsoft.com/office/drawing/2010/main" id="{5FCBEBAC-8971-B44A-A5B8-0A43F0F50D67}"/>
+                  </a:ext>
+                </a:extLst>
+              </p:cNvPr>
+              <p:cNvSpPr>
+                <a:spLocks noRot="1" noChangeAspect="1" noMove="1" noResize="1" noEditPoints="1" noAdjustHandles="1" noChangeArrowheads="1" noChangeShapeType="1" noTextEdit="1"/>
+              </p:cNvSpPr>
+              <p:nvPr/>
+            </p:nvSpPr>
+            <p:spPr>
+              <a:xfrm>
+                <a:off x="8620869" y="4971948"/>
+                <a:ext cx="816559" cy="348692"/>
+              </a:xfrm>
+              <a:prstGeom prst="roundRect">
+                <a:avLst/>
+              </a:prstGeom>
+              <a:blipFill rotWithShape="0">
+                <a:blip r:embed="rId9"/>
+                <a:stretch>
+                  <a:fillRect/>
+                </a:stretch>
+              </a:blipFill>
+            </p:spPr>
+            <p:txBody>
+              <a:bodyPr/>
+              <a:lstStyle/>
+              <a:p>
+                <a:r>
+                  <a:rPr lang="zh-CN" altLang="en-US">
+                    <a:noFill/>
+                  </a:rPr>
+                  <a:t> </a:t>
+                </a:r>
+              </a:p>
+            </p:txBody>
+          </p:sp>
+        </mc:Fallback>
+      </mc:AlternateContent>
+      <mc:AlternateContent xmlns:mc="http://schemas.openxmlformats.org/markup-compatibility/2006">
+        <mc:Choice xmlns:a14="http://schemas.microsoft.com/office/drawing/2010/main" Requires="a14">
+          <p:sp>
+            <p:nvSpPr>
+              <p:cNvPr id="32" name="圆角矩形 31">
+                <a:extLst>
+                  <a:ext uri="{FF2B5EF4-FFF2-40B4-BE49-F238E27FC236}">
+                    <a16:creationId xmlns:a16="http://schemas.microsoft.com/office/drawing/2014/main" xmlns="" id="{36CA9403-A848-FE4D-A049-F0C0BE09BE26}"/>
+                  </a:ext>
+                </a:extLst>
+              </p:cNvPr>
+              <p:cNvSpPr/>
+              <p:nvPr/>
+            </p:nvSpPr>
+            <p:spPr>
+              <a:xfrm>
+                <a:off x="8617187" y="4416933"/>
+                <a:ext cx="820241" cy="348692"/>
+              </a:xfrm>
+              <a:prstGeom prst="roundRect">
+                <a:avLst/>
+              </a:prstGeom>
+              <a:solidFill>
+                <a:schemeClr val="accent4">
+                  <a:lumMod val="20000"/>
+                  <a:lumOff val="80000"/>
+                </a:schemeClr>
+              </a:solidFill>
+            </p:spPr>
+            <p:style>
+              <a:lnRef idx="2">
+                <a:schemeClr val="dk1"/>
+              </a:lnRef>
+              <a:fillRef idx="1">
+                <a:schemeClr val="lt1"/>
+              </a:fillRef>
+              <a:effectRef idx="0">
+                <a:schemeClr val="dk1"/>
+              </a:effectRef>
+              <a:fontRef idx="minor">
+                <a:schemeClr val="dk1"/>
+              </a:fontRef>
+            </p:style>
+            <p:txBody>
+              <a:bodyPr rtlCol="0" anchor="ctr"/>
+              <a:lstStyle/>
+              <a:p>
+                <a:pPr algn="ctr"/>
+                <a14:m>
+                  <m:oMathPara xmlns:m="http://schemas.openxmlformats.org/officeDocument/2006/math">
+                    <m:oMathParaPr>
+                      <m:jc m:val="centerGroup"/>
+                    </m:oMathParaPr>
+                    <m:oMath xmlns:m="http://schemas.openxmlformats.org/officeDocument/2006/math">
+                      <m:sSubSup>
+                        <m:sSubSupPr>
+                          <m:ctrlPr>
+                            <a:rPr kumimoji="1" lang="en-US" altLang="zh-CN" sz="1200" i="1" dirty="0" smtClean="0">
+                              <a:latin typeface="Cambria Math" panose="02040503050406030204" pitchFamily="18" charset="0"/>
+                            </a:rPr>
+                          </m:ctrlPr>
+                        </m:sSubSupPr>
+                        <m:e>
+                          <m:r>
+                            <a:rPr kumimoji="1" lang="en-US" altLang="zh-CN" sz="1200" b="0" i="1" dirty="0" smtClean="0">
+                              <a:latin typeface="Cambria Math" panose="02040503050406030204" pitchFamily="18" charset="0"/>
+                            </a:rPr>
+                            <m:t>𝑇</m:t>
+                          </m:r>
+                        </m:e>
+                        <m:sub>
+                          <m:r>
+                            <a:rPr kumimoji="1" lang="en-US" altLang="zh-CN" sz="1200" b="0" i="1" dirty="0" smtClean="0">
+                              <a:latin typeface="Cambria Math" panose="02040503050406030204" pitchFamily="18" charset="0"/>
+                            </a:rPr>
+                            <m:t>𝐷</m:t>
+                          </m:r>
+                        </m:sub>
+                        <m:sup>
+                          <m:r>
+                            <a:rPr kumimoji="1" lang="en-US" altLang="zh-CN" sz="1200" i="1" dirty="0">
+                              <a:latin typeface="Cambria Math" panose="02040503050406030204" pitchFamily="18" charset="0"/>
+                            </a:rPr>
+                            <m:t>  </m:t>
+                          </m:r>
+                        </m:sup>
+                      </m:sSubSup>
+                    </m:oMath>
+                  </m:oMathPara>
+                </a14:m>
+                <a:endParaRPr kumimoji="1" lang="zh-CN" altLang="en-US" sz="1200" dirty="0"/>
+              </a:p>
+            </p:txBody>
+          </p:sp>
+        </mc:Choice>
+        <mc:Fallback>
+          <p:sp>
+            <p:nvSpPr>
+              <p:cNvPr id="32" name="圆角矩形 31">
+                <a:extLst>
+                  <a:ext uri="{FF2B5EF4-FFF2-40B4-BE49-F238E27FC236}">
+                    <a16:creationId xmlns:a16="http://schemas.microsoft.com/office/drawing/2014/main" xmlns="" xmlns:a14="http://schemas.microsoft.com/office/drawing/2010/main" id="{36CA9403-A848-FE4D-A049-F0C0BE09BE26}"/>
+                  </a:ext>
+                </a:extLst>
+              </p:cNvPr>
+              <p:cNvSpPr>
+                <a:spLocks noRot="1" noChangeAspect="1" noMove="1" noResize="1" noEditPoints="1" noAdjustHandles="1" noChangeArrowheads="1" noChangeShapeType="1" noTextEdit="1"/>
+              </p:cNvSpPr>
+              <p:nvPr/>
+            </p:nvSpPr>
+            <p:spPr>
+              <a:xfrm>
+                <a:off x="8617187" y="4416933"/>
+                <a:ext cx="820241" cy="348692"/>
+              </a:xfrm>
+              <a:prstGeom prst="roundRect">
+                <a:avLst/>
+              </a:prstGeom>
+              <a:blipFill rotWithShape="0">
+                <a:blip r:embed="rId10"/>
+                <a:stretch>
+                  <a:fillRect/>
+                </a:stretch>
+              </a:blipFill>
+            </p:spPr>
+            <p:txBody>
+              <a:bodyPr/>
+              <a:lstStyle/>
+              <a:p>
+                <a:r>
+                  <a:rPr lang="zh-CN" altLang="en-US">
+                    <a:noFill/>
+                  </a:rPr>
+                  <a:t> </a:t>
+                </a:r>
+              </a:p>
+            </p:txBody>
+          </p:sp>
+        </mc:Fallback>
+      </mc:AlternateContent>
+      <p:sp>
+        <p:nvSpPr>
+          <p:cNvPr id="33" name="十字形 32">
+            <a:extLst>
+              <a:ext uri="{FF2B5EF4-FFF2-40B4-BE49-F238E27FC236}">
+                <a16:creationId xmlns:a16="http://schemas.microsoft.com/office/drawing/2014/main" xmlns="" id="{C53AA193-7AFB-BB4D-972D-BFFD74D5B4C6}"/>
+              </a:ext>
+            </a:extLst>
+          </p:cNvPr>
+          <p:cNvSpPr/>
+          <p:nvPr/>
+        </p:nvSpPr>
+        <p:spPr>
+          <a:xfrm>
+            <a:off x="8928614" y="4805851"/>
+            <a:ext cx="115694" cy="117649"/>
+          </a:xfrm>
+          <a:prstGeom prst="plus">
+            <a:avLst>
+              <a:gd name="adj" fmla="val 40790"/>
+            </a:avLst>
+          </a:prstGeom>
+          <a:solidFill>
+            <a:schemeClr val="tx1"/>
+          </a:solidFill>
+          <a:ln>
+            <a:solidFill>
+              <a:schemeClr val="tx1"/>
+            </a:solidFill>
+          </a:ln>
+        </p:spPr>
+        <p:style>
+          <a:lnRef idx="2">
+            <a:schemeClr val="accent1">
+              <a:shade val="50000"/>
+            </a:schemeClr>
+          </a:lnRef>
+          <a:fillRef idx="1">
+            <a:schemeClr val="accent1"/>
+          </a:fillRef>
+          <a:effectRef idx="0">
+            <a:schemeClr val="accent1"/>
+          </a:effectRef>
+          <a:fontRef idx="minor">
+            <a:schemeClr val="lt1"/>
+          </a:fontRef>
+        </p:style>
+        <p:txBody>
+          <a:bodyPr rtlCol="0" anchor="ctr"/>
+          <a:lstStyle/>
+          <a:p>
+            <a:pPr algn="ctr"/>
+            <a:endParaRPr kumimoji="1" lang="zh-CN" altLang="en-US" sz="1200"/>
+          </a:p>
+        </p:txBody>
+      </p:sp>
+      <p:sp>
+        <p:nvSpPr>
+          <p:cNvPr id="34" name="上箭头 33">
+            <a:extLst>
+              <a:ext uri="{FF2B5EF4-FFF2-40B4-BE49-F238E27FC236}">
+                <a16:creationId xmlns:a16="http://schemas.microsoft.com/office/drawing/2014/main" xmlns="" id="{DA7FB890-7724-4C4F-A5DE-FE988E7995D7}"/>
+              </a:ext>
+            </a:extLst>
+          </p:cNvPr>
+          <p:cNvSpPr/>
+          <p:nvPr/>
+        </p:nvSpPr>
+        <p:spPr>
+          <a:xfrm>
+            <a:off x="8884494" y="4150262"/>
+            <a:ext cx="159814" cy="192749"/>
+          </a:xfrm>
+          <a:prstGeom prst="upArrow">
+            <a:avLst/>
+          </a:prstGeom>
+          <a:solidFill>
+            <a:schemeClr val="tx1"/>
+          </a:solidFill>
+          <a:ln>
+            <a:solidFill>
+              <a:schemeClr val="tx1"/>
+            </a:solidFill>
+          </a:ln>
+        </p:spPr>
+        <p:style>
+          <a:lnRef idx="2">
+            <a:schemeClr val="accent1">
+              <a:shade val="50000"/>
+            </a:schemeClr>
+          </a:lnRef>
+          <a:fillRef idx="1">
+            <a:schemeClr val="accent1"/>
+          </a:fillRef>
+          <a:effectRef idx="0">
+            <a:schemeClr val="accent1"/>
+          </a:effectRef>
+          <a:fontRef idx="minor">
+            <a:schemeClr val="lt1"/>
+          </a:fontRef>
+        </p:style>
+        <p:txBody>
+          <a:bodyPr rtlCol="0" anchor="ctr"/>
+          <a:lstStyle/>
+          <a:p>
+            <a:pPr algn="ctr"/>
+            <a:endParaRPr kumimoji="1" lang="zh-CN" altLang="en-US" sz="1200" dirty="0"/>
+          </a:p>
+        </p:txBody>
+      </p:sp>
+      <p:sp>
+        <p:nvSpPr>
+          <p:cNvPr id="35" name="上箭头 34">
+            <a:extLst>
+              <a:ext uri="{FF2B5EF4-FFF2-40B4-BE49-F238E27FC236}">
+                <a16:creationId xmlns:a16="http://schemas.microsoft.com/office/drawing/2014/main" xmlns="" id="{DA7FB890-7724-4C4F-A5DE-FE988E7995D7}"/>
+              </a:ext>
+            </a:extLst>
+          </p:cNvPr>
+          <p:cNvSpPr/>
+          <p:nvPr/>
+        </p:nvSpPr>
+        <p:spPr>
+          <a:xfrm>
+            <a:off x="5462205" y="5546793"/>
+            <a:ext cx="159814" cy="192749"/>
+          </a:xfrm>
+          <a:prstGeom prst="upArrow">
+            <a:avLst/>
+          </a:prstGeom>
+          <a:solidFill>
+            <a:schemeClr val="tx1"/>
+          </a:solidFill>
+          <a:ln>
+            <a:solidFill>
+              <a:schemeClr val="tx1"/>
+            </a:solidFill>
+          </a:ln>
+        </p:spPr>
+        <p:style>
+          <a:lnRef idx="2">
+            <a:schemeClr val="accent1">
+              <a:shade val="50000"/>
+            </a:schemeClr>
+          </a:lnRef>
+          <a:fillRef idx="1">
+            <a:schemeClr val="accent1"/>
+          </a:fillRef>
+          <a:effectRef idx="0">
+            <a:schemeClr val="accent1"/>
+          </a:effectRef>
+          <a:fontRef idx="minor">
+            <a:schemeClr val="lt1"/>
+          </a:fontRef>
+        </p:style>
+        <p:txBody>
+          <a:bodyPr rtlCol="0" anchor="ctr"/>
+          <a:lstStyle/>
+          <a:p>
+            <a:pPr algn="ctr"/>
+            <a:endParaRPr kumimoji="1" lang="zh-CN" altLang="en-US" sz="1200" dirty="0"/>
+          </a:p>
+        </p:txBody>
+      </p:sp>
+      <p:sp>
+        <p:nvSpPr>
+          <p:cNvPr id="36" name="上箭头 35">
+            <a:extLst>
+              <a:ext uri="{FF2B5EF4-FFF2-40B4-BE49-F238E27FC236}">
+                <a16:creationId xmlns:a16="http://schemas.microsoft.com/office/drawing/2014/main" xmlns="" id="{DA7FB890-7724-4C4F-A5DE-FE988E7995D7}"/>
+              </a:ext>
+            </a:extLst>
+          </p:cNvPr>
+          <p:cNvSpPr/>
+          <p:nvPr/>
+        </p:nvSpPr>
+        <p:spPr>
+          <a:xfrm>
+            <a:off x="6550549" y="5537853"/>
+            <a:ext cx="159814" cy="192749"/>
+          </a:xfrm>
+          <a:prstGeom prst="upArrow">
+            <a:avLst/>
+          </a:prstGeom>
+          <a:solidFill>
+            <a:schemeClr val="tx1"/>
+          </a:solidFill>
+          <a:ln>
+            <a:solidFill>
+              <a:schemeClr val="tx1"/>
+            </a:solidFill>
+          </a:ln>
+        </p:spPr>
+        <p:style>
+          <a:lnRef idx="2">
+            <a:schemeClr val="accent1">
+              <a:shade val="50000"/>
+            </a:schemeClr>
+          </a:lnRef>
+          <a:fillRef idx="1">
+            <a:schemeClr val="accent1"/>
+          </a:fillRef>
+          <a:effectRef idx="0">
+            <a:schemeClr val="accent1"/>
+          </a:effectRef>
+          <a:fontRef idx="minor">
+            <a:schemeClr val="lt1"/>
+          </a:fontRef>
+        </p:style>
+        <p:txBody>
+          <a:bodyPr rtlCol="0" anchor="ctr"/>
+          <a:lstStyle/>
+          <a:p>
+            <a:pPr algn="ctr"/>
+            <a:endParaRPr kumimoji="1" lang="zh-CN" altLang="en-US" sz="1200" dirty="0"/>
+          </a:p>
+        </p:txBody>
+      </p:sp>
+      <p:sp>
+        <p:nvSpPr>
+          <p:cNvPr id="37" name="上箭头 36">
+            <a:extLst>
+              <a:ext uri="{FF2B5EF4-FFF2-40B4-BE49-F238E27FC236}">
+                <a16:creationId xmlns:a16="http://schemas.microsoft.com/office/drawing/2014/main" xmlns="" id="{DA7FB890-7724-4C4F-A5DE-FE988E7995D7}"/>
+              </a:ext>
+            </a:extLst>
+          </p:cNvPr>
+          <p:cNvSpPr/>
+          <p:nvPr/>
+        </p:nvSpPr>
+        <p:spPr>
+          <a:xfrm>
+            <a:off x="7994562" y="5553093"/>
+            <a:ext cx="159814" cy="192749"/>
+          </a:xfrm>
+          <a:prstGeom prst="upArrow">
+            <a:avLst/>
+          </a:prstGeom>
+          <a:solidFill>
+            <a:schemeClr val="tx1"/>
+          </a:solidFill>
+          <a:ln>
+            <a:solidFill>
+              <a:schemeClr val="tx1"/>
+            </a:solidFill>
+          </a:ln>
+        </p:spPr>
+        <p:style>
+          <a:lnRef idx="2">
+            <a:schemeClr val="accent1">
+              <a:shade val="50000"/>
+            </a:schemeClr>
+          </a:lnRef>
+          <a:fillRef idx="1">
+            <a:schemeClr val="accent1"/>
+          </a:fillRef>
+          <a:effectRef idx="0">
+            <a:schemeClr val="accent1"/>
+          </a:effectRef>
+          <a:fontRef idx="minor">
+            <a:schemeClr val="lt1"/>
+          </a:fontRef>
+        </p:style>
+        <p:txBody>
+          <a:bodyPr rtlCol="0" anchor="ctr"/>
+          <a:lstStyle/>
+          <a:p>
+            <a:pPr algn="ctr"/>
+            <a:endParaRPr kumimoji="1" lang="zh-CN" altLang="en-US" sz="1200" dirty="0"/>
+          </a:p>
+        </p:txBody>
+      </p:sp>
+      <p:sp>
+        <p:nvSpPr>
+          <p:cNvPr id="38" name="上箭头 37">
+            <a:extLst>
+              <a:ext uri="{FF2B5EF4-FFF2-40B4-BE49-F238E27FC236}">
+                <a16:creationId xmlns:a16="http://schemas.microsoft.com/office/drawing/2014/main" xmlns="" id="{DA7FB890-7724-4C4F-A5DE-FE988E7995D7}"/>
+              </a:ext>
+            </a:extLst>
+          </p:cNvPr>
+          <p:cNvSpPr/>
+          <p:nvPr/>
+        </p:nvSpPr>
+        <p:spPr>
+          <a:xfrm>
+            <a:off x="8964401" y="5535186"/>
+            <a:ext cx="159814" cy="192749"/>
+          </a:xfrm>
+          <a:prstGeom prst="upArrow">
+            <a:avLst/>
+          </a:prstGeom>
+          <a:solidFill>
+            <a:schemeClr val="tx1"/>
+          </a:solidFill>
+          <a:ln>
+            <a:solidFill>
+              <a:schemeClr val="tx1"/>
+            </a:solidFill>
+          </a:ln>
+        </p:spPr>
+        <p:style>
+          <a:lnRef idx="2">
+            <a:schemeClr val="accent1">
+              <a:shade val="50000"/>
+            </a:schemeClr>
+          </a:lnRef>
+          <a:fillRef idx="1">
+            <a:schemeClr val="accent1"/>
+          </a:fillRef>
+          <a:effectRef idx="0">
+            <a:schemeClr val="accent1"/>
+          </a:effectRef>
+          <a:fontRef idx="minor">
+            <a:schemeClr val="lt1"/>
+          </a:fontRef>
+        </p:style>
+        <p:txBody>
+          <a:bodyPr rtlCol="0" anchor="ctr"/>
+          <a:lstStyle/>
+          <a:p>
+            <a:pPr algn="ctr"/>
+            <a:endParaRPr kumimoji="1" lang="zh-CN" altLang="en-US" sz="1200" dirty="0"/>
+          </a:p>
+        </p:txBody>
+      </p:sp>
+      <p:sp>
+        <p:nvSpPr>
+          <p:cNvPr id="39" name="上箭头 38">
+            <a:extLst>
+              <a:ext uri="{FF2B5EF4-FFF2-40B4-BE49-F238E27FC236}">
+                <a16:creationId xmlns:a16="http://schemas.microsoft.com/office/drawing/2014/main" xmlns="" id="{98437923-21EA-E940-9906-113C007CED40}"/>
+              </a:ext>
+            </a:extLst>
+          </p:cNvPr>
+          <p:cNvSpPr/>
+          <p:nvPr/>
+        </p:nvSpPr>
+        <p:spPr>
+          <a:xfrm>
+            <a:off x="3255342" y="3279221"/>
+            <a:ext cx="159814" cy="192749"/>
+          </a:xfrm>
+          <a:prstGeom prst="upArrow">
+            <a:avLst/>
+          </a:prstGeom>
+          <a:solidFill>
+            <a:schemeClr val="tx1"/>
+          </a:solidFill>
+          <a:ln>
+            <a:solidFill>
+              <a:schemeClr val="tx1"/>
+            </a:solidFill>
+          </a:ln>
+        </p:spPr>
+        <p:style>
+          <a:lnRef idx="2">
+            <a:schemeClr val="accent1">
+              <a:shade val="50000"/>
+            </a:schemeClr>
+          </a:lnRef>
+          <a:fillRef idx="1">
+            <a:schemeClr val="accent1"/>
+          </a:fillRef>
+          <a:effectRef idx="0">
+            <a:schemeClr val="accent1"/>
+          </a:effectRef>
+          <a:fontRef idx="minor">
+            <a:schemeClr val="lt1"/>
+          </a:fontRef>
+        </p:style>
+        <p:txBody>
+          <a:bodyPr rtlCol="0" anchor="ctr"/>
+          <a:lstStyle/>
+          <a:p>
+            <a:pPr algn="ctr"/>
+            <a:endParaRPr kumimoji="1" lang="zh-CN" altLang="en-US" sz="1200" dirty="0"/>
+          </a:p>
+        </p:txBody>
+      </p:sp>
+      <mc:AlternateContent xmlns:mc="http://schemas.openxmlformats.org/markup-compatibility/2006">
+        <mc:Choice xmlns:a14="http://schemas.microsoft.com/office/drawing/2010/main" Requires="a14">
+          <p:sp>
+            <p:nvSpPr>
+              <p:cNvPr id="40" name="圆角矩形 39">
+                <a:extLst>
+                  <a:ext uri="{FF2B5EF4-FFF2-40B4-BE49-F238E27FC236}">
+                    <a16:creationId xmlns:a16="http://schemas.microsoft.com/office/drawing/2014/main" xmlns="" id="{F877A390-C74C-4F41-8A09-C4580876F3C0}"/>
+                  </a:ext>
+                </a:extLst>
+              </p:cNvPr>
+              <p:cNvSpPr/>
+              <p:nvPr/>
+            </p:nvSpPr>
+            <p:spPr>
+              <a:xfrm>
+                <a:off x="2912578" y="2761563"/>
+                <a:ext cx="792206" cy="347241"/>
+              </a:xfrm>
+              <a:prstGeom prst="roundRect">
+                <a:avLst/>
+              </a:prstGeom>
+              <a:solidFill>
+                <a:schemeClr val="accent4">
+                  <a:lumMod val="60000"/>
+                  <a:lumOff val="40000"/>
+                </a:schemeClr>
+              </a:solidFill>
+            </p:spPr>
+            <p:style>
+              <a:lnRef idx="2">
+                <a:schemeClr val="dk1"/>
+              </a:lnRef>
+              <a:fillRef idx="1">
+                <a:schemeClr val="lt1"/>
+              </a:fillRef>
+              <a:effectRef idx="0">
+                <a:schemeClr val="dk1"/>
+              </a:effectRef>
+              <a:fontRef idx="minor">
+                <a:schemeClr val="dk1"/>
+              </a:fontRef>
+            </p:style>
+            <p:txBody>
+              <a:bodyPr rtlCol="0" anchor="ctr"/>
+              <a:lstStyle/>
+              <a:p>
+                <a:pPr algn="ctr"/>
+                <a14:m>
+                  <m:oMathPara xmlns:m="http://schemas.openxmlformats.org/officeDocument/2006/math">
+                    <m:oMathParaPr>
+                      <m:jc m:val="centerGroup"/>
+                    </m:oMathParaPr>
+                    <m:oMath xmlns:m="http://schemas.openxmlformats.org/officeDocument/2006/math">
+                      <m:sSub>
+                        <m:sSubPr>
+                          <m:ctrlPr>
+                            <a:rPr kumimoji="1" lang="en-US" altLang="zh-CN" b="0" i="1" smtClean="0">
+                              <a:latin typeface="Cambria Math" panose="02040503050406030204" pitchFamily="18" charset="0"/>
+                            </a:rPr>
+                          </m:ctrlPr>
+                        </m:sSubPr>
+                        <m:e>
+                          <m:r>
+                            <a:rPr kumimoji="1" lang="en-US" altLang="zh-CN" b="0" i="1" smtClean="0">
+                              <a:latin typeface="Cambria Math" panose="02040503050406030204" pitchFamily="18" charset="0"/>
+                            </a:rPr>
+                            <m:t>𝑒</m:t>
+                          </m:r>
+                        </m:e>
+                        <m:sub>
+                          <m:r>
+                            <a:rPr kumimoji="1" lang="en-US" altLang="zh-CN" b="0" i="1" smtClean="0">
+                              <a:latin typeface="Cambria Math" panose="02040503050406030204" pitchFamily="18" charset="0"/>
+                            </a:rPr>
+                            <m:t>𝐶𝐿𝑆</m:t>
+                          </m:r>
+                        </m:sub>
+                      </m:sSub>
+                    </m:oMath>
+                  </m:oMathPara>
+                </a14:m>
+                <a:endParaRPr kumimoji="1" lang="en-US" altLang="zh-CN" b="0" dirty="0" smtClean="0"/>
+              </a:p>
+            </p:txBody>
+          </p:sp>
+        </mc:Choice>
+        <mc:Fallback>
+          <p:sp>
+            <p:nvSpPr>
+              <p:cNvPr id="40" name="圆角矩形 39">
+                <a:extLst>
+                  <a:ext uri="{FF2B5EF4-FFF2-40B4-BE49-F238E27FC236}">
+                    <a16:creationId xmlns:a16="http://schemas.microsoft.com/office/drawing/2014/main" xmlns="" xmlns:a14="http://schemas.microsoft.com/office/drawing/2010/main" id="{F877A390-C74C-4F41-8A09-C4580876F3C0}"/>
+                  </a:ext>
+                </a:extLst>
+              </p:cNvPr>
+              <p:cNvSpPr>
+                <a:spLocks noRot="1" noChangeAspect="1" noMove="1" noResize="1" noEditPoints="1" noAdjustHandles="1" noChangeArrowheads="1" noChangeShapeType="1" noTextEdit="1"/>
+              </p:cNvSpPr>
+              <p:nvPr/>
+            </p:nvSpPr>
+            <p:spPr>
+              <a:xfrm>
+                <a:off x="2912578" y="2761563"/>
+                <a:ext cx="792206" cy="347241"/>
+              </a:xfrm>
+              <a:prstGeom prst="roundRect">
+                <a:avLst/>
+              </a:prstGeom>
+              <a:blipFill rotWithShape="0">
+                <a:blip r:embed="rId11"/>
+                <a:stretch>
+                  <a:fillRect/>
+                </a:stretch>
+              </a:blipFill>
+            </p:spPr>
+            <p:txBody>
+              <a:bodyPr/>
+              <a:lstStyle/>
+              <a:p>
+                <a:r>
+                  <a:rPr lang="zh-CN" altLang="en-US">
+                    <a:noFill/>
+                  </a:rPr>
+                  <a:t> </a:t>
+                </a:r>
+              </a:p>
+            </p:txBody>
+          </p:sp>
+        </mc:Fallback>
+      </mc:AlternateContent>
+      <p:sp>
+        <p:nvSpPr>
+          <p:cNvPr id="41" name="上箭头 40">
+            <a:extLst>
+              <a:ext uri="{FF2B5EF4-FFF2-40B4-BE49-F238E27FC236}">
+                <a16:creationId xmlns:a16="http://schemas.microsoft.com/office/drawing/2014/main" xmlns="" id="{98437923-21EA-E940-9906-113C007CED40}"/>
+              </a:ext>
+            </a:extLst>
+          </p:cNvPr>
+          <p:cNvSpPr/>
+          <p:nvPr/>
+        </p:nvSpPr>
+        <p:spPr>
+          <a:xfrm>
+            <a:off x="3228774" y="2420728"/>
+            <a:ext cx="159814" cy="192749"/>
+          </a:xfrm>
+          <a:prstGeom prst="upArrow">
+            <a:avLst/>
+          </a:prstGeom>
+          <a:solidFill>
+            <a:schemeClr val="tx1"/>
+          </a:solidFill>
+          <a:ln>
+            <a:solidFill>
+              <a:schemeClr val="tx1"/>
+            </a:solidFill>
+          </a:ln>
+        </p:spPr>
+        <p:style>
+          <a:lnRef idx="2">
+            <a:schemeClr val="accent1">
+              <a:shade val="50000"/>
+            </a:schemeClr>
+          </a:lnRef>
+          <a:fillRef idx="1">
+            <a:schemeClr val="accent1"/>
+          </a:fillRef>
+          <a:effectRef idx="0">
+            <a:schemeClr val="accent1"/>
+          </a:effectRef>
+          <a:fontRef idx="minor">
+            <a:schemeClr val="lt1"/>
+          </a:fontRef>
+        </p:style>
+        <p:txBody>
+          <a:bodyPr rtlCol="0" anchor="ctr"/>
+          <a:lstStyle/>
+          <a:p>
+            <a:pPr algn="ctr"/>
+            <a:endParaRPr kumimoji="1" lang="zh-CN" altLang="en-US" sz="1200" dirty="0"/>
+          </a:p>
+        </p:txBody>
+      </p:sp>
+      <p:sp>
+        <p:nvSpPr>
+          <p:cNvPr id="42" name="文本框 41"/>
+          <p:cNvSpPr txBox="1"/>
+          <p:nvPr/>
+        </p:nvSpPr>
+        <p:spPr>
+          <a:xfrm>
+            <a:off x="2808942" y="2034039"/>
+            <a:ext cx="1159292" cy="369332"/>
+          </a:xfrm>
+          <a:prstGeom prst="rect">
+            <a:avLst/>
+          </a:prstGeom>
+          <a:noFill/>
+        </p:spPr>
+        <p:txBody>
+          <a:bodyPr wrap="none" rtlCol="0">
+            <a:spAutoFit/>
+          </a:bodyPr>
+          <a:lstStyle/>
+          <a:p>
+            <a:r>
+              <a:rPr kumimoji="1" lang="en-US" altLang="zh-CN" dirty="0" smtClean="0">
+                <a:latin typeface="Microsoft YaHei" charset="-122"/>
+                <a:ea typeface="Microsoft YaHei" charset="-122"/>
+                <a:cs typeface="Microsoft YaHei" charset="-122"/>
+              </a:rPr>
+              <a:t>BNR loss</a:t>
+            </a:r>
+            <a:endParaRPr lang="zh-CN" altLang="en-US" dirty="0"/>
+          </a:p>
+        </p:txBody>
+      </p:sp>
+    </p:spTree>
+    <p:extLst>
+      <p:ext uri="{BB962C8B-B14F-4D97-AF65-F5344CB8AC3E}">
+        <p14:creationId xmlns:p14="http://schemas.microsoft.com/office/powerpoint/2010/main" val="2223862525"/>
       </p:ext>
     </p:extLst>
   </p:cSld>
